--- a/Shortcut.pptx
+++ b/Shortcut.pptx
@@ -3,21 +3,26 @@
 <p:presentation xmlns:a="http://schemas.openxmlformats.org/drawingml/2006/main" xmlns:r="http://schemas.openxmlformats.org/officeDocument/2006/relationships" xmlns:p="http://schemas.openxmlformats.org/presentationml/2006/main" saveSubsetFonts="1">
   <p:sldMasterIdLst>
     <p:sldMasterId id="2147483694" r:id="rId1"/>
+    <p:sldMasterId id="2147483712" r:id="rId2"/>
   </p:sldMasterIdLst>
   <p:sldIdLst>
-    <p:sldId id="256" r:id="rId2"/>
-    <p:sldId id="264" r:id="rId3"/>
-    <p:sldId id="265" r:id="rId4"/>
-    <p:sldId id="266" r:id="rId5"/>
-    <p:sldId id="267" r:id="rId6"/>
-    <p:sldId id="257" r:id="rId7"/>
-    <p:sldId id="258" r:id="rId8"/>
-    <p:sldId id="259" r:id="rId9"/>
-    <p:sldId id="260" r:id="rId10"/>
-    <p:sldId id="261" r:id="rId11"/>
-    <p:sldId id="263" r:id="rId12"/>
-    <p:sldId id="262" r:id="rId13"/>
-    <p:sldId id="268" r:id="rId14"/>
+    <p:sldId id="256" r:id="rId3"/>
+    <p:sldId id="264" r:id="rId4"/>
+    <p:sldId id="265" r:id="rId5"/>
+    <p:sldId id="266" r:id="rId6"/>
+    <p:sldId id="267" r:id="rId7"/>
+    <p:sldId id="257" r:id="rId8"/>
+    <p:sldId id="258" r:id="rId9"/>
+    <p:sldId id="274" r:id="rId10"/>
+    <p:sldId id="275" r:id="rId11"/>
+    <p:sldId id="259" r:id="rId12"/>
+    <p:sldId id="260" r:id="rId13"/>
+    <p:sldId id="272" r:id="rId14"/>
+    <p:sldId id="273" r:id="rId15"/>
+    <p:sldId id="263" r:id="rId16"/>
+    <p:sldId id="262" r:id="rId17"/>
+    <p:sldId id="271" r:id="rId18"/>
+    <p:sldId id="268" r:id="rId19"/>
   </p:sldIdLst>
   <p:sldSz cx="12192000" cy="6858000"/>
   <p:notesSz cx="6858000" cy="9144000"/>
@@ -116,6 +121,11 @@
       </a:defRPr>
     </a:lvl9pPr>
   </p:defaultTextStyle>
+  <p:extLst>
+    <p:ext uri="{EFAFB233-063F-42B5-8137-9DF3F51BA10A}">
+      <p15:sldGuideLst xmlns:p15="http://schemas.microsoft.com/office/powerpoint/2012/main"/>
+    </p:ext>
+  </p:extLst>
 </p:presentation>
 </file>
 
@@ -310,7 +320,7 @@
           <a:p>
             <a:fld id="{54DC33EF-00C4-410F-B699-02BEF52BE199}" type="datetimeFigureOut">
               <a:rPr lang="ru-RU" smtClean="0"/>
-              <a:t>21.11.2021</a:t>
+              <a:t>23.11.2021</a:t>
             </a:fld>
             <a:endParaRPr lang="ru-RU"/>
           </a:p>
@@ -746,7 +756,7 @@
           <a:p>
             <a:fld id="{54DC33EF-00C4-410F-B699-02BEF52BE199}" type="datetimeFigureOut">
               <a:rPr lang="ru-RU" smtClean="0"/>
-              <a:t>21.11.2021</a:t>
+              <a:t>23.11.2021</a:t>
             </a:fld>
             <a:endParaRPr lang="ru-RU"/>
           </a:p>
@@ -996,7 +1006,7 @@
           <a:p>
             <a:fld id="{54DC33EF-00C4-410F-B699-02BEF52BE199}" type="datetimeFigureOut">
               <a:rPr lang="ru-RU" smtClean="0"/>
-              <a:t>21.11.2021</a:t>
+              <a:t>23.11.2021</a:t>
             </a:fld>
             <a:endParaRPr lang="ru-RU"/>
           </a:p>
@@ -1304,7 +1314,7 @@
           <a:p>
             <a:fld id="{54DC33EF-00C4-410F-B699-02BEF52BE199}" type="datetimeFigureOut">
               <a:rPr lang="ru-RU" smtClean="0"/>
-              <a:t>21.11.2021</a:t>
+              <a:t>23.11.2021</a:t>
             </a:fld>
             <a:endParaRPr lang="ru-RU"/>
           </a:p>
@@ -1622,7 +1632,7 @@
           <a:p>
             <a:fld id="{54DC33EF-00C4-410F-B699-02BEF52BE199}" type="datetimeFigureOut">
               <a:rPr lang="ru-RU" smtClean="0"/>
-              <a:t>21.11.2021</a:t>
+              <a:t>23.11.2021</a:t>
             </a:fld>
             <a:endParaRPr lang="ru-RU"/>
           </a:p>
@@ -1924,7 +1934,7 @@
           <a:p>
             <a:fld id="{54DC33EF-00C4-410F-B699-02BEF52BE199}" type="datetimeFigureOut">
               <a:rPr lang="ru-RU" smtClean="0"/>
-              <a:t>21.11.2021</a:t>
+              <a:t>23.11.2021</a:t>
             </a:fld>
             <a:endParaRPr lang="ru-RU"/>
           </a:p>
@@ -2291,7 +2301,7 @@
           <a:p>
             <a:fld id="{54DC33EF-00C4-410F-B699-02BEF52BE199}" type="datetimeFigureOut">
               <a:rPr lang="ru-RU" smtClean="0"/>
-              <a:t>21.11.2021</a:t>
+              <a:t>23.11.2021</a:t>
             </a:fld>
             <a:endParaRPr lang="ru-RU"/>
           </a:p>
@@ -2465,7 +2475,7 @@
           <a:p>
             <a:fld id="{54DC33EF-00C4-410F-B699-02BEF52BE199}" type="datetimeFigureOut">
               <a:rPr lang="ru-RU" smtClean="0"/>
-              <a:t>21.11.2021</a:t>
+              <a:t>23.11.2021</a:t>
             </a:fld>
             <a:endParaRPr lang="ru-RU"/>
           </a:p>
@@ -2645,7 +2655,7 @@
           <a:p>
             <a:fld id="{54DC33EF-00C4-410F-B699-02BEF52BE199}" type="datetimeFigureOut">
               <a:rPr lang="ru-RU" smtClean="0"/>
-              <a:t>21.11.2021</a:t>
+              <a:t>23.11.2021</a:t>
             </a:fld>
             <a:endParaRPr lang="ru-RU"/>
           </a:p>
@@ -2703,6 +2713,372 @@
   <p:clrMapOvr>
     <a:masterClrMapping/>
   </p:clrMapOvr>
+</p:sldLayout>
+</file>
+
+<file path=ppt/slideLayouts/slideLayout18.xml><?xml version="1.0" encoding="utf-8"?>
+<p:sldLayout xmlns:a="http://schemas.openxmlformats.org/drawingml/2006/main" xmlns:r="http://schemas.openxmlformats.org/officeDocument/2006/relationships" xmlns:p="http://schemas.openxmlformats.org/presentationml/2006/main" type="title" preserve="1">
+  <p:cSld name="Титульный слайд">
+    <p:spTree>
+      <p:nvGrpSpPr>
+        <p:cNvPr id="1" name=""/>
+        <p:cNvGrpSpPr/>
+        <p:nvPr/>
+      </p:nvGrpSpPr>
+      <p:grpSpPr>
+        <a:xfrm>
+          <a:off x="0" y="0"/>
+          <a:ext cx="0" cy="0"/>
+          <a:chOff x="0" y="0"/>
+          <a:chExt cx="0" cy="0"/>
+        </a:xfrm>
+      </p:grpSpPr>
+      <p:sp>
+        <p:nvSpPr>
+          <p:cNvPr id="2" name="Title 1"/>
+          <p:cNvSpPr>
+            <a:spLocks noGrp="1"/>
+          </p:cNvSpPr>
+          <p:nvPr>
+            <p:ph type="ctrTitle"/>
+          </p:nvPr>
+        </p:nvSpPr>
+        <p:spPr>
+          <a:xfrm>
+            <a:off x="1524000" y="1122363"/>
+            <a:ext cx="9144000" cy="2387600"/>
+          </a:xfrm>
+        </p:spPr>
+        <p:txBody>
+          <a:bodyPr anchor="b"/>
+          <a:lstStyle>
+            <a:lvl1pPr algn="ctr">
+              <a:defRPr sz="6000"/>
+            </a:lvl1pPr>
+          </a:lstStyle>
+          <a:p>
+            <a:r>
+              <a:rPr lang="ru-RU"/>
+              <a:t>Образец заголовка</a:t>
+            </a:r>
+            <a:endParaRPr lang="en-US" dirty="0"/>
+          </a:p>
+        </p:txBody>
+      </p:sp>
+      <p:sp>
+        <p:nvSpPr>
+          <p:cNvPr id="3" name="Subtitle 2"/>
+          <p:cNvSpPr>
+            <a:spLocks noGrp="1"/>
+          </p:cNvSpPr>
+          <p:nvPr>
+            <p:ph type="subTitle" idx="1"/>
+          </p:nvPr>
+        </p:nvSpPr>
+        <p:spPr>
+          <a:xfrm>
+            <a:off x="1524000" y="3602038"/>
+            <a:ext cx="9144000" cy="1655762"/>
+          </a:xfrm>
+        </p:spPr>
+        <p:txBody>
+          <a:bodyPr/>
+          <a:lstStyle>
+            <a:lvl1pPr marL="0" indent="0" algn="ctr">
+              <a:buNone/>
+              <a:defRPr sz="2400"/>
+            </a:lvl1pPr>
+            <a:lvl2pPr marL="457200" indent="0" algn="ctr">
+              <a:buNone/>
+              <a:defRPr sz="2000"/>
+            </a:lvl2pPr>
+            <a:lvl3pPr marL="914400" indent="0" algn="ctr">
+              <a:buNone/>
+              <a:defRPr sz="1800"/>
+            </a:lvl3pPr>
+            <a:lvl4pPr marL="1371600" indent="0" algn="ctr">
+              <a:buNone/>
+              <a:defRPr sz="1600"/>
+            </a:lvl4pPr>
+            <a:lvl5pPr marL="1828800" indent="0" algn="ctr">
+              <a:buNone/>
+              <a:defRPr sz="1600"/>
+            </a:lvl5pPr>
+            <a:lvl6pPr marL="2286000" indent="0" algn="ctr">
+              <a:buNone/>
+              <a:defRPr sz="1600"/>
+            </a:lvl6pPr>
+            <a:lvl7pPr marL="2743200" indent="0" algn="ctr">
+              <a:buNone/>
+              <a:defRPr sz="1600"/>
+            </a:lvl7pPr>
+            <a:lvl8pPr marL="3200400" indent="0" algn="ctr">
+              <a:buNone/>
+              <a:defRPr sz="1600"/>
+            </a:lvl8pPr>
+            <a:lvl9pPr marL="3657600" indent="0" algn="ctr">
+              <a:buNone/>
+              <a:defRPr sz="1600"/>
+            </a:lvl9pPr>
+          </a:lstStyle>
+          <a:p>
+            <a:r>
+              <a:rPr lang="ru-RU"/>
+              <a:t>Образец подзаголовка</a:t>
+            </a:r>
+            <a:endParaRPr lang="en-US" dirty="0"/>
+          </a:p>
+        </p:txBody>
+      </p:sp>
+      <p:sp>
+        <p:nvSpPr>
+          <p:cNvPr id="4" name="Date Placeholder 3"/>
+          <p:cNvSpPr>
+            <a:spLocks noGrp="1"/>
+          </p:cNvSpPr>
+          <p:nvPr>
+            <p:ph type="dt" sz="half" idx="10"/>
+          </p:nvPr>
+        </p:nvSpPr>
+        <p:spPr/>
+        <p:txBody>
+          <a:bodyPr/>
+          <a:lstStyle/>
+          <a:p>
+            <a:fld id="{4A8D24A4-5FEC-4062-8995-EB21925B3B40}" type="datetime1">
+              <a:rPr lang="en-US" smtClean="0"/>
+              <a:t>11/23/2021</a:t>
+            </a:fld>
+            <a:endParaRPr lang="en-US" sz="1000" dirty="0"/>
+          </a:p>
+        </p:txBody>
+      </p:sp>
+      <p:sp>
+        <p:nvSpPr>
+          <p:cNvPr id="5" name="Footer Placeholder 4"/>
+          <p:cNvSpPr>
+            <a:spLocks noGrp="1"/>
+          </p:cNvSpPr>
+          <p:nvPr>
+            <p:ph type="ftr" sz="quarter" idx="11"/>
+          </p:nvPr>
+        </p:nvSpPr>
+        <p:spPr/>
+        <p:txBody>
+          <a:bodyPr/>
+          <a:lstStyle/>
+          <a:p>
+            <a:endParaRPr lang="en-US" sz="1000"/>
+          </a:p>
+        </p:txBody>
+      </p:sp>
+      <p:sp>
+        <p:nvSpPr>
+          <p:cNvPr id="6" name="Slide Number Placeholder 5"/>
+          <p:cNvSpPr>
+            <a:spLocks noGrp="1"/>
+          </p:cNvSpPr>
+          <p:nvPr>
+            <p:ph type="sldNum" sz="quarter" idx="12"/>
+          </p:nvPr>
+        </p:nvSpPr>
+        <p:spPr/>
+        <p:txBody>
+          <a:bodyPr/>
+          <a:lstStyle/>
+          <a:p>
+            <a:fld id="{35747434-7036-48DB-A148-6B3D8EE75CDA}" type="slidenum">
+              <a:rPr lang="en-US" smtClean="0"/>
+              <a:pPr/>
+              <a:t>‹#›</a:t>
+            </a:fld>
+            <a:endParaRPr lang="en-US" sz="1000" dirty="0"/>
+          </a:p>
+        </p:txBody>
+      </p:sp>
+    </p:spTree>
+    <p:extLst>
+      <p:ext uri="{BB962C8B-B14F-4D97-AF65-F5344CB8AC3E}">
+        <p14:creationId xmlns:p14="http://schemas.microsoft.com/office/powerpoint/2010/main" val="943271100"/>
+      </p:ext>
+    </p:extLst>
+  </p:cSld>
+  <p:clrMapOvr>
+    <a:masterClrMapping/>
+  </p:clrMapOvr>
+  <p:hf sldNum="0" hdr="0" ftr="0" dt="0"/>
+</p:sldLayout>
+</file>
+
+<file path=ppt/slideLayouts/slideLayout19.xml><?xml version="1.0" encoding="utf-8"?>
+<p:sldLayout xmlns:a="http://schemas.openxmlformats.org/drawingml/2006/main" xmlns:r="http://schemas.openxmlformats.org/officeDocument/2006/relationships" xmlns:p="http://schemas.openxmlformats.org/presentationml/2006/main" type="obj" preserve="1">
+  <p:cSld name="Заголовок и объект">
+    <p:spTree>
+      <p:nvGrpSpPr>
+        <p:cNvPr id="1" name=""/>
+        <p:cNvGrpSpPr/>
+        <p:nvPr/>
+      </p:nvGrpSpPr>
+      <p:grpSpPr>
+        <a:xfrm>
+          <a:off x="0" y="0"/>
+          <a:ext cx="0" cy="0"/>
+          <a:chOff x="0" y="0"/>
+          <a:chExt cx="0" cy="0"/>
+        </a:xfrm>
+      </p:grpSpPr>
+      <p:sp>
+        <p:nvSpPr>
+          <p:cNvPr id="2" name="Title 1"/>
+          <p:cNvSpPr>
+            <a:spLocks noGrp="1"/>
+          </p:cNvSpPr>
+          <p:nvPr>
+            <p:ph type="title"/>
+          </p:nvPr>
+        </p:nvSpPr>
+        <p:spPr/>
+        <p:txBody>
+          <a:bodyPr/>
+          <a:lstStyle/>
+          <a:p>
+            <a:r>
+              <a:rPr lang="ru-RU"/>
+              <a:t>Образец заголовка</a:t>
+            </a:r>
+            <a:endParaRPr lang="en-US" dirty="0"/>
+          </a:p>
+        </p:txBody>
+      </p:sp>
+      <p:sp>
+        <p:nvSpPr>
+          <p:cNvPr id="3" name="Content Placeholder 2"/>
+          <p:cNvSpPr>
+            <a:spLocks noGrp="1"/>
+          </p:cNvSpPr>
+          <p:nvPr>
+            <p:ph idx="1"/>
+          </p:nvPr>
+        </p:nvSpPr>
+        <p:spPr/>
+        <p:txBody>
+          <a:bodyPr/>
+          <a:lstStyle/>
+          <a:p>
+            <a:pPr lvl="0"/>
+            <a:r>
+              <a:rPr lang="ru-RU"/>
+              <a:t>Образец текста</a:t>
+            </a:r>
+          </a:p>
+          <a:p>
+            <a:pPr lvl="1"/>
+            <a:r>
+              <a:rPr lang="ru-RU"/>
+              <a:t>Второй уровень</a:t>
+            </a:r>
+          </a:p>
+          <a:p>
+            <a:pPr lvl="2"/>
+            <a:r>
+              <a:rPr lang="ru-RU"/>
+              <a:t>Третий уровень</a:t>
+            </a:r>
+          </a:p>
+          <a:p>
+            <a:pPr lvl="3"/>
+            <a:r>
+              <a:rPr lang="ru-RU"/>
+              <a:t>Четвертый уровень</a:t>
+            </a:r>
+          </a:p>
+          <a:p>
+            <a:pPr lvl="4"/>
+            <a:r>
+              <a:rPr lang="ru-RU"/>
+              <a:t>Пятый уровень</a:t>
+            </a:r>
+            <a:endParaRPr lang="en-US" dirty="0"/>
+          </a:p>
+        </p:txBody>
+      </p:sp>
+      <p:sp>
+        <p:nvSpPr>
+          <p:cNvPr id="4" name="Date Placeholder 3"/>
+          <p:cNvSpPr>
+            <a:spLocks noGrp="1"/>
+          </p:cNvSpPr>
+          <p:nvPr>
+            <p:ph type="dt" sz="half" idx="10"/>
+          </p:nvPr>
+        </p:nvSpPr>
+        <p:spPr/>
+        <p:txBody>
+          <a:bodyPr/>
+          <a:lstStyle/>
+          <a:p>
+            <a:fld id="{4A8D24A4-5FEC-4062-8995-EB21925B3B40}" type="datetime1">
+              <a:rPr lang="en-US" smtClean="0"/>
+              <a:t>11/23/2021</a:t>
+            </a:fld>
+            <a:endParaRPr lang="en-US" sz="1000" dirty="0"/>
+          </a:p>
+        </p:txBody>
+      </p:sp>
+      <p:sp>
+        <p:nvSpPr>
+          <p:cNvPr id="5" name="Footer Placeholder 4"/>
+          <p:cNvSpPr>
+            <a:spLocks noGrp="1"/>
+          </p:cNvSpPr>
+          <p:nvPr>
+            <p:ph type="ftr" sz="quarter" idx="11"/>
+          </p:nvPr>
+        </p:nvSpPr>
+        <p:spPr/>
+        <p:txBody>
+          <a:bodyPr/>
+          <a:lstStyle/>
+          <a:p>
+            <a:endParaRPr lang="en-US" sz="1000"/>
+          </a:p>
+        </p:txBody>
+      </p:sp>
+      <p:sp>
+        <p:nvSpPr>
+          <p:cNvPr id="6" name="Slide Number Placeholder 5"/>
+          <p:cNvSpPr>
+            <a:spLocks noGrp="1"/>
+          </p:cNvSpPr>
+          <p:nvPr>
+            <p:ph type="sldNum" sz="quarter" idx="12"/>
+          </p:nvPr>
+        </p:nvSpPr>
+        <p:spPr/>
+        <p:txBody>
+          <a:bodyPr/>
+          <a:lstStyle/>
+          <a:p>
+            <a:fld id="{35747434-7036-48DB-A148-6B3D8EE75CDA}" type="slidenum">
+              <a:rPr lang="en-US" smtClean="0"/>
+              <a:pPr/>
+              <a:t>‹#›</a:t>
+            </a:fld>
+            <a:endParaRPr lang="en-US" sz="1000" dirty="0"/>
+          </a:p>
+        </p:txBody>
+      </p:sp>
+    </p:spTree>
+    <p:extLst>
+      <p:ext uri="{BB962C8B-B14F-4D97-AF65-F5344CB8AC3E}">
+        <p14:creationId xmlns:p14="http://schemas.microsoft.com/office/powerpoint/2010/main" val="860399187"/>
+      </p:ext>
+    </p:extLst>
+  </p:cSld>
+  <p:clrMapOvr>
+    <a:masterClrMapping/>
+  </p:clrMapOvr>
+  <p:hf sldNum="0" hdr="0" ftr="0" dt="0"/>
 </p:sldLayout>
 </file>
 
@@ -2815,7 +3191,7 @@
           <a:p>
             <a:fld id="{54DC33EF-00C4-410F-B699-02BEF52BE199}" type="datetimeFigureOut">
               <a:rPr lang="ru-RU" smtClean="0"/>
-              <a:t>21.11.2021</a:t>
+              <a:t>23.11.2021</a:t>
             </a:fld>
             <a:endParaRPr lang="ru-RU"/>
           </a:p>
@@ -2873,6 +3249,1966 @@
   <p:clrMapOvr>
     <a:masterClrMapping/>
   </p:clrMapOvr>
+</p:sldLayout>
+</file>
+
+<file path=ppt/slideLayouts/slideLayout20.xml><?xml version="1.0" encoding="utf-8"?>
+<p:sldLayout xmlns:a="http://schemas.openxmlformats.org/drawingml/2006/main" xmlns:r="http://schemas.openxmlformats.org/officeDocument/2006/relationships" xmlns:p="http://schemas.openxmlformats.org/presentationml/2006/main" type="secHead" preserve="1">
+  <p:cSld name="Заголовок раздела">
+    <p:spTree>
+      <p:nvGrpSpPr>
+        <p:cNvPr id="1" name=""/>
+        <p:cNvGrpSpPr/>
+        <p:nvPr/>
+      </p:nvGrpSpPr>
+      <p:grpSpPr>
+        <a:xfrm>
+          <a:off x="0" y="0"/>
+          <a:ext cx="0" cy="0"/>
+          <a:chOff x="0" y="0"/>
+          <a:chExt cx="0" cy="0"/>
+        </a:xfrm>
+      </p:grpSpPr>
+      <p:sp>
+        <p:nvSpPr>
+          <p:cNvPr id="2" name="Title 1"/>
+          <p:cNvSpPr>
+            <a:spLocks noGrp="1"/>
+          </p:cNvSpPr>
+          <p:nvPr>
+            <p:ph type="title"/>
+          </p:nvPr>
+        </p:nvSpPr>
+        <p:spPr>
+          <a:xfrm>
+            <a:off x="831850" y="1709738"/>
+            <a:ext cx="10515600" cy="2852737"/>
+          </a:xfrm>
+        </p:spPr>
+        <p:txBody>
+          <a:bodyPr anchor="b"/>
+          <a:lstStyle>
+            <a:lvl1pPr>
+              <a:defRPr sz="6000"/>
+            </a:lvl1pPr>
+          </a:lstStyle>
+          <a:p>
+            <a:r>
+              <a:rPr lang="ru-RU"/>
+              <a:t>Образец заголовка</a:t>
+            </a:r>
+            <a:endParaRPr lang="en-US" dirty="0"/>
+          </a:p>
+        </p:txBody>
+      </p:sp>
+      <p:sp>
+        <p:nvSpPr>
+          <p:cNvPr id="3" name="Text Placeholder 2"/>
+          <p:cNvSpPr>
+            <a:spLocks noGrp="1"/>
+          </p:cNvSpPr>
+          <p:nvPr>
+            <p:ph type="body" idx="1"/>
+          </p:nvPr>
+        </p:nvSpPr>
+        <p:spPr>
+          <a:xfrm>
+            <a:off x="831850" y="4589463"/>
+            <a:ext cx="10515600" cy="1500187"/>
+          </a:xfrm>
+        </p:spPr>
+        <p:txBody>
+          <a:bodyPr/>
+          <a:lstStyle>
+            <a:lvl1pPr marL="0" indent="0">
+              <a:buNone/>
+              <a:defRPr sz="2400">
+                <a:solidFill>
+                  <a:schemeClr val="tx1">
+                    <a:tint val="75000"/>
+                  </a:schemeClr>
+                </a:solidFill>
+              </a:defRPr>
+            </a:lvl1pPr>
+            <a:lvl2pPr marL="457200" indent="0">
+              <a:buNone/>
+              <a:defRPr sz="2000">
+                <a:solidFill>
+                  <a:schemeClr val="tx1">
+                    <a:tint val="75000"/>
+                  </a:schemeClr>
+                </a:solidFill>
+              </a:defRPr>
+            </a:lvl2pPr>
+            <a:lvl3pPr marL="914400" indent="0">
+              <a:buNone/>
+              <a:defRPr sz="1800">
+                <a:solidFill>
+                  <a:schemeClr val="tx1">
+                    <a:tint val="75000"/>
+                  </a:schemeClr>
+                </a:solidFill>
+              </a:defRPr>
+            </a:lvl3pPr>
+            <a:lvl4pPr marL="1371600" indent="0">
+              <a:buNone/>
+              <a:defRPr sz="1600">
+                <a:solidFill>
+                  <a:schemeClr val="tx1">
+                    <a:tint val="75000"/>
+                  </a:schemeClr>
+                </a:solidFill>
+              </a:defRPr>
+            </a:lvl4pPr>
+            <a:lvl5pPr marL="1828800" indent="0">
+              <a:buNone/>
+              <a:defRPr sz="1600">
+                <a:solidFill>
+                  <a:schemeClr val="tx1">
+                    <a:tint val="75000"/>
+                  </a:schemeClr>
+                </a:solidFill>
+              </a:defRPr>
+            </a:lvl5pPr>
+            <a:lvl6pPr marL="2286000" indent="0">
+              <a:buNone/>
+              <a:defRPr sz="1600">
+                <a:solidFill>
+                  <a:schemeClr val="tx1">
+                    <a:tint val="75000"/>
+                  </a:schemeClr>
+                </a:solidFill>
+              </a:defRPr>
+            </a:lvl6pPr>
+            <a:lvl7pPr marL="2743200" indent="0">
+              <a:buNone/>
+              <a:defRPr sz="1600">
+                <a:solidFill>
+                  <a:schemeClr val="tx1">
+                    <a:tint val="75000"/>
+                  </a:schemeClr>
+                </a:solidFill>
+              </a:defRPr>
+            </a:lvl7pPr>
+            <a:lvl8pPr marL="3200400" indent="0">
+              <a:buNone/>
+              <a:defRPr sz="1600">
+                <a:solidFill>
+                  <a:schemeClr val="tx1">
+                    <a:tint val="75000"/>
+                  </a:schemeClr>
+                </a:solidFill>
+              </a:defRPr>
+            </a:lvl8pPr>
+            <a:lvl9pPr marL="3657600" indent="0">
+              <a:buNone/>
+              <a:defRPr sz="1600">
+                <a:solidFill>
+                  <a:schemeClr val="tx1">
+                    <a:tint val="75000"/>
+                  </a:schemeClr>
+                </a:solidFill>
+              </a:defRPr>
+            </a:lvl9pPr>
+          </a:lstStyle>
+          <a:p>
+            <a:pPr lvl="0"/>
+            <a:r>
+              <a:rPr lang="ru-RU"/>
+              <a:t>Образец текста</a:t>
+            </a:r>
+          </a:p>
+        </p:txBody>
+      </p:sp>
+      <p:sp>
+        <p:nvSpPr>
+          <p:cNvPr id="4" name="Date Placeholder 3"/>
+          <p:cNvSpPr>
+            <a:spLocks noGrp="1"/>
+          </p:cNvSpPr>
+          <p:nvPr>
+            <p:ph type="dt" sz="half" idx="10"/>
+          </p:nvPr>
+        </p:nvSpPr>
+        <p:spPr/>
+        <p:txBody>
+          <a:bodyPr/>
+          <a:lstStyle/>
+          <a:p>
+            <a:fld id="{4A8D24A4-5FEC-4062-8995-EB21925B3B40}" type="datetime1">
+              <a:rPr lang="en-US" smtClean="0"/>
+              <a:t>11/23/2021</a:t>
+            </a:fld>
+            <a:endParaRPr lang="en-US" sz="1000" dirty="0"/>
+          </a:p>
+        </p:txBody>
+      </p:sp>
+      <p:sp>
+        <p:nvSpPr>
+          <p:cNvPr id="5" name="Footer Placeholder 4"/>
+          <p:cNvSpPr>
+            <a:spLocks noGrp="1"/>
+          </p:cNvSpPr>
+          <p:nvPr>
+            <p:ph type="ftr" sz="quarter" idx="11"/>
+          </p:nvPr>
+        </p:nvSpPr>
+        <p:spPr/>
+        <p:txBody>
+          <a:bodyPr/>
+          <a:lstStyle/>
+          <a:p>
+            <a:endParaRPr lang="en-US" sz="1000"/>
+          </a:p>
+        </p:txBody>
+      </p:sp>
+      <p:sp>
+        <p:nvSpPr>
+          <p:cNvPr id="6" name="Slide Number Placeholder 5"/>
+          <p:cNvSpPr>
+            <a:spLocks noGrp="1"/>
+          </p:cNvSpPr>
+          <p:nvPr>
+            <p:ph type="sldNum" sz="quarter" idx="12"/>
+          </p:nvPr>
+        </p:nvSpPr>
+        <p:spPr/>
+        <p:txBody>
+          <a:bodyPr/>
+          <a:lstStyle/>
+          <a:p>
+            <a:fld id="{35747434-7036-48DB-A148-6B3D8EE75CDA}" type="slidenum">
+              <a:rPr lang="en-US" smtClean="0"/>
+              <a:pPr/>
+              <a:t>‹#›</a:t>
+            </a:fld>
+            <a:endParaRPr lang="en-US" sz="1000" dirty="0"/>
+          </a:p>
+        </p:txBody>
+      </p:sp>
+    </p:spTree>
+    <p:extLst>
+      <p:ext uri="{BB962C8B-B14F-4D97-AF65-F5344CB8AC3E}">
+        <p14:creationId xmlns:p14="http://schemas.microsoft.com/office/powerpoint/2010/main" val="2911186349"/>
+      </p:ext>
+    </p:extLst>
+  </p:cSld>
+  <p:clrMapOvr>
+    <a:masterClrMapping/>
+  </p:clrMapOvr>
+  <p:hf sldNum="0" hdr="0" ftr="0" dt="0"/>
+</p:sldLayout>
+</file>
+
+<file path=ppt/slideLayouts/slideLayout21.xml><?xml version="1.0" encoding="utf-8"?>
+<p:sldLayout xmlns:a="http://schemas.openxmlformats.org/drawingml/2006/main" xmlns:r="http://schemas.openxmlformats.org/officeDocument/2006/relationships" xmlns:p="http://schemas.openxmlformats.org/presentationml/2006/main" type="twoObj" preserve="1">
+  <p:cSld name="Два объекта">
+    <p:spTree>
+      <p:nvGrpSpPr>
+        <p:cNvPr id="1" name=""/>
+        <p:cNvGrpSpPr/>
+        <p:nvPr/>
+      </p:nvGrpSpPr>
+      <p:grpSpPr>
+        <a:xfrm>
+          <a:off x="0" y="0"/>
+          <a:ext cx="0" cy="0"/>
+          <a:chOff x="0" y="0"/>
+          <a:chExt cx="0" cy="0"/>
+        </a:xfrm>
+      </p:grpSpPr>
+      <p:sp>
+        <p:nvSpPr>
+          <p:cNvPr id="2" name="Title 1"/>
+          <p:cNvSpPr>
+            <a:spLocks noGrp="1"/>
+          </p:cNvSpPr>
+          <p:nvPr>
+            <p:ph type="title"/>
+          </p:nvPr>
+        </p:nvSpPr>
+        <p:spPr/>
+        <p:txBody>
+          <a:bodyPr/>
+          <a:lstStyle/>
+          <a:p>
+            <a:r>
+              <a:rPr lang="ru-RU"/>
+              <a:t>Образец заголовка</a:t>
+            </a:r>
+            <a:endParaRPr lang="en-US" dirty="0"/>
+          </a:p>
+        </p:txBody>
+      </p:sp>
+      <p:sp>
+        <p:nvSpPr>
+          <p:cNvPr id="3" name="Content Placeholder 2"/>
+          <p:cNvSpPr>
+            <a:spLocks noGrp="1"/>
+          </p:cNvSpPr>
+          <p:nvPr>
+            <p:ph sz="half" idx="1"/>
+          </p:nvPr>
+        </p:nvSpPr>
+        <p:spPr>
+          <a:xfrm>
+            <a:off x="838200" y="1825625"/>
+            <a:ext cx="5181600" cy="4351338"/>
+          </a:xfrm>
+        </p:spPr>
+        <p:txBody>
+          <a:bodyPr/>
+          <a:lstStyle/>
+          <a:p>
+            <a:pPr lvl="0"/>
+            <a:r>
+              <a:rPr lang="ru-RU"/>
+              <a:t>Образец текста</a:t>
+            </a:r>
+          </a:p>
+          <a:p>
+            <a:pPr lvl="1"/>
+            <a:r>
+              <a:rPr lang="ru-RU"/>
+              <a:t>Второй уровень</a:t>
+            </a:r>
+          </a:p>
+          <a:p>
+            <a:pPr lvl="2"/>
+            <a:r>
+              <a:rPr lang="ru-RU"/>
+              <a:t>Третий уровень</a:t>
+            </a:r>
+          </a:p>
+          <a:p>
+            <a:pPr lvl="3"/>
+            <a:r>
+              <a:rPr lang="ru-RU"/>
+              <a:t>Четвертый уровень</a:t>
+            </a:r>
+          </a:p>
+          <a:p>
+            <a:pPr lvl="4"/>
+            <a:r>
+              <a:rPr lang="ru-RU"/>
+              <a:t>Пятый уровень</a:t>
+            </a:r>
+            <a:endParaRPr lang="en-US" dirty="0"/>
+          </a:p>
+        </p:txBody>
+      </p:sp>
+      <p:sp>
+        <p:nvSpPr>
+          <p:cNvPr id="4" name="Content Placeholder 3"/>
+          <p:cNvSpPr>
+            <a:spLocks noGrp="1"/>
+          </p:cNvSpPr>
+          <p:nvPr>
+            <p:ph sz="half" idx="2"/>
+          </p:nvPr>
+        </p:nvSpPr>
+        <p:spPr>
+          <a:xfrm>
+            <a:off x="6172200" y="1825625"/>
+            <a:ext cx="5181600" cy="4351338"/>
+          </a:xfrm>
+        </p:spPr>
+        <p:txBody>
+          <a:bodyPr/>
+          <a:lstStyle/>
+          <a:p>
+            <a:pPr lvl="0"/>
+            <a:r>
+              <a:rPr lang="ru-RU"/>
+              <a:t>Образец текста</a:t>
+            </a:r>
+          </a:p>
+          <a:p>
+            <a:pPr lvl="1"/>
+            <a:r>
+              <a:rPr lang="ru-RU"/>
+              <a:t>Второй уровень</a:t>
+            </a:r>
+          </a:p>
+          <a:p>
+            <a:pPr lvl="2"/>
+            <a:r>
+              <a:rPr lang="ru-RU"/>
+              <a:t>Третий уровень</a:t>
+            </a:r>
+          </a:p>
+          <a:p>
+            <a:pPr lvl="3"/>
+            <a:r>
+              <a:rPr lang="ru-RU"/>
+              <a:t>Четвертый уровень</a:t>
+            </a:r>
+          </a:p>
+          <a:p>
+            <a:pPr lvl="4"/>
+            <a:r>
+              <a:rPr lang="ru-RU"/>
+              <a:t>Пятый уровень</a:t>
+            </a:r>
+            <a:endParaRPr lang="en-US" dirty="0"/>
+          </a:p>
+        </p:txBody>
+      </p:sp>
+      <p:sp>
+        <p:nvSpPr>
+          <p:cNvPr id="5" name="Date Placeholder 4"/>
+          <p:cNvSpPr>
+            <a:spLocks noGrp="1"/>
+          </p:cNvSpPr>
+          <p:nvPr>
+            <p:ph type="dt" sz="half" idx="10"/>
+          </p:nvPr>
+        </p:nvSpPr>
+        <p:spPr/>
+        <p:txBody>
+          <a:bodyPr/>
+          <a:lstStyle/>
+          <a:p>
+            <a:fld id="{4A8D24A4-5FEC-4062-8995-EB21925B3B40}" type="datetime1">
+              <a:rPr lang="en-US" smtClean="0"/>
+              <a:t>11/23/2021</a:t>
+            </a:fld>
+            <a:endParaRPr lang="en-US" sz="1000" dirty="0"/>
+          </a:p>
+        </p:txBody>
+      </p:sp>
+      <p:sp>
+        <p:nvSpPr>
+          <p:cNvPr id="6" name="Footer Placeholder 5"/>
+          <p:cNvSpPr>
+            <a:spLocks noGrp="1"/>
+          </p:cNvSpPr>
+          <p:nvPr>
+            <p:ph type="ftr" sz="quarter" idx="11"/>
+          </p:nvPr>
+        </p:nvSpPr>
+        <p:spPr/>
+        <p:txBody>
+          <a:bodyPr/>
+          <a:lstStyle/>
+          <a:p>
+            <a:endParaRPr lang="en-US" sz="1000"/>
+          </a:p>
+        </p:txBody>
+      </p:sp>
+      <p:sp>
+        <p:nvSpPr>
+          <p:cNvPr id="7" name="Slide Number Placeholder 6"/>
+          <p:cNvSpPr>
+            <a:spLocks noGrp="1"/>
+          </p:cNvSpPr>
+          <p:nvPr>
+            <p:ph type="sldNum" sz="quarter" idx="12"/>
+          </p:nvPr>
+        </p:nvSpPr>
+        <p:spPr/>
+        <p:txBody>
+          <a:bodyPr/>
+          <a:lstStyle/>
+          <a:p>
+            <a:fld id="{35747434-7036-48DB-A148-6B3D8EE75CDA}" type="slidenum">
+              <a:rPr lang="en-US" smtClean="0"/>
+              <a:pPr/>
+              <a:t>‹#›</a:t>
+            </a:fld>
+            <a:endParaRPr lang="en-US" sz="1000" dirty="0"/>
+          </a:p>
+        </p:txBody>
+      </p:sp>
+    </p:spTree>
+    <p:extLst>
+      <p:ext uri="{BB962C8B-B14F-4D97-AF65-F5344CB8AC3E}">
+        <p14:creationId xmlns:p14="http://schemas.microsoft.com/office/powerpoint/2010/main" val="3130091459"/>
+      </p:ext>
+    </p:extLst>
+  </p:cSld>
+  <p:clrMapOvr>
+    <a:masterClrMapping/>
+  </p:clrMapOvr>
+  <p:hf sldNum="0" hdr="0" ftr="0" dt="0"/>
+</p:sldLayout>
+</file>
+
+<file path=ppt/slideLayouts/slideLayout22.xml><?xml version="1.0" encoding="utf-8"?>
+<p:sldLayout xmlns:a="http://schemas.openxmlformats.org/drawingml/2006/main" xmlns:r="http://schemas.openxmlformats.org/officeDocument/2006/relationships" xmlns:p="http://schemas.openxmlformats.org/presentationml/2006/main" type="twoTxTwoObj" preserve="1">
+  <p:cSld name="Сравнение">
+    <p:spTree>
+      <p:nvGrpSpPr>
+        <p:cNvPr id="1" name=""/>
+        <p:cNvGrpSpPr/>
+        <p:nvPr/>
+      </p:nvGrpSpPr>
+      <p:grpSpPr>
+        <a:xfrm>
+          <a:off x="0" y="0"/>
+          <a:ext cx="0" cy="0"/>
+          <a:chOff x="0" y="0"/>
+          <a:chExt cx="0" cy="0"/>
+        </a:xfrm>
+      </p:grpSpPr>
+      <p:sp>
+        <p:nvSpPr>
+          <p:cNvPr id="2" name="Title 1"/>
+          <p:cNvSpPr>
+            <a:spLocks noGrp="1"/>
+          </p:cNvSpPr>
+          <p:nvPr>
+            <p:ph type="title"/>
+          </p:nvPr>
+        </p:nvSpPr>
+        <p:spPr>
+          <a:xfrm>
+            <a:off x="839788" y="365125"/>
+            <a:ext cx="10515600" cy="1325563"/>
+          </a:xfrm>
+        </p:spPr>
+        <p:txBody>
+          <a:bodyPr/>
+          <a:lstStyle/>
+          <a:p>
+            <a:r>
+              <a:rPr lang="ru-RU"/>
+              <a:t>Образец заголовка</a:t>
+            </a:r>
+            <a:endParaRPr lang="en-US" dirty="0"/>
+          </a:p>
+        </p:txBody>
+      </p:sp>
+      <p:sp>
+        <p:nvSpPr>
+          <p:cNvPr id="3" name="Text Placeholder 2"/>
+          <p:cNvSpPr>
+            <a:spLocks noGrp="1"/>
+          </p:cNvSpPr>
+          <p:nvPr>
+            <p:ph type="body" idx="1"/>
+          </p:nvPr>
+        </p:nvSpPr>
+        <p:spPr>
+          <a:xfrm>
+            <a:off x="839788" y="1681163"/>
+            <a:ext cx="5157787" cy="823912"/>
+          </a:xfrm>
+        </p:spPr>
+        <p:txBody>
+          <a:bodyPr anchor="b"/>
+          <a:lstStyle>
+            <a:lvl1pPr marL="0" indent="0">
+              <a:buNone/>
+              <a:defRPr sz="2400" b="1"/>
+            </a:lvl1pPr>
+            <a:lvl2pPr marL="457200" indent="0">
+              <a:buNone/>
+              <a:defRPr sz="2000" b="1"/>
+            </a:lvl2pPr>
+            <a:lvl3pPr marL="914400" indent="0">
+              <a:buNone/>
+              <a:defRPr sz="1800" b="1"/>
+            </a:lvl3pPr>
+            <a:lvl4pPr marL="1371600" indent="0">
+              <a:buNone/>
+              <a:defRPr sz="1600" b="1"/>
+            </a:lvl4pPr>
+            <a:lvl5pPr marL="1828800" indent="0">
+              <a:buNone/>
+              <a:defRPr sz="1600" b="1"/>
+            </a:lvl5pPr>
+            <a:lvl6pPr marL="2286000" indent="0">
+              <a:buNone/>
+              <a:defRPr sz="1600" b="1"/>
+            </a:lvl6pPr>
+            <a:lvl7pPr marL="2743200" indent="0">
+              <a:buNone/>
+              <a:defRPr sz="1600" b="1"/>
+            </a:lvl7pPr>
+            <a:lvl8pPr marL="3200400" indent="0">
+              <a:buNone/>
+              <a:defRPr sz="1600" b="1"/>
+            </a:lvl8pPr>
+            <a:lvl9pPr marL="3657600" indent="0">
+              <a:buNone/>
+              <a:defRPr sz="1600" b="1"/>
+            </a:lvl9pPr>
+          </a:lstStyle>
+          <a:p>
+            <a:pPr lvl="0"/>
+            <a:r>
+              <a:rPr lang="ru-RU"/>
+              <a:t>Образец текста</a:t>
+            </a:r>
+          </a:p>
+        </p:txBody>
+      </p:sp>
+      <p:sp>
+        <p:nvSpPr>
+          <p:cNvPr id="4" name="Content Placeholder 3"/>
+          <p:cNvSpPr>
+            <a:spLocks noGrp="1"/>
+          </p:cNvSpPr>
+          <p:nvPr>
+            <p:ph sz="half" idx="2"/>
+          </p:nvPr>
+        </p:nvSpPr>
+        <p:spPr>
+          <a:xfrm>
+            <a:off x="839788" y="2505075"/>
+            <a:ext cx="5157787" cy="3684588"/>
+          </a:xfrm>
+        </p:spPr>
+        <p:txBody>
+          <a:bodyPr/>
+          <a:lstStyle/>
+          <a:p>
+            <a:pPr lvl="0"/>
+            <a:r>
+              <a:rPr lang="ru-RU"/>
+              <a:t>Образец текста</a:t>
+            </a:r>
+          </a:p>
+          <a:p>
+            <a:pPr lvl="1"/>
+            <a:r>
+              <a:rPr lang="ru-RU"/>
+              <a:t>Второй уровень</a:t>
+            </a:r>
+          </a:p>
+          <a:p>
+            <a:pPr lvl="2"/>
+            <a:r>
+              <a:rPr lang="ru-RU"/>
+              <a:t>Третий уровень</a:t>
+            </a:r>
+          </a:p>
+          <a:p>
+            <a:pPr lvl="3"/>
+            <a:r>
+              <a:rPr lang="ru-RU"/>
+              <a:t>Четвертый уровень</a:t>
+            </a:r>
+          </a:p>
+          <a:p>
+            <a:pPr lvl="4"/>
+            <a:r>
+              <a:rPr lang="ru-RU"/>
+              <a:t>Пятый уровень</a:t>
+            </a:r>
+            <a:endParaRPr lang="en-US" dirty="0"/>
+          </a:p>
+        </p:txBody>
+      </p:sp>
+      <p:sp>
+        <p:nvSpPr>
+          <p:cNvPr id="5" name="Text Placeholder 4"/>
+          <p:cNvSpPr>
+            <a:spLocks noGrp="1"/>
+          </p:cNvSpPr>
+          <p:nvPr>
+            <p:ph type="body" sz="quarter" idx="3"/>
+          </p:nvPr>
+        </p:nvSpPr>
+        <p:spPr>
+          <a:xfrm>
+            <a:off x="6172200" y="1681163"/>
+            <a:ext cx="5183188" cy="823912"/>
+          </a:xfrm>
+        </p:spPr>
+        <p:txBody>
+          <a:bodyPr anchor="b"/>
+          <a:lstStyle>
+            <a:lvl1pPr marL="0" indent="0">
+              <a:buNone/>
+              <a:defRPr sz="2400" b="1"/>
+            </a:lvl1pPr>
+            <a:lvl2pPr marL="457200" indent="0">
+              <a:buNone/>
+              <a:defRPr sz="2000" b="1"/>
+            </a:lvl2pPr>
+            <a:lvl3pPr marL="914400" indent="0">
+              <a:buNone/>
+              <a:defRPr sz="1800" b="1"/>
+            </a:lvl3pPr>
+            <a:lvl4pPr marL="1371600" indent="0">
+              <a:buNone/>
+              <a:defRPr sz="1600" b="1"/>
+            </a:lvl4pPr>
+            <a:lvl5pPr marL="1828800" indent="0">
+              <a:buNone/>
+              <a:defRPr sz="1600" b="1"/>
+            </a:lvl5pPr>
+            <a:lvl6pPr marL="2286000" indent="0">
+              <a:buNone/>
+              <a:defRPr sz="1600" b="1"/>
+            </a:lvl6pPr>
+            <a:lvl7pPr marL="2743200" indent="0">
+              <a:buNone/>
+              <a:defRPr sz="1600" b="1"/>
+            </a:lvl7pPr>
+            <a:lvl8pPr marL="3200400" indent="0">
+              <a:buNone/>
+              <a:defRPr sz="1600" b="1"/>
+            </a:lvl8pPr>
+            <a:lvl9pPr marL="3657600" indent="0">
+              <a:buNone/>
+              <a:defRPr sz="1600" b="1"/>
+            </a:lvl9pPr>
+          </a:lstStyle>
+          <a:p>
+            <a:pPr lvl="0"/>
+            <a:r>
+              <a:rPr lang="ru-RU"/>
+              <a:t>Образец текста</a:t>
+            </a:r>
+          </a:p>
+        </p:txBody>
+      </p:sp>
+      <p:sp>
+        <p:nvSpPr>
+          <p:cNvPr id="6" name="Content Placeholder 5"/>
+          <p:cNvSpPr>
+            <a:spLocks noGrp="1"/>
+          </p:cNvSpPr>
+          <p:nvPr>
+            <p:ph sz="quarter" idx="4"/>
+          </p:nvPr>
+        </p:nvSpPr>
+        <p:spPr>
+          <a:xfrm>
+            <a:off x="6172200" y="2505075"/>
+            <a:ext cx="5183188" cy="3684588"/>
+          </a:xfrm>
+        </p:spPr>
+        <p:txBody>
+          <a:bodyPr/>
+          <a:lstStyle/>
+          <a:p>
+            <a:pPr lvl="0"/>
+            <a:r>
+              <a:rPr lang="ru-RU"/>
+              <a:t>Образец текста</a:t>
+            </a:r>
+          </a:p>
+          <a:p>
+            <a:pPr lvl="1"/>
+            <a:r>
+              <a:rPr lang="ru-RU"/>
+              <a:t>Второй уровень</a:t>
+            </a:r>
+          </a:p>
+          <a:p>
+            <a:pPr lvl="2"/>
+            <a:r>
+              <a:rPr lang="ru-RU"/>
+              <a:t>Третий уровень</a:t>
+            </a:r>
+          </a:p>
+          <a:p>
+            <a:pPr lvl="3"/>
+            <a:r>
+              <a:rPr lang="ru-RU"/>
+              <a:t>Четвертый уровень</a:t>
+            </a:r>
+          </a:p>
+          <a:p>
+            <a:pPr lvl="4"/>
+            <a:r>
+              <a:rPr lang="ru-RU"/>
+              <a:t>Пятый уровень</a:t>
+            </a:r>
+            <a:endParaRPr lang="en-US" dirty="0"/>
+          </a:p>
+        </p:txBody>
+      </p:sp>
+      <p:sp>
+        <p:nvSpPr>
+          <p:cNvPr id="7" name="Date Placeholder 6"/>
+          <p:cNvSpPr>
+            <a:spLocks noGrp="1"/>
+          </p:cNvSpPr>
+          <p:nvPr>
+            <p:ph type="dt" sz="half" idx="10"/>
+          </p:nvPr>
+        </p:nvSpPr>
+        <p:spPr/>
+        <p:txBody>
+          <a:bodyPr/>
+          <a:lstStyle/>
+          <a:p>
+            <a:fld id="{4A8D24A4-5FEC-4062-8995-EB21925B3B40}" type="datetime1">
+              <a:rPr lang="en-US" smtClean="0"/>
+              <a:t>11/23/2021</a:t>
+            </a:fld>
+            <a:endParaRPr lang="en-US" sz="1000" dirty="0"/>
+          </a:p>
+        </p:txBody>
+      </p:sp>
+      <p:sp>
+        <p:nvSpPr>
+          <p:cNvPr id="8" name="Footer Placeholder 7"/>
+          <p:cNvSpPr>
+            <a:spLocks noGrp="1"/>
+          </p:cNvSpPr>
+          <p:nvPr>
+            <p:ph type="ftr" sz="quarter" idx="11"/>
+          </p:nvPr>
+        </p:nvSpPr>
+        <p:spPr/>
+        <p:txBody>
+          <a:bodyPr/>
+          <a:lstStyle/>
+          <a:p>
+            <a:endParaRPr lang="en-US" sz="1000"/>
+          </a:p>
+        </p:txBody>
+      </p:sp>
+      <p:sp>
+        <p:nvSpPr>
+          <p:cNvPr id="9" name="Slide Number Placeholder 8"/>
+          <p:cNvSpPr>
+            <a:spLocks noGrp="1"/>
+          </p:cNvSpPr>
+          <p:nvPr>
+            <p:ph type="sldNum" sz="quarter" idx="12"/>
+          </p:nvPr>
+        </p:nvSpPr>
+        <p:spPr/>
+        <p:txBody>
+          <a:bodyPr/>
+          <a:lstStyle/>
+          <a:p>
+            <a:fld id="{35747434-7036-48DB-A148-6B3D8EE75CDA}" type="slidenum">
+              <a:rPr lang="en-US" smtClean="0"/>
+              <a:pPr/>
+              <a:t>‹#›</a:t>
+            </a:fld>
+            <a:endParaRPr lang="en-US" sz="1000" dirty="0"/>
+          </a:p>
+        </p:txBody>
+      </p:sp>
+    </p:spTree>
+    <p:extLst>
+      <p:ext uri="{BB962C8B-B14F-4D97-AF65-F5344CB8AC3E}">
+        <p14:creationId xmlns:p14="http://schemas.microsoft.com/office/powerpoint/2010/main" val="2246096891"/>
+      </p:ext>
+    </p:extLst>
+  </p:cSld>
+  <p:clrMapOvr>
+    <a:masterClrMapping/>
+  </p:clrMapOvr>
+  <p:hf sldNum="0" hdr="0" ftr="0" dt="0"/>
+</p:sldLayout>
+</file>
+
+<file path=ppt/slideLayouts/slideLayout23.xml><?xml version="1.0" encoding="utf-8"?>
+<p:sldLayout xmlns:a="http://schemas.openxmlformats.org/drawingml/2006/main" xmlns:r="http://schemas.openxmlformats.org/officeDocument/2006/relationships" xmlns:p="http://schemas.openxmlformats.org/presentationml/2006/main" type="titleOnly" preserve="1">
+  <p:cSld name="Только заголовок">
+    <p:spTree>
+      <p:nvGrpSpPr>
+        <p:cNvPr id="1" name=""/>
+        <p:cNvGrpSpPr/>
+        <p:nvPr/>
+      </p:nvGrpSpPr>
+      <p:grpSpPr>
+        <a:xfrm>
+          <a:off x="0" y="0"/>
+          <a:ext cx="0" cy="0"/>
+          <a:chOff x="0" y="0"/>
+          <a:chExt cx="0" cy="0"/>
+        </a:xfrm>
+      </p:grpSpPr>
+      <p:sp>
+        <p:nvSpPr>
+          <p:cNvPr id="2" name="Title 1"/>
+          <p:cNvSpPr>
+            <a:spLocks noGrp="1"/>
+          </p:cNvSpPr>
+          <p:nvPr>
+            <p:ph type="title"/>
+          </p:nvPr>
+        </p:nvSpPr>
+        <p:spPr/>
+        <p:txBody>
+          <a:bodyPr/>
+          <a:lstStyle/>
+          <a:p>
+            <a:r>
+              <a:rPr lang="ru-RU"/>
+              <a:t>Образец заголовка</a:t>
+            </a:r>
+            <a:endParaRPr lang="en-US" dirty="0"/>
+          </a:p>
+        </p:txBody>
+      </p:sp>
+      <p:sp>
+        <p:nvSpPr>
+          <p:cNvPr id="3" name="Date Placeholder 2"/>
+          <p:cNvSpPr>
+            <a:spLocks noGrp="1"/>
+          </p:cNvSpPr>
+          <p:nvPr>
+            <p:ph type="dt" sz="half" idx="10"/>
+          </p:nvPr>
+        </p:nvSpPr>
+        <p:spPr/>
+        <p:txBody>
+          <a:bodyPr/>
+          <a:lstStyle/>
+          <a:p>
+            <a:fld id="{4A8D24A4-5FEC-4062-8995-EB21925B3B40}" type="datetime1">
+              <a:rPr lang="en-US" smtClean="0"/>
+              <a:t>11/23/2021</a:t>
+            </a:fld>
+            <a:endParaRPr lang="en-US" sz="1000" dirty="0"/>
+          </a:p>
+        </p:txBody>
+      </p:sp>
+      <p:sp>
+        <p:nvSpPr>
+          <p:cNvPr id="4" name="Footer Placeholder 3"/>
+          <p:cNvSpPr>
+            <a:spLocks noGrp="1"/>
+          </p:cNvSpPr>
+          <p:nvPr>
+            <p:ph type="ftr" sz="quarter" idx="11"/>
+          </p:nvPr>
+        </p:nvSpPr>
+        <p:spPr/>
+        <p:txBody>
+          <a:bodyPr/>
+          <a:lstStyle/>
+          <a:p>
+            <a:endParaRPr lang="en-US" sz="1000"/>
+          </a:p>
+        </p:txBody>
+      </p:sp>
+      <p:sp>
+        <p:nvSpPr>
+          <p:cNvPr id="5" name="Slide Number Placeholder 4"/>
+          <p:cNvSpPr>
+            <a:spLocks noGrp="1"/>
+          </p:cNvSpPr>
+          <p:nvPr>
+            <p:ph type="sldNum" sz="quarter" idx="12"/>
+          </p:nvPr>
+        </p:nvSpPr>
+        <p:spPr/>
+        <p:txBody>
+          <a:bodyPr/>
+          <a:lstStyle/>
+          <a:p>
+            <a:fld id="{35747434-7036-48DB-A148-6B3D8EE75CDA}" type="slidenum">
+              <a:rPr lang="en-US" smtClean="0"/>
+              <a:pPr/>
+              <a:t>‹#›</a:t>
+            </a:fld>
+            <a:endParaRPr lang="en-US" sz="1000" dirty="0"/>
+          </a:p>
+        </p:txBody>
+      </p:sp>
+    </p:spTree>
+    <p:extLst>
+      <p:ext uri="{BB962C8B-B14F-4D97-AF65-F5344CB8AC3E}">
+        <p14:creationId xmlns:p14="http://schemas.microsoft.com/office/powerpoint/2010/main" val="2464638122"/>
+      </p:ext>
+    </p:extLst>
+  </p:cSld>
+  <p:clrMapOvr>
+    <a:masterClrMapping/>
+  </p:clrMapOvr>
+  <p:hf sldNum="0" hdr="0" ftr="0" dt="0"/>
+</p:sldLayout>
+</file>
+
+<file path=ppt/slideLayouts/slideLayout24.xml><?xml version="1.0" encoding="utf-8"?>
+<p:sldLayout xmlns:a="http://schemas.openxmlformats.org/drawingml/2006/main" xmlns:r="http://schemas.openxmlformats.org/officeDocument/2006/relationships" xmlns:p="http://schemas.openxmlformats.org/presentationml/2006/main" type="blank" preserve="1">
+  <p:cSld name="Пустой слайд">
+    <p:spTree>
+      <p:nvGrpSpPr>
+        <p:cNvPr id="1" name=""/>
+        <p:cNvGrpSpPr/>
+        <p:nvPr/>
+      </p:nvGrpSpPr>
+      <p:grpSpPr>
+        <a:xfrm>
+          <a:off x="0" y="0"/>
+          <a:ext cx="0" cy="0"/>
+          <a:chOff x="0" y="0"/>
+          <a:chExt cx="0" cy="0"/>
+        </a:xfrm>
+      </p:grpSpPr>
+      <p:sp>
+        <p:nvSpPr>
+          <p:cNvPr id="2" name="Date Placeholder 1"/>
+          <p:cNvSpPr>
+            <a:spLocks noGrp="1"/>
+          </p:cNvSpPr>
+          <p:nvPr>
+            <p:ph type="dt" sz="half" idx="10"/>
+          </p:nvPr>
+        </p:nvSpPr>
+        <p:spPr/>
+        <p:txBody>
+          <a:bodyPr/>
+          <a:lstStyle/>
+          <a:p>
+            <a:fld id="{4A8D24A4-5FEC-4062-8995-EB21925B3B40}" type="datetime1">
+              <a:rPr lang="en-US" smtClean="0"/>
+              <a:t>11/23/2021</a:t>
+            </a:fld>
+            <a:endParaRPr lang="en-US" sz="1000" dirty="0"/>
+          </a:p>
+        </p:txBody>
+      </p:sp>
+      <p:sp>
+        <p:nvSpPr>
+          <p:cNvPr id="3" name="Footer Placeholder 2"/>
+          <p:cNvSpPr>
+            <a:spLocks noGrp="1"/>
+          </p:cNvSpPr>
+          <p:nvPr>
+            <p:ph type="ftr" sz="quarter" idx="11"/>
+          </p:nvPr>
+        </p:nvSpPr>
+        <p:spPr/>
+        <p:txBody>
+          <a:bodyPr/>
+          <a:lstStyle/>
+          <a:p>
+            <a:endParaRPr lang="en-US" sz="1000"/>
+          </a:p>
+        </p:txBody>
+      </p:sp>
+      <p:sp>
+        <p:nvSpPr>
+          <p:cNvPr id="4" name="Slide Number Placeholder 3"/>
+          <p:cNvSpPr>
+            <a:spLocks noGrp="1"/>
+          </p:cNvSpPr>
+          <p:nvPr>
+            <p:ph type="sldNum" sz="quarter" idx="12"/>
+          </p:nvPr>
+        </p:nvSpPr>
+        <p:spPr/>
+        <p:txBody>
+          <a:bodyPr/>
+          <a:lstStyle/>
+          <a:p>
+            <a:fld id="{35747434-7036-48DB-A148-6B3D8EE75CDA}" type="slidenum">
+              <a:rPr lang="en-US" smtClean="0"/>
+              <a:pPr/>
+              <a:t>‹#›</a:t>
+            </a:fld>
+            <a:endParaRPr lang="en-US" sz="1000" dirty="0"/>
+          </a:p>
+        </p:txBody>
+      </p:sp>
+    </p:spTree>
+    <p:extLst>
+      <p:ext uri="{BB962C8B-B14F-4D97-AF65-F5344CB8AC3E}">
+        <p14:creationId xmlns:p14="http://schemas.microsoft.com/office/powerpoint/2010/main" val="757596087"/>
+      </p:ext>
+    </p:extLst>
+  </p:cSld>
+  <p:clrMapOvr>
+    <a:masterClrMapping/>
+  </p:clrMapOvr>
+  <p:hf sldNum="0" hdr="0" ftr="0" dt="0"/>
+</p:sldLayout>
+</file>
+
+<file path=ppt/slideLayouts/slideLayout25.xml><?xml version="1.0" encoding="utf-8"?>
+<p:sldLayout xmlns:a="http://schemas.openxmlformats.org/drawingml/2006/main" xmlns:r="http://schemas.openxmlformats.org/officeDocument/2006/relationships" xmlns:p="http://schemas.openxmlformats.org/presentationml/2006/main" type="objTx" preserve="1">
+  <p:cSld name="Объект с подписью">
+    <p:spTree>
+      <p:nvGrpSpPr>
+        <p:cNvPr id="1" name=""/>
+        <p:cNvGrpSpPr/>
+        <p:nvPr/>
+      </p:nvGrpSpPr>
+      <p:grpSpPr>
+        <a:xfrm>
+          <a:off x="0" y="0"/>
+          <a:ext cx="0" cy="0"/>
+          <a:chOff x="0" y="0"/>
+          <a:chExt cx="0" cy="0"/>
+        </a:xfrm>
+      </p:grpSpPr>
+      <p:sp>
+        <p:nvSpPr>
+          <p:cNvPr id="2" name="Title 1"/>
+          <p:cNvSpPr>
+            <a:spLocks noGrp="1"/>
+          </p:cNvSpPr>
+          <p:nvPr>
+            <p:ph type="title"/>
+          </p:nvPr>
+        </p:nvSpPr>
+        <p:spPr>
+          <a:xfrm>
+            <a:off x="839788" y="457200"/>
+            <a:ext cx="3932237" cy="1600200"/>
+          </a:xfrm>
+        </p:spPr>
+        <p:txBody>
+          <a:bodyPr anchor="b"/>
+          <a:lstStyle>
+            <a:lvl1pPr>
+              <a:defRPr sz="3200"/>
+            </a:lvl1pPr>
+          </a:lstStyle>
+          <a:p>
+            <a:r>
+              <a:rPr lang="ru-RU"/>
+              <a:t>Образец заголовка</a:t>
+            </a:r>
+            <a:endParaRPr lang="en-US" dirty="0"/>
+          </a:p>
+        </p:txBody>
+      </p:sp>
+      <p:sp>
+        <p:nvSpPr>
+          <p:cNvPr id="3" name="Content Placeholder 2"/>
+          <p:cNvSpPr>
+            <a:spLocks noGrp="1"/>
+          </p:cNvSpPr>
+          <p:nvPr>
+            <p:ph idx="1"/>
+          </p:nvPr>
+        </p:nvSpPr>
+        <p:spPr>
+          <a:xfrm>
+            <a:off x="5183188" y="987425"/>
+            <a:ext cx="6172200" cy="4873625"/>
+          </a:xfrm>
+        </p:spPr>
+        <p:txBody>
+          <a:bodyPr/>
+          <a:lstStyle>
+            <a:lvl1pPr>
+              <a:defRPr sz="3200"/>
+            </a:lvl1pPr>
+            <a:lvl2pPr>
+              <a:defRPr sz="2800"/>
+            </a:lvl2pPr>
+            <a:lvl3pPr>
+              <a:defRPr sz="2400"/>
+            </a:lvl3pPr>
+            <a:lvl4pPr>
+              <a:defRPr sz="2000"/>
+            </a:lvl4pPr>
+            <a:lvl5pPr>
+              <a:defRPr sz="2000"/>
+            </a:lvl5pPr>
+            <a:lvl6pPr>
+              <a:defRPr sz="2000"/>
+            </a:lvl6pPr>
+            <a:lvl7pPr>
+              <a:defRPr sz="2000"/>
+            </a:lvl7pPr>
+            <a:lvl8pPr>
+              <a:defRPr sz="2000"/>
+            </a:lvl8pPr>
+            <a:lvl9pPr>
+              <a:defRPr sz="2000"/>
+            </a:lvl9pPr>
+          </a:lstStyle>
+          <a:p>
+            <a:pPr lvl="0"/>
+            <a:r>
+              <a:rPr lang="ru-RU"/>
+              <a:t>Образец текста</a:t>
+            </a:r>
+          </a:p>
+          <a:p>
+            <a:pPr lvl="1"/>
+            <a:r>
+              <a:rPr lang="ru-RU"/>
+              <a:t>Второй уровень</a:t>
+            </a:r>
+          </a:p>
+          <a:p>
+            <a:pPr lvl="2"/>
+            <a:r>
+              <a:rPr lang="ru-RU"/>
+              <a:t>Третий уровень</a:t>
+            </a:r>
+          </a:p>
+          <a:p>
+            <a:pPr lvl="3"/>
+            <a:r>
+              <a:rPr lang="ru-RU"/>
+              <a:t>Четвертый уровень</a:t>
+            </a:r>
+          </a:p>
+          <a:p>
+            <a:pPr lvl="4"/>
+            <a:r>
+              <a:rPr lang="ru-RU"/>
+              <a:t>Пятый уровень</a:t>
+            </a:r>
+            <a:endParaRPr lang="en-US" dirty="0"/>
+          </a:p>
+        </p:txBody>
+      </p:sp>
+      <p:sp>
+        <p:nvSpPr>
+          <p:cNvPr id="4" name="Text Placeholder 3"/>
+          <p:cNvSpPr>
+            <a:spLocks noGrp="1"/>
+          </p:cNvSpPr>
+          <p:nvPr>
+            <p:ph type="body" sz="half" idx="2"/>
+          </p:nvPr>
+        </p:nvSpPr>
+        <p:spPr>
+          <a:xfrm>
+            <a:off x="839788" y="2057400"/>
+            <a:ext cx="3932237" cy="3811588"/>
+          </a:xfrm>
+        </p:spPr>
+        <p:txBody>
+          <a:bodyPr/>
+          <a:lstStyle>
+            <a:lvl1pPr marL="0" indent="0">
+              <a:buNone/>
+              <a:defRPr sz="1600"/>
+            </a:lvl1pPr>
+            <a:lvl2pPr marL="457200" indent="0">
+              <a:buNone/>
+              <a:defRPr sz="1400"/>
+            </a:lvl2pPr>
+            <a:lvl3pPr marL="914400" indent="0">
+              <a:buNone/>
+              <a:defRPr sz="1200"/>
+            </a:lvl3pPr>
+            <a:lvl4pPr marL="1371600" indent="0">
+              <a:buNone/>
+              <a:defRPr sz="1000"/>
+            </a:lvl4pPr>
+            <a:lvl5pPr marL="1828800" indent="0">
+              <a:buNone/>
+              <a:defRPr sz="1000"/>
+            </a:lvl5pPr>
+            <a:lvl6pPr marL="2286000" indent="0">
+              <a:buNone/>
+              <a:defRPr sz="1000"/>
+            </a:lvl6pPr>
+            <a:lvl7pPr marL="2743200" indent="0">
+              <a:buNone/>
+              <a:defRPr sz="1000"/>
+            </a:lvl7pPr>
+            <a:lvl8pPr marL="3200400" indent="0">
+              <a:buNone/>
+              <a:defRPr sz="1000"/>
+            </a:lvl8pPr>
+            <a:lvl9pPr marL="3657600" indent="0">
+              <a:buNone/>
+              <a:defRPr sz="1000"/>
+            </a:lvl9pPr>
+          </a:lstStyle>
+          <a:p>
+            <a:pPr lvl="0"/>
+            <a:r>
+              <a:rPr lang="ru-RU"/>
+              <a:t>Образец текста</a:t>
+            </a:r>
+          </a:p>
+        </p:txBody>
+      </p:sp>
+      <p:sp>
+        <p:nvSpPr>
+          <p:cNvPr id="5" name="Date Placeholder 4"/>
+          <p:cNvSpPr>
+            <a:spLocks noGrp="1"/>
+          </p:cNvSpPr>
+          <p:nvPr>
+            <p:ph type="dt" sz="half" idx="10"/>
+          </p:nvPr>
+        </p:nvSpPr>
+        <p:spPr/>
+        <p:txBody>
+          <a:bodyPr/>
+          <a:lstStyle/>
+          <a:p>
+            <a:fld id="{4A8D24A4-5FEC-4062-8995-EB21925B3B40}" type="datetime1">
+              <a:rPr lang="en-US" smtClean="0"/>
+              <a:t>11/23/2021</a:t>
+            </a:fld>
+            <a:endParaRPr lang="en-US" sz="1000" dirty="0"/>
+          </a:p>
+        </p:txBody>
+      </p:sp>
+      <p:sp>
+        <p:nvSpPr>
+          <p:cNvPr id="6" name="Footer Placeholder 5"/>
+          <p:cNvSpPr>
+            <a:spLocks noGrp="1"/>
+          </p:cNvSpPr>
+          <p:nvPr>
+            <p:ph type="ftr" sz="quarter" idx="11"/>
+          </p:nvPr>
+        </p:nvSpPr>
+        <p:spPr/>
+        <p:txBody>
+          <a:bodyPr/>
+          <a:lstStyle/>
+          <a:p>
+            <a:endParaRPr lang="en-US" sz="1000"/>
+          </a:p>
+        </p:txBody>
+      </p:sp>
+      <p:sp>
+        <p:nvSpPr>
+          <p:cNvPr id="7" name="Slide Number Placeholder 6"/>
+          <p:cNvSpPr>
+            <a:spLocks noGrp="1"/>
+          </p:cNvSpPr>
+          <p:nvPr>
+            <p:ph type="sldNum" sz="quarter" idx="12"/>
+          </p:nvPr>
+        </p:nvSpPr>
+        <p:spPr/>
+        <p:txBody>
+          <a:bodyPr/>
+          <a:lstStyle/>
+          <a:p>
+            <a:fld id="{35747434-7036-48DB-A148-6B3D8EE75CDA}" type="slidenum">
+              <a:rPr lang="en-US" smtClean="0"/>
+              <a:pPr/>
+              <a:t>‹#›</a:t>
+            </a:fld>
+            <a:endParaRPr lang="en-US" sz="1000" dirty="0"/>
+          </a:p>
+        </p:txBody>
+      </p:sp>
+    </p:spTree>
+    <p:extLst>
+      <p:ext uri="{BB962C8B-B14F-4D97-AF65-F5344CB8AC3E}">
+        <p14:creationId xmlns:p14="http://schemas.microsoft.com/office/powerpoint/2010/main" val="1622318747"/>
+      </p:ext>
+    </p:extLst>
+  </p:cSld>
+  <p:clrMapOvr>
+    <a:masterClrMapping/>
+  </p:clrMapOvr>
+  <p:hf sldNum="0" hdr="0" ftr="0" dt="0"/>
+</p:sldLayout>
+</file>
+
+<file path=ppt/slideLayouts/slideLayout26.xml><?xml version="1.0" encoding="utf-8"?>
+<p:sldLayout xmlns:a="http://schemas.openxmlformats.org/drawingml/2006/main" xmlns:r="http://schemas.openxmlformats.org/officeDocument/2006/relationships" xmlns:p="http://schemas.openxmlformats.org/presentationml/2006/main" type="picTx" preserve="1">
+  <p:cSld name="Рисунок с подписью">
+    <p:spTree>
+      <p:nvGrpSpPr>
+        <p:cNvPr id="1" name=""/>
+        <p:cNvGrpSpPr/>
+        <p:nvPr/>
+      </p:nvGrpSpPr>
+      <p:grpSpPr>
+        <a:xfrm>
+          <a:off x="0" y="0"/>
+          <a:ext cx="0" cy="0"/>
+          <a:chOff x="0" y="0"/>
+          <a:chExt cx="0" cy="0"/>
+        </a:xfrm>
+      </p:grpSpPr>
+      <p:sp>
+        <p:nvSpPr>
+          <p:cNvPr id="2" name="Title 1"/>
+          <p:cNvSpPr>
+            <a:spLocks noGrp="1"/>
+          </p:cNvSpPr>
+          <p:nvPr>
+            <p:ph type="title"/>
+          </p:nvPr>
+        </p:nvSpPr>
+        <p:spPr>
+          <a:xfrm>
+            <a:off x="839788" y="457200"/>
+            <a:ext cx="3932237" cy="1600200"/>
+          </a:xfrm>
+        </p:spPr>
+        <p:txBody>
+          <a:bodyPr anchor="b"/>
+          <a:lstStyle>
+            <a:lvl1pPr>
+              <a:defRPr sz="3200"/>
+            </a:lvl1pPr>
+          </a:lstStyle>
+          <a:p>
+            <a:r>
+              <a:rPr lang="ru-RU"/>
+              <a:t>Образец заголовка</a:t>
+            </a:r>
+            <a:endParaRPr lang="en-US" dirty="0"/>
+          </a:p>
+        </p:txBody>
+      </p:sp>
+      <p:sp>
+        <p:nvSpPr>
+          <p:cNvPr id="3" name="Picture Placeholder 2"/>
+          <p:cNvSpPr>
+            <a:spLocks noGrp="1" noChangeAspect="1"/>
+          </p:cNvSpPr>
+          <p:nvPr>
+            <p:ph type="pic" idx="1"/>
+          </p:nvPr>
+        </p:nvSpPr>
+        <p:spPr>
+          <a:xfrm>
+            <a:off x="5183188" y="987425"/>
+            <a:ext cx="6172200" cy="4873625"/>
+          </a:xfrm>
+        </p:spPr>
+        <p:txBody>
+          <a:bodyPr anchor="t"/>
+          <a:lstStyle>
+            <a:lvl1pPr marL="0" indent="0">
+              <a:buNone/>
+              <a:defRPr sz="3200"/>
+            </a:lvl1pPr>
+            <a:lvl2pPr marL="457200" indent="0">
+              <a:buNone/>
+              <a:defRPr sz="2800"/>
+            </a:lvl2pPr>
+            <a:lvl3pPr marL="914400" indent="0">
+              <a:buNone/>
+              <a:defRPr sz="2400"/>
+            </a:lvl3pPr>
+            <a:lvl4pPr marL="1371600" indent="0">
+              <a:buNone/>
+              <a:defRPr sz="2000"/>
+            </a:lvl4pPr>
+            <a:lvl5pPr marL="1828800" indent="0">
+              <a:buNone/>
+              <a:defRPr sz="2000"/>
+            </a:lvl5pPr>
+            <a:lvl6pPr marL="2286000" indent="0">
+              <a:buNone/>
+              <a:defRPr sz="2000"/>
+            </a:lvl6pPr>
+            <a:lvl7pPr marL="2743200" indent="0">
+              <a:buNone/>
+              <a:defRPr sz="2000"/>
+            </a:lvl7pPr>
+            <a:lvl8pPr marL="3200400" indent="0">
+              <a:buNone/>
+              <a:defRPr sz="2000"/>
+            </a:lvl8pPr>
+            <a:lvl9pPr marL="3657600" indent="0">
+              <a:buNone/>
+              <a:defRPr sz="2000"/>
+            </a:lvl9pPr>
+          </a:lstStyle>
+          <a:p>
+            <a:r>
+              <a:rPr lang="ru-RU"/>
+              <a:t>Вставка рисунка</a:t>
+            </a:r>
+            <a:endParaRPr lang="en-US" dirty="0"/>
+          </a:p>
+        </p:txBody>
+      </p:sp>
+      <p:sp>
+        <p:nvSpPr>
+          <p:cNvPr id="4" name="Text Placeholder 3"/>
+          <p:cNvSpPr>
+            <a:spLocks noGrp="1"/>
+          </p:cNvSpPr>
+          <p:nvPr>
+            <p:ph type="body" sz="half" idx="2"/>
+          </p:nvPr>
+        </p:nvSpPr>
+        <p:spPr>
+          <a:xfrm>
+            <a:off x="839788" y="2057400"/>
+            <a:ext cx="3932237" cy="3811588"/>
+          </a:xfrm>
+        </p:spPr>
+        <p:txBody>
+          <a:bodyPr/>
+          <a:lstStyle>
+            <a:lvl1pPr marL="0" indent="0">
+              <a:buNone/>
+              <a:defRPr sz="1600"/>
+            </a:lvl1pPr>
+            <a:lvl2pPr marL="457200" indent="0">
+              <a:buNone/>
+              <a:defRPr sz="1400"/>
+            </a:lvl2pPr>
+            <a:lvl3pPr marL="914400" indent="0">
+              <a:buNone/>
+              <a:defRPr sz="1200"/>
+            </a:lvl3pPr>
+            <a:lvl4pPr marL="1371600" indent="0">
+              <a:buNone/>
+              <a:defRPr sz="1000"/>
+            </a:lvl4pPr>
+            <a:lvl5pPr marL="1828800" indent="0">
+              <a:buNone/>
+              <a:defRPr sz="1000"/>
+            </a:lvl5pPr>
+            <a:lvl6pPr marL="2286000" indent="0">
+              <a:buNone/>
+              <a:defRPr sz="1000"/>
+            </a:lvl6pPr>
+            <a:lvl7pPr marL="2743200" indent="0">
+              <a:buNone/>
+              <a:defRPr sz="1000"/>
+            </a:lvl7pPr>
+            <a:lvl8pPr marL="3200400" indent="0">
+              <a:buNone/>
+              <a:defRPr sz="1000"/>
+            </a:lvl8pPr>
+            <a:lvl9pPr marL="3657600" indent="0">
+              <a:buNone/>
+              <a:defRPr sz="1000"/>
+            </a:lvl9pPr>
+          </a:lstStyle>
+          <a:p>
+            <a:pPr lvl="0"/>
+            <a:r>
+              <a:rPr lang="ru-RU"/>
+              <a:t>Образец текста</a:t>
+            </a:r>
+          </a:p>
+        </p:txBody>
+      </p:sp>
+      <p:sp>
+        <p:nvSpPr>
+          <p:cNvPr id="5" name="Date Placeholder 4"/>
+          <p:cNvSpPr>
+            <a:spLocks noGrp="1"/>
+          </p:cNvSpPr>
+          <p:nvPr>
+            <p:ph type="dt" sz="half" idx="10"/>
+          </p:nvPr>
+        </p:nvSpPr>
+        <p:spPr/>
+        <p:txBody>
+          <a:bodyPr/>
+          <a:lstStyle/>
+          <a:p>
+            <a:fld id="{4A8D24A4-5FEC-4062-8995-EB21925B3B40}" type="datetime1">
+              <a:rPr lang="en-US" smtClean="0"/>
+              <a:t>11/23/2021</a:t>
+            </a:fld>
+            <a:endParaRPr lang="en-US" sz="1000" dirty="0"/>
+          </a:p>
+        </p:txBody>
+      </p:sp>
+      <p:sp>
+        <p:nvSpPr>
+          <p:cNvPr id="6" name="Footer Placeholder 5"/>
+          <p:cNvSpPr>
+            <a:spLocks noGrp="1"/>
+          </p:cNvSpPr>
+          <p:nvPr>
+            <p:ph type="ftr" sz="quarter" idx="11"/>
+          </p:nvPr>
+        </p:nvSpPr>
+        <p:spPr/>
+        <p:txBody>
+          <a:bodyPr/>
+          <a:lstStyle/>
+          <a:p>
+            <a:endParaRPr lang="en-US" sz="1000"/>
+          </a:p>
+        </p:txBody>
+      </p:sp>
+      <p:sp>
+        <p:nvSpPr>
+          <p:cNvPr id="7" name="Slide Number Placeholder 6"/>
+          <p:cNvSpPr>
+            <a:spLocks noGrp="1"/>
+          </p:cNvSpPr>
+          <p:nvPr>
+            <p:ph type="sldNum" sz="quarter" idx="12"/>
+          </p:nvPr>
+        </p:nvSpPr>
+        <p:spPr/>
+        <p:txBody>
+          <a:bodyPr/>
+          <a:lstStyle/>
+          <a:p>
+            <a:fld id="{35747434-7036-48DB-A148-6B3D8EE75CDA}" type="slidenum">
+              <a:rPr lang="en-US" smtClean="0"/>
+              <a:pPr/>
+              <a:t>‹#›</a:t>
+            </a:fld>
+            <a:endParaRPr lang="en-US" sz="1000" dirty="0"/>
+          </a:p>
+        </p:txBody>
+      </p:sp>
+    </p:spTree>
+    <p:extLst>
+      <p:ext uri="{BB962C8B-B14F-4D97-AF65-F5344CB8AC3E}">
+        <p14:creationId xmlns:p14="http://schemas.microsoft.com/office/powerpoint/2010/main" val="2987270513"/>
+      </p:ext>
+    </p:extLst>
+  </p:cSld>
+  <p:clrMapOvr>
+    <a:masterClrMapping/>
+  </p:clrMapOvr>
+  <p:hf sldNum="0" hdr="0" ftr="0" dt="0"/>
+</p:sldLayout>
+</file>
+
+<file path=ppt/slideLayouts/slideLayout27.xml><?xml version="1.0" encoding="utf-8"?>
+<p:sldLayout xmlns:a="http://schemas.openxmlformats.org/drawingml/2006/main" xmlns:r="http://schemas.openxmlformats.org/officeDocument/2006/relationships" xmlns:p="http://schemas.openxmlformats.org/presentationml/2006/main" type="vertTx" preserve="1">
+  <p:cSld name="Заголовок и вертикальный текст">
+    <p:spTree>
+      <p:nvGrpSpPr>
+        <p:cNvPr id="1" name=""/>
+        <p:cNvGrpSpPr/>
+        <p:nvPr/>
+      </p:nvGrpSpPr>
+      <p:grpSpPr>
+        <a:xfrm>
+          <a:off x="0" y="0"/>
+          <a:ext cx="0" cy="0"/>
+          <a:chOff x="0" y="0"/>
+          <a:chExt cx="0" cy="0"/>
+        </a:xfrm>
+      </p:grpSpPr>
+      <p:sp>
+        <p:nvSpPr>
+          <p:cNvPr id="2" name="Title 1"/>
+          <p:cNvSpPr>
+            <a:spLocks noGrp="1"/>
+          </p:cNvSpPr>
+          <p:nvPr>
+            <p:ph type="title"/>
+          </p:nvPr>
+        </p:nvSpPr>
+        <p:spPr/>
+        <p:txBody>
+          <a:bodyPr/>
+          <a:lstStyle/>
+          <a:p>
+            <a:r>
+              <a:rPr lang="ru-RU"/>
+              <a:t>Образец заголовка</a:t>
+            </a:r>
+            <a:endParaRPr lang="en-US" dirty="0"/>
+          </a:p>
+        </p:txBody>
+      </p:sp>
+      <p:sp>
+        <p:nvSpPr>
+          <p:cNvPr id="3" name="Vertical Text Placeholder 2"/>
+          <p:cNvSpPr>
+            <a:spLocks noGrp="1"/>
+          </p:cNvSpPr>
+          <p:nvPr>
+            <p:ph type="body" orient="vert" idx="1"/>
+          </p:nvPr>
+        </p:nvSpPr>
+        <p:spPr/>
+        <p:txBody>
+          <a:bodyPr vert="eaVert"/>
+          <a:lstStyle/>
+          <a:p>
+            <a:pPr lvl="0"/>
+            <a:r>
+              <a:rPr lang="ru-RU"/>
+              <a:t>Образец текста</a:t>
+            </a:r>
+          </a:p>
+          <a:p>
+            <a:pPr lvl="1"/>
+            <a:r>
+              <a:rPr lang="ru-RU"/>
+              <a:t>Второй уровень</a:t>
+            </a:r>
+          </a:p>
+          <a:p>
+            <a:pPr lvl="2"/>
+            <a:r>
+              <a:rPr lang="ru-RU"/>
+              <a:t>Третий уровень</a:t>
+            </a:r>
+          </a:p>
+          <a:p>
+            <a:pPr lvl="3"/>
+            <a:r>
+              <a:rPr lang="ru-RU"/>
+              <a:t>Четвертый уровень</a:t>
+            </a:r>
+          </a:p>
+          <a:p>
+            <a:pPr lvl="4"/>
+            <a:r>
+              <a:rPr lang="ru-RU"/>
+              <a:t>Пятый уровень</a:t>
+            </a:r>
+            <a:endParaRPr lang="en-US" dirty="0"/>
+          </a:p>
+        </p:txBody>
+      </p:sp>
+      <p:sp>
+        <p:nvSpPr>
+          <p:cNvPr id="4" name="Date Placeholder 3"/>
+          <p:cNvSpPr>
+            <a:spLocks noGrp="1"/>
+          </p:cNvSpPr>
+          <p:nvPr>
+            <p:ph type="dt" sz="half" idx="10"/>
+          </p:nvPr>
+        </p:nvSpPr>
+        <p:spPr/>
+        <p:txBody>
+          <a:bodyPr/>
+          <a:lstStyle/>
+          <a:p>
+            <a:fld id="{4A8D24A4-5FEC-4062-8995-EB21925B3B40}" type="datetime1">
+              <a:rPr lang="en-US" smtClean="0"/>
+              <a:t>11/23/2021</a:t>
+            </a:fld>
+            <a:endParaRPr lang="en-US" sz="1000" dirty="0"/>
+          </a:p>
+        </p:txBody>
+      </p:sp>
+      <p:sp>
+        <p:nvSpPr>
+          <p:cNvPr id="5" name="Footer Placeholder 4"/>
+          <p:cNvSpPr>
+            <a:spLocks noGrp="1"/>
+          </p:cNvSpPr>
+          <p:nvPr>
+            <p:ph type="ftr" sz="quarter" idx="11"/>
+          </p:nvPr>
+        </p:nvSpPr>
+        <p:spPr/>
+        <p:txBody>
+          <a:bodyPr/>
+          <a:lstStyle/>
+          <a:p>
+            <a:endParaRPr lang="en-US" sz="1000"/>
+          </a:p>
+        </p:txBody>
+      </p:sp>
+      <p:sp>
+        <p:nvSpPr>
+          <p:cNvPr id="6" name="Slide Number Placeholder 5"/>
+          <p:cNvSpPr>
+            <a:spLocks noGrp="1"/>
+          </p:cNvSpPr>
+          <p:nvPr>
+            <p:ph type="sldNum" sz="quarter" idx="12"/>
+          </p:nvPr>
+        </p:nvSpPr>
+        <p:spPr/>
+        <p:txBody>
+          <a:bodyPr/>
+          <a:lstStyle/>
+          <a:p>
+            <a:fld id="{35747434-7036-48DB-A148-6B3D8EE75CDA}" type="slidenum">
+              <a:rPr lang="en-US" smtClean="0"/>
+              <a:pPr/>
+              <a:t>‹#›</a:t>
+            </a:fld>
+            <a:endParaRPr lang="en-US" sz="1000" dirty="0"/>
+          </a:p>
+        </p:txBody>
+      </p:sp>
+    </p:spTree>
+    <p:extLst>
+      <p:ext uri="{BB962C8B-B14F-4D97-AF65-F5344CB8AC3E}">
+        <p14:creationId xmlns:p14="http://schemas.microsoft.com/office/powerpoint/2010/main" val="963328371"/>
+      </p:ext>
+    </p:extLst>
+  </p:cSld>
+  <p:clrMapOvr>
+    <a:masterClrMapping/>
+  </p:clrMapOvr>
+  <p:hf sldNum="0" hdr="0" ftr="0" dt="0"/>
+</p:sldLayout>
+</file>
+
+<file path=ppt/slideLayouts/slideLayout28.xml><?xml version="1.0" encoding="utf-8"?>
+<p:sldLayout xmlns:a="http://schemas.openxmlformats.org/drawingml/2006/main" xmlns:r="http://schemas.openxmlformats.org/officeDocument/2006/relationships" xmlns:p="http://schemas.openxmlformats.org/presentationml/2006/main" type="vertTitleAndTx" preserve="1">
+  <p:cSld name="Вертикальный заголовок и текст">
+    <p:spTree>
+      <p:nvGrpSpPr>
+        <p:cNvPr id="1" name=""/>
+        <p:cNvGrpSpPr/>
+        <p:nvPr/>
+      </p:nvGrpSpPr>
+      <p:grpSpPr>
+        <a:xfrm>
+          <a:off x="0" y="0"/>
+          <a:ext cx="0" cy="0"/>
+          <a:chOff x="0" y="0"/>
+          <a:chExt cx="0" cy="0"/>
+        </a:xfrm>
+      </p:grpSpPr>
+      <p:sp>
+        <p:nvSpPr>
+          <p:cNvPr id="2" name="Vertical Title 1"/>
+          <p:cNvSpPr>
+            <a:spLocks noGrp="1"/>
+          </p:cNvSpPr>
+          <p:nvPr>
+            <p:ph type="title" orient="vert"/>
+          </p:nvPr>
+        </p:nvSpPr>
+        <p:spPr>
+          <a:xfrm>
+            <a:off x="8724900" y="365125"/>
+            <a:ext cx="2628900" cy="5811838"/>
+          </a:xfrm>
+        </p:spPr>
+        <p:txBody>
+          <a:bodyPr vert="eaVert"/>
+          <a:lstStyle/>
+          <a:p>
+            <a:r>
+              <a:rPr lang="ru-RU"/>
+              <a:t>Образец заголовка</a:t>
+            </a:r>
+            <a:endParaRPr lang="en-US" dirty="0"/>
+          </a:p>
+        </p:txBody>
+      </p:sp>
+      <p:sp>
+        <p:nvSpPr>
+          <p:cNvPr id="3" name="Vertical Text Placeholder 2"/>
+          <p:cNvSpPr>
+            <a:spLocks noGrp="1"/>
+          </p:cNvSpPr>
+          <p:nvPr>
+            <p:ph type="body" orient="vert" idx="1"/>
+          </p:nvPr>
+        </p:nvSpPr>
+        <p:spPr>
+          <a:xfrm>
+            <a:off x="838200" y="365125"/>
+            <a:ext cx="7734300" cy="5811838"/>
+          </a:xfrm>
+        </p:spPr>
+        <p:txBody>
+          <a:bodyPr vert="eaVert"/>
+          <a:lstStyle/>
+          <a:p>
+            <a:pPr lvl="0"/>
+            <a:r>
+              <a:rPr lang="ru-RU"/>
+              <a:t>Образец текста</a:t>
+            </a:r>
+          </a:p>
+          <a:p>
+            <a:pPr lvl="1"/>
+            <a:r>
+              <a:rPr lang="ru-RU"/>
+              <a:t>Второй уровень</a:t>
+            </a:r>
+          </a:p>
+          <a:p>
+            <a:pPr lvl="2"/>
+            <a:r>
+              <a:rPr lang="ru-RU"/>
+              <a:t>Третий уровень</a:t>
+            </a:r>
+          </a:p>
+          <a:p>
+            <a:pPr lvl="3"/>
+            <a:r>
+              <a:rPr lang="ru-RU"/>
+              <a:t>Четвертый уровень</a:t>
+            </a:r>
+          </a:p>
+          <a:p>
+            <a:pPr lvl="4"/>
+            <a:r>
+              <a:rPr lang="ru-RU"/>
+              <a:t>Пятый уровень</a:t>
+            </a:r>
+            <a:endParaRPr lang="en-US" dirty="0"/>
+          </a:p>
+        </p:txBody>
+      </p:sp>
+      <p:sp>
+        <p:nvSpPr>
+          <p:cNvPr id="4" name="Date Placeholder 3"/>
+          <p:cNvSpPr>
+            <a:spLocks noGrp="1"/>
+          </p:cNvSpPr>
+          <p:nvPr>
+            <p:ph type="dt" sz="half" idx="10"/>
+          </p:nvPr>
+        </p:nvSpPr>
+        <p:spPr/>
+        <p:txBody>
+          <a:bodyPr/>
+          <a:lstStyle/>
+          <a:p>
+            <a:fld id="{4A8D24A4-5FEC-4062-8995-EB21925B3B40}" type="datetime1">
+              <a:rPr lang="en-US" smtClean="0"/>
+              <a:t>11/23/2021</a:t>
+            </a:fld>
+            <a:endParaRPr lang="en-US" sz="1000" dirty="0"/>
+          </a:p>
+        </p:txBody>
+      </p:sp>
+      <p:sp>
+        <p:nvSpPr>
+          <p:cNvPr id="5" name="Footer Placeholder 4"/>
+          <p:cNvSpPr>
+            <a:spLocks noGrp="1"/>
+          </p:cNvSpPr>
+          <p:nvPr>
+            <p:ph type="ftr" sz="quarter" idx="11"/>
+          </p:nvPr>
+        </p:nvSpPr>
+        <p:spPr/>
+        <p:txBody>
+          <a:bodyPr/>
+          <a:lstStyle/>
+          <a:p>
+            <a:endParaRPr lang="en-US" sz="1000"/>
+          </a:p>
+        </p:txBody>
+      </p:sp>
+      <p:sp>
+        <p:nvSpPr>
+          <p:cNvPr id="6" name="Slide Number Placeholder 5"/>
+          <p:cNvSpPr>
+            <a:spLocks noGrp="1"/>
+          </p:cNvSpPr>
+          <p:nvPr>
+            <p:ph type="sldNum" sz="quarter" idx="12"/>
+          </p:nvPr>
+        </p:nvSpPr>
+        <p:spPr/>
+        <p:txBody>
+          <a:bodyPr/>
+          <a:lstStyle/>
+          <a:p>
+            <a:fld id="{35747434-7036-48DB-A148-6B3D8EE75CDA}" type="slidenum">
+              <a:rPr lang="en-US" smtClean="0"/>
+              <a:pPr/>
+              <a:t>‹#›</a:t>
+            </a:fld>
+            <a:endParaRPr lang="en-US" sz="1000" dirty="0"/>
+          </a:p>
+        </p:txBody>
+      </p:sp>
+    </p:spTree>
+    <p:extLst>
+      <p:ext uri="{BB962C8B-B14F-4D97-AF65-F5344CB8AC3E}">
+        <p14:creationId xmlns:p14="http://schemas.microsoft.com/office/powerpoint/2010/main" val="4248314742"/>
+      </p:ext>
+    </p:extLst>
+  </p:cSld>
+  <p:clrMapOvr>
+    <a:masterClrMapping/>
+  </p:clrMapOvr>
+  <p:hf sldNum="0" hdr="0" ftr="0" dt="0"/>
 </p:sldLayout>
 </file>
 
@@ -3065,7 +5401,7 @@
           <a:p>
             <a:fld id="{54DC33EF-00C4-410F-B699-02BEF52BE199}" type="datetimeFigureOut">
               <a:rPr lang="ru-RU" smtClean="0"/>
-              <a:t>21.11.2021</a:t>
+              <a:t>23.11.2021</a:t>
             </a:fld>
             <a:endParaRPr lang="ru-RU"/>
           </a:p>
@@ -3301,7 +5637,7 @@
           <a:p>
             <a:fld id="{54DC33EF-00C4-410F-B699-02BEF52BE199}" type="datetimeFigureOut">
               <a:rPr lang="ru-RU" smtClean="0"/>
-              <a:t>21.11.2021</a:t>
+              <a:t>23.11.2021</a:t>
             </a:fld>
             <a:endParaRPr lang="ru-RU"/>
           </a:p>
@@ -3683,7 +6019,7 @@
           <a:p>
             <a:fld id="{54DC33EF-00C4-410F-B699-02BEF52BE199}" type="datetimeFigureOut">
               <a:rPr lang="ru-RU" smtClean="0"/>
-              <a:t>21.11.2021</a:t>
+              <a:t>23.11.2021</a:t>
             </a:fld>
             <a:endParaRPr lang="ru-RU"/>
           </a:p>
@@ -3801,7 +6137,7 @@
           <a:p>
             <a:fld id="{54DC33EF-00C4-410F-B699-02BEF52BE199}" type="datetimeFigureOut">
               <a:rPr lang="ru-RU" smtClean="0"/>
-              <a:t>21.11.2021</a:t>
+              <a:t>23.11.2021</a:t>
             </a:fld>
             <a:endParaRPr lang="ru-RU"/>
           </a:p>
@@ -3896,7 +6232,7 @@
           <a:p>
             <a:fld id="{54DC33EF-00C4-410F-B699-02BEF52BE199}" type="datetimeFigureOut">
               <a:rPr lang="ru-RU" smtClean="0"/>
-              <a:t>21.11.2021</a:t>
+              <a:t>23.11.2021</a:t>
             </a:fld>
             <a:endParaRPr lang="ru-RU"/>
           </a:p>
@@ -4151,7 +6487,7 @@
           <a:p>
             <a:fld id="{54DC33EF-00C4-410F-B699-02BEF52BE199}" type="datetimeFigureOut">
               <a:rPr lang="ru-RU" smtClean="0"/>
-              <a:t>21.11.2021</a:t>
+              <a:t>23.11.2021</a:t>
             </a:fld>
             <a:endParaRPr lang="ru-RU"/>
           </a:p>
@@ -4434,7 +6770,7 @@
           <a:p>
             <a:fld id="{54DC33EF-00C4-410F-B699-02BEF52BE199}" type="datetimeFigureOut">
               <a:rPr lang="ru-RU" smtClean="0"/>
-              <a:t>21.11.2021</a:t>
+              <a:t>23.11.2021</a:t>
             </a:fld>
             <a:endParaRPr lang="ru-RU"/>
           </a:p>
@@ -4840,7 +7176,7 @@
           <a:p>
             <a:fld id="{54DC33EF-00C4-410F-B699-02BEF52BE199}" type="datetimeFigureOut">
               <a:rPr lang="ru-RU" smtClean="0"/>
-              <a:t>21.11.2021</a:t>
+              <a:t>23.11.2021</a:t>
             </a:fld>
             <a:endParaRPr lang="ru-RU"/>
           </a:p>
@@ -5358,6 +7694,548 @@
 </p:sldMaster>
 </file>
 
+<file path=ppt/slideMasters/slideMaster2.xml><?xml version="1.0" encoding="utf-8"?>
+<p:sldMaster xmlns:a="http://schemas.openxmlformats.org/drawingml/2006/main" xmlns:r="http://schemas.openxmlformats.org/officeDocument/2006/relationships" xmlns:p="http://schemas.openxmlformats.org/presentationml/2006/main">
+  <p:cSld>
+    <p:bg>
+      <p:bgRef idx="1001">
+        <a:schemeClr val="bg1"/>
+      </p:bgRef>
+    </p:bg>
+    <p:spTree>
+      <p:nvGrpSpPr>
+        <p:cNvPr id="1" name=""/>
+        <p:cNvGrpSpPr/>
+        <p:nvPr/>
+      </p:nvGrpSpPr>
+      <p:grpSpPr>
+        <a:xfrm>
+          <a:off x="0" y="0"/>
+          <a:ext cx="0" cy="0"/>
+          <a:chOff x="0" y="0"/>
+          <a:chExt cx="0" cy="0"/>
+        </a:xfrm>
+      </p:grpSpPr>
+      <p:sp>
+        <p:nvSpPr>
+          <p:cNvPr id="2" name="Title Placeholder 1"/>
+          <p:cNvSpPr>
+            <a:spLocks noGrp="1"/>
+          </p:cNvSpPr>
+          <p:nvPr>
+            <p:ph type="title"/>
+          </p:nvPr>
+        </p:nvSpPr>
+        <p:spPr>
+          <a:xfrm>
+            <a:off x="838200" y="365125"/>
+            <a:ext cx="10515600" cy="1325563"/>
+          </a:xfrm>
+          <a:prstGeom prst="rect">
+            <a:avLst/>
+          </a:prstGeom>
+        </p:spPr>
+        <p:txBody>
+          <a:bodyPr vert="horz" lIns="91440" tIns="45720" rIns="91440" bIns="45720" rtlCol="0" anchor="ctr">
+            <a:normAutofit/>
+          </a:bodyPr>
+          <a:lstStyle/>
+          <a:p>
+            <a:r>
+              <a:rPr lang="ru-RU"/>
+              <a:t>Образец заголовка</a:t>
+            </a:r>
+            <a:endParaRPr lang="en-US" dirty="0"/>
+          </a:p>
+        </p:txBody>
+      </p:sp>
+      <p:sp>
+        <p:nvSpPr>
+          <p:cNvPr id="3" name="Text Placeholder 2"/>
+          <p:cNvSpPr>
+            <a:spLocks noGrp="1"/>
+          </p:cNvSpPr>
+          <p:nvPr>
+            <p:ph type="body" idx="1"/>
+          </p:nvPr>
+        </p:nvSpPr>
+        <p:spPr>
+          <a:xfrm>
+            <a:off x="838200" y="1825625"/>
+            <a:ext cx="10515600" cy="4351338"/>
+          </a:xfrm>
+          <a:prstGeom prst="rect">
+            <a:avLst/>
+          </a:prstGeom>
+        </p:spPr>
+        <p:txBody>
+          <a:bodyPr vert="horz" lIns="91440" tIns="45720" rIns="91440" bIns="45720" rtlCol="0">
+            <a:normAutofit/>
+          </a:bodyPr>
+          <a:lstStyle/>
+          <a:p>
+            <a:pPr lvl="0"/>
+            <a:r>
+              <a:rPr lang="ru-RU"/>
+              <a:t>Образец текста</a:t>
+            </a:r>
+          </a:p>
+          <a:p>
+            <a:pPr lvl="1"/>
+            <a:r>
+              <a:rPr lang="ru-RU"/>
+              <a:t>Второй уровень</a:t>
+            </a:r>
+          </a:p>
+          <a:p>
+            <a:pPr lvl="2"/>
+            <a:r>
+              <a:rPr lang="ru-RU"/>
+              <a:t>Третий уровень</a:t>
+            </a:r>
+          </a:p>
+          <a:p>
+            <a:pPr lvl="3"/>
+            <a:r>
+              <a:rPr lang="ru-RU"/>
+              <a:t>Четвертый уровень</a:t>
+            </a:r>
+          </a:p>
+          <a:p>
+            <a:pPr lvl="4"/>
+            <a:r>
+              <a:rPr lang="ru-RU"/>
+              <a:t>Пятый уровень</a:t>
+            </a:r>
+            <a:endParaRPr lang="en-US" dirty="0"/>
+          </a:p>
+        </p:txBody>
+      </p:sp>
+      <p:sp>
+        <p:nvSpPr>
+          <p:cNvPr id="4" name="Date Placeholder 3"/>
+          <p:cNvSpPr>
+            <a:spLocks noGrp="1"/>
+          </p:cNvSpPr>
+          <p:nvPr>
+            <p:ph type="dt" sz="half" idx="2"/>
+          </p:nvPr>
+        </p:nvSpPr>
+        <p:spPr>
+          <a:xfrm>
+            <a:off x="838200" y="6356350"/>
+            <a:ext cx="2743200" cy="365125"/>
+          </a:xfrm>
+          <a:prstGeom prst="rect">
+            <a:avLst/>
+          </a:prstGeom>
+        </p:spPr>
+        <p:txBody>
+          <a:bodyPr vert="horz" lIns="91440" tIns="45720" rIns="91440" bIns="45720" rtlCol="0" anchor="ctr"/>
+          <a:lstStyle>
+            <a:lvl1pPr algn="l">
+              <a:defRPr sz="1200">
+                <a:solidFill>
+                  <a:schemeClr val="tx1">
+                    <a:tint val="75000"/>
+                  </a:schemeClr>
+                </a:solidFill>
+              </a:defRPr>
+            </a:lvl1pPr>
+          </a:lstStyle>
+          <a:p>
+            <a:fld id="{4A8D24A4-5FEC-4062-8995-EB21925B3B40}" type="datetime1">
+              <a:rPr lang="en-US" smtClean="0"/>
+              <a:t>11/23/2021</a:t>
+            </a:fld>
+            <a:endParaRPr lang="en-US" sz="1000" dirty="0"/>
+          </a:p>
+        </p:txBody>
+      </p:sp>
+      <p:sp>
+        <p:nvSpPr>
+          <p:cNvPr id="5" name="Footer Placeholder 4"/>
+          <p:cNvSpPr>
+            <a:spLocks noGrp="1"/>
+          </p:cNvSpPr>
+          <p:nvPr>
+            <p:ph type="ftr" sz="quarter" idx="3"/>
+          </p:nvPr>
+        </p:nvSpPr>
+        <p:spPr>
+          <a:xfrm>
+            <a:off x="4038600" y="6356350"/>
+            <a:ext cx="4114800" cy="365125"/>
+          </a:xfrm>
+          <a:prstGeom prst="rect">
+            <a:avLst/>
+          </a:prstGeom>
+        </p:spPr>
+        <p:txBody>
+          <a:bodyPr vert="horz" lIns="91440" tIns="45720" rIns="91440" bIns="45720" rtlCol="0" anchor="ctr"/>
+          <a:lstStyle>
+            <a:lvl1pPr algn="ctr">
+              <a:defRPr sz="1200">
+                <a:solidFill>
+                  <a:schemeClr val="tx1">
+                    <a:tint val="75000"/>
+                  </a:schemeClr>
+                </a:solidFill>
+              </a:defRPr>
+            </a:lvl1pPr>
+          </a:lstStyle>
+          <a:p>
+            <a:endParaRPr lang="en-US" sz="1000"/>
+          </a:p>
+        </p:txBody>
+      </p:sp>
+      <p:sp>
+        <p:nvSpPr>
+          <p:cNvPr id="6" name="Slide Number Placeholder 5"/>
+          <p:cNvSpPr>
+            <a:spLocks noGrp="1"/>
+          </p:cNvSpPr>
+          <p:nvPr>
+            <p:ph type="sldNum" sz="quarter" idx="4"/>
+          </p:nvPr>
+        </p:nvSpPr>
+        <p:spPr>
+          <a:xfrm>
+            <a:off x="8610600" y="6356350"/>
+            <a:ext cx="2743200" cy="365125"/>
+          </a:xfrm>
+          <a:prstGeom prst="rect">
+            <a:avLst/>
+          </a:prstGeom>
+        </p:spPr>
+        <p:txBody>
+          <a:bodyPr vert="horz" lIns="91440" tIns="45720" rIns="91440" bIns="45720" rtlCol="0" anchor="ctr"/>
+          <a:lstStyle>
+            <a:lvl1pPr algn="r">
+              <a:defRPr sz="1200">
+                <a:solidFill>
+                  <a:schemeClr val="tx1">
+                    <a:tint val="75000"/>
+                  </a:schemeClr>
+                </a:solidFill>
+              </a:defRPr>
+            </a:lvl1pPr>
+          </a:lstStyle>
+          <a:p>
+            <a:fld id="{35747434-7036-48DB-A148-6B3D8EE75CDA}" type="slidenum">
+              <a:rPr lang="en-US" smtClean="0"/>
+              <a:pPr/>
+              <a:t>‹#›</a:t>
+            </a:fld>
+            <a:endParaRPr lang="en-US" sz="1000" dirty="0"/>
+          </a:p>
+        </p:txBody>
+      </p:sp>
+    </p:spTree>
+    <p:extLst>
+      <p:ext uri="{BB962C8B-B14F-4D97-AF65-F5344CB8AC3E}">
+        <p14:creationId xmlns:p14="http://schemas.microsoft.com/office/powerpoint/2010/main" val="3726371438"/>
+      </p:ext>
+    </p:extLst>
+  </p:cSld>
+  <p:clrMap bg1="lt1" tx1="dk1" bg2="lt2" tx2="dk2" accent1="accent1" accent2="accent2" accent3="accent3" accent4="accent4" accent5="accent5" accent6="accent6" hlink="hlink" folHlink="folHlink"/>
+  <p:sldLayoutIdLst>
+    <p:sldLayoutId id="2147483713" r:id="rId1"/>
+    <p:sldLayoutId id="2147483714" r:id="rId2"/>
+    <p:sldLayoutId id="2147483715" r:id="rId3"/>
+    <p:sldLayoutId id="2147483716" r:id="rId4"/>
+    <p:sldLayoutId id="2147483717" r:id="rId5"/>
+    <p:sldLayoutId id="2147483718" r:id="rId6"/>
+    <p:sldLayoutId id="2147483719" r:id="rId7"/>
+    <p:sldLayoutId id="2147483720" r:id="rId8"/>
+    <p:sldLayoutId id="2147483721" r:id="rId9"/>
+    <p:sldLayoutId id="2147483722" r:id="rId10"/>
+    <p:sldLayoutId id="2147483723" r:id="rId11"/>
+  </p:sldLayoutIdLst>
+  <p:hf sldNum="0" hdr="0" ftr="0" dt="0"/>
+  <p:txStyles>
+    <p:titleStyle>
+      <a:lvl1pPr algn="l" defTabSz="914400" rtl="0" eaLnBrk="1" latinLnBrk="0" hangingPunct="1">
+        <a:lnSpc>
+          <a:spcPct val="90000"/>
+        </a:lnSpc>
+        <a:spcBef>
+          <a:spcPct val="0"/>
+        </a:spcBef>
+        <a:buNone/>
+        <a:defRPr sz="4400" kern="1200">
+          <a:solidFill>
+            <a:schemeClr val="tx1"/>
+          </a:solidFill>
+          <a:latin typeface="+mj-lt"/>
+          <a:ea typeface="+mj-ea"/>
+          <a:cs typeface="+mj-cs"/>
+        </a:defRPr>
+      </a:lvl1pPr>
+    </p:titleStyle>
+    <p:bodyStyle>
+      <a:lvl1pPr marL="228600" indent="-228600" algn="l" defTabSz="914400" rtl="0" eaLnBrk="1" latinLnBrk="0" hangingPunct="1">
+        <a:lnSpc>
+          <a:spcPct val="90000"/>
+        </a:lnSpc>
+        <a:spcBef>
+          <a:spcPts val="1000"/>
+        </a:spcBef>
+        <a:buFont typeface="Arial" panose="020B0604020202020204" pitchFamily="34" charset="0"/>
+        <a:buChar char="•"/>
+        <a:defRPr sz="2800" kern="1200">
+          <a:solidFill>
+            <a:schemeClr val="tx1"/>
+          </a:solidFill>
+          <a:latin typeface="+mn-lt"/>
+          <a:ea typeface="+mn-ea"/>
+          <a:cs typeface="+mn-cs"/>
+        </a:defRPr>
+      </a:lvl1pPr>
+      <a:lvl2pPr marL="685800" indent="-228600" algn="l" defTabSz="914400" rtl="0" eaLnBrk="1" latinLnBrk="0" hangingPunct="1">
+        <a:lnSpc>
+          <a:spcPct val="90000"/>
+        </a:lnSpc>
+        <a:spcBef>
+          <a:spcPts val="500"/>
+        </a:spcBef>
+        <a:buFont typeface="Arial" panose="020B0604020202020204" pitchFamily="34" charset="0"/>
+        <a:buChar char="•"/>
+        <a:defRPr sz="2400" kern="1200">
+          <a:solidFill>
+            <a:schemeClr val="tx1"/>
+          </a:solidFill>
+          <a:latin typeface="+mn-lt"/>
+          <a:ea typeface="+mn-ea"/>
+          <a:cs typeface="+mn-cs"/>
+        </a:defRPr>
+      </a:lvl2pPr>
+      <a:lvl3pPr marL="1143000" indent="-228600" algn="l" defTabSz="914400" rtl="0" eaLnBrk="1" latinLnBrk="0" hangingPunct="1">
+        <a:lnSpc>
+          <a:spcPct val="90000"/>
+        </a:lnSpc>
+        <a:spcBef>
+          <a:spcPts val="500"/>
+        </a:spcBef>
+        <a:buFont typeface="Arial" panose="020B0604020202020204" pitchFamily="34" charset="0"/>
+        <a:buChar char="•"/>
+        <a:defRPr sz="2000" kern="1200">
+          <a:solidFill>
+            <a:schemeClr val="tx1"/>
+          </a:solidFill>
+          <a:latin typeface="+mn-lt"/>
+          <a:ea typeface="+mn-ea"/>
+          <a:cs typeface="+mn-cs"/>
+        </a:defRPr>
+      </a:lvl3pPr>
+      <a:lvl4pPr marL="1600200" indent="-228600" algn="l" defTabSz="914400" rtl="0" eaLnBrk="1" latinLnBrk="0" hangingPunct="1">
+        <a:lnSpc>
+          <a:spcPct val="90000"/>
+        </a:lnSpc>
+        <a:spcBef>
+          <a:spcPts val="500"/>
+        </a:spcBef>
+        <a:buFont typeface="Arial" panose="020B0604020202020204" pitchFamily="34" charset="0"/>
+        <a:buChar char="•"/>
+        <a:defRPr sz="1800" kern="1200">
+          <a:solidFill>
+            <a:schemeClr val="tx1"/>
+          </a:solidFill>
+          <a:latin typeface="+mn-lt"/>
+          <a:ea typeface="+mn-ea"/>
+          <a:cs typeface="+mn-cs"/>
+        </a:defRPr>
+      </a:lvl4pPr>
+      <a:lvl5pPr marL="2057400" indent="-228600" algn="l" defTabSz="914400" rtl="0" eaLnBrk="1" latinLnBrk="0" hangingPunct="1">
+        <a:lnSpc>
+          <a:spcPct val="90000"/>
+        </a:lnSpc>
+        <a:spcBef>
+          <a:spcPts val="500"/>
+        </a:spcBef>
+        <a:buFont typeface="Arial" panose="020B0604020202020204" pitchFamily="34" charset="0"/>
+        <a:buChar char="•"/>
+        <a:defRPr sz="1800" kern="1200">
+          <a:solidFill>
+            <a:schemeClr val="tx1"/>
+          </a:solidFill>
+          <a:latin typeface="+mn-lt"/>
+          <a:ea typeface="+mn-ea"/>
+          <a:cs typeface="+mn-cs"/>
+        </a:defRPr>
+      </a:lvl5pPr>
+      <a:lvl6pPr marL="2514600" indent="-228600" algn="l" defTabSz="914400" rtl="0" eaLnBrk="1" latinLnBrk="0" hangingPunct="1">
+        <a:lnSpc>
+          <a:spcPct val="90000"/>
+        </a:lnSpc>
+        <a:spcBef>
+          <a:spcPts val="500"/>
+        </a:spcBef>
+        <a:buFont typeface="Arial" panose="020B0604020202020204" pitchFamily="34" charset="0"/>
+        <a:buChar char="•"/>
+        <a:defRPr sz="1800" kern="1200">
+          <a:solidFill>
+            <a:schemeClr val="tx1"/>
+          </a:solidFill>
+          <a:latin typeface="+mn-lt"/>
+          <a:ea typeface="+mn-ea"/>
+          <a:cs typeface="+mn-cs"/>
+        </a:defRPr>
+      </a:lvl6pPr>
+      <a:lvl7pPr marL="2971800" indent="-228600" algn="l" defTabSz="914400" rtl="0" eaLnBrk="1" latinLnBrk="0" hangingPunct="1">
+        <a:lnSpc>
+          <a:spcPct val="90000"/>
+        </a:lnSpc>
+        <a:spcBef>
+          <a:spcPts val="500"/>
+        </a:spcBef>
+        <a:buFont typeface="Arial" panose="020B0604020202020204" pitchFamily="34" charset="0"/>
+        <a:buChar char="•"/>
+        <a:defRPr sz="1800" kern="1200">
+          <a:solidFill>
+            <a:schemeClr val="tx1"/>
+          </a:solidFill>
+          <a:latin typeface="+mn-lt"/>
+          <a:ea typeface="+mn-ea"/>
+          <a:cs typeface="+mn-cs"/>
+        </a:defRPr>
+      </a:lvl7pPr>
+      <a:lvl8pPr marL="3429000" indent="-228600" algn="l" defTabSz="914400" rtl="0" eaLnBrk="1" latinLnBrk="0" hangingPunct="1">
+        <a:lnSpc>
+          <a:spcPct val="90000"/>
+        </a:lnSpc>
+        <a:spcBef>
+          <a:spcPts val="500"/>
+        </a:spcBef>
+        <a:buFont typeface="Arial" panose="020B0604020202020204" pitchFamily="34" charset="0"/>
+        <a:buChar char="•"/>
+        <a:defRPr sz="1800" kern="1200">
+          <a:solidFill>
+            <a:schemeClr val="tx1"/>
+          </a:solidFill>
+          <a:latin typeface="+mn-lt"/>
+          <a:ea typeface="+mn-ea"/>
+          <a:cs typeface="+mn-cs"/>
+        </a:defRPr>
+      </a:lvl8pPr>
+      <a:lvl9pPr marL="3886200" indent="-228600" algn="l" defTabSz="914400" rtl="0" eaLnBrk="1" latinLnBrk="0" hangingPunct="1">
+        <a:lnSpc>
+          <a:spcPct val="90000"/>
+        </a:lnSpc>
+        <a:spcBef>
+          <a:spcPts val="500"/>
+        </a:spcBef>
+        <a:buFont typeface="Arial" panose="020B0604020202020204" pitchFamily="34" charset="0"/>
+        <a:buChar char="•"/>
+        <a:defRPr sz="1800" kern="1200">
+          <a:solidFill>
+            <a:schemeClr val="tx1"/>
+          </a:solidFill>
+          <a:latin typeface="+mn-lt"/>
+          <a:ea typeface="+mn-ea"/>
+          <a:cs typeface="+mn-cs"/>
+        </a:defRPr>
+      </a:lvl9pPr>
+    </p:bodyStyle>
+    <p:otherStyle>
+      <a:defPPr>
+        <a:defRPr lang="en-US"/>
+      </a:defPPr>
+      <a:lvl1pPr marL="0" algn="l" defTabSz="914400" rtl="0" eaLnBrk="1" latinLnBrk="0" hangingPunct="1">
+        <a:defRPr sz="1800" kern="1200">
+          <a:solidFill>
+            <a:schemeClr val="tx1"/>
+          </a:solidFill>
+          <a:latin typeface="+mn-lt"/>
+          <a:ea typeface="+mn-ea"/>
+          <a:cs typeface="+mn-cs"/>
+        </a:defRPr>
+      </a:lvl1pPr>
+      <a:lvl2pPr marL="457200" algn="l" defTabSz="914400" rtl="0" eaLnBrk="1" latinLnBrk="0" hangingPunct="1">
+        <a:defRPr sz="1800" kern="1200">
+          <a:solidFill>
+            <a:schemeClr val="tx1"/>
+          </a:solidFill>
+          <a:latin typeface="+mn-lt"/>
+          <a:ea typeface="+mn-ea"/>
+          <a:cs typeface="+mn-cs"/>
+        </a:defRPr>
+      </a:lvl2pPr>
+      <a:lvl3pPr marL="914400" algn="l" defTabSz="914400" rtl="0" eaLnBrk="1" latinLnBrk="0" hangingPunct="1">
+        <a:defRPr sz="1800" kern="1200">
+          <a:solidFill>
+            <a:schemeClr val="tx1"/>
+          </a:solidFill>
+          <a:latin typeface="+mn-lt"/>
+          <a:ea typeface="+mn-ea"/>
+          <a:cs typeface="+mn-cs"/>
+        </a:defRPr>
+      </a:lvl3pPr>
+      <a:lvl4pPr marL="1371600" algn="l" defTabSz="914400" rtl="0" eaLnBrk="1" latinLnBrk="0" hangingPunct="1">
+        <a:defRPr sz="1800" kern="1200">
+          <a:solidFill>
+            <a:schemeClr val="tx1"/>
+          </a:solidFill>
+          <a:latin typeface="+mn-lt"/>
+          <a:ea typeface="+mn-ea"/>
+          <a:cs typeface="+mn-cs"/>
+        </a:defRPr>
+      </a:lvl4pPr>
+      <a:lvl5pPr marL="1828800" algn="l" defTabSz="914400" rtl="0" eaLnBrk="1" latinLnBrk="0" hangingPunct="1">
+        <a:defRPr sz="1800" kern="1200">
+          <a:solidFill>
+            <a:schemeClr val="tx1"/>
+          </a:solidFill>
+          <a:latin typeface="+mn-lt"/>
+          <a:ea typeface="+mn-ea"/>
+          <a:cs typeface="+mn-cs"/>
+        </a:defRPr>
+      </a:lvl5pPr>
+      <a:lvl6pPr marL="2286000" algn="l" defTabSz="914400" rtl="0" eaLnBrk="1" latinLnBrk="0" hangingPunct="1">
+        <a:defRPr sz="1800" kern="1200">
+          <a:solidFill>
+            <a:schemeClr val="tx1"/>
+          </a:solidFill>
+          <a:latin typeface="+mn-lt"/>
+          <a:ea typeface="+mn-ea"/>
+          <a:cs typeface="+mn-cs"/>
+        </a:defRPr>
+      </a:lvl6pPr>
+      <a:lvl7pPr marL="2743200" algn="l" defTabSz="914400" rtl="0" eaLnBrk="1" latinLnBrk="0" hangingPunct="1">
+        <a:defRPr sz="1800" kern="1200">
+          <a:solidFill>
+            <a:schemeClr val="tx1"/>
+          </a:solidFill>
+          <a:latin typeface="+mn-lt"/>
+          <a:ea typeface="+mn-ea"/>
+          <a:cs typeface="+mn-cs"/>
+        </a:defRPr>
+      </a:lvl7pPr>
+      <a:lvl8pPr marL="3200400" algn="l" defTabSz="914400" rtl="0" eaLnBrk="1" latinLnBrk="0" hangingPunct="1">
+        <a:defRPr sz="1800" kern="1200">
+          <a:solidFill>
+            <a:schemeClr val="tx1"/>
+          </a:solidFill>
+          <a:latin typeface="+mn-lt"/>
+          <a:ea typeface="+mn-ea"/>
+          <a:cs typeface="+mn-cs"/>
+        </a:defRPr>
+      </a:lvl8pPr>
+      <a:lvl9pPr marL="3657600" algn="l" defTabSz="914400" rtl="0" eaLnBrk="1" latinLnBrk="0" hangingPunct="1">
+        <a:defRPr sz="1800" kern="1200">
+          <a:solidFill>
+            <a:schemeClr val="tx1"/>
+          </a:solidFill>
+          <a:latin typeface="+mn-lt"/>
+          <a:ea typeface="+mn-ea"/>
+          <a:cs typeface="+mn-cs"/>
+        </a:defRPr>
+      </a:lvl9pPr>
+    </p:otherStyle>
+  </p:txStyles>
+</p:sldMaster>
+</file>
+
 <file path=ppt/slides/slide1.xml><?xml version="1.0" encoding="utf-8"?>
 <p:sld xmlns:a="http://schemas.openxmlformats.org/drawingml/2006/main" xmlns:r="http://schemas.openxmlformats.org/officeDocument/2006/relationships" xmlns:p="http://schemas.openxmlformats.org/presentationml/2006/main">
   <p:cSld>
@@ -5525,10 +8403,272 @@
           <a:chExt cx="0" cy="0"/>
         </a:xfrm>
       </p:grpSpPr>
+      <p:sp>
+        <p:nvSpPr>
+          <p:cNvPr id="2" name="Заголовок 1"/>
+          <p:cNvSpPr>
+            <a:spLocks noGrp="1"/>
+          </p:cNvSpPr>
+          <p:nvPr>
+            <p:ph type="title"/>
+          </p:nvPr>
+        </p:nvSpPr>
+        <p:spPr>
+          <a:xfrm>
+            <a:off x="1918652" y="107356"/>
+            <a:ext cx="8534400" cy="1507067"/>
+          </a:xfrm>
+        </p:spPr>
+        <p:txBody>
+          <a:bodyPr/>
+          <a:lstStyle/>
+          <a:p>
+            <a:pPr algn="ctr"/>
+            <a:r>
+              <a:rPr lang="ru-RU" cap="none" dirty="0"/>
+              <a:t>Алгоритм Форда-Беллмана</a:t>
+            </a:r>
+          </a:p>
+        </p:txBody>
+      </p:sp>
+      <p:sp>
+        <p:nvSpPr>
+          <p:cNvPr id="3" name="Прямоугольник 2"/>
+          <p:cNvSpPr/>
+          <p:nvPr/>
+        </p:nvSpPr>
+        <p:spPr>
+          <a:xfrm>
+            <a:off x="879833" y="1360509"/>
+            <a:ext cx="10460611" cy="1015663"/>
+          </a:xfrm>
+          <a:prstGeom prst="rect">
+            <a:avLst/>
+          </a:prstGeom>
+        </p:spPr>
+        <p:txBody>
+          <a:bodyPr wrap="square">
+            <a:spAutoFit/>
+          </a:bodyPr>
+          <a:lstStyle/>
+          <a:p>
+            <a:r>
+              <a:rPr lang="ru-RU" sz="2000" dirty="0"/>
+              <a:t>В отличии от алгоритма </a:t>
+            </a:r>
+            <a:r>
+              <a:rPr lang="ru-RU" sz="2000" dirty="0" err="1" smtClean="0"/>
+              <a:t>Дейкстры</a:t>
+            </a:r>
+            <a:r>
+              <a:rPr lang="ru-RU" sz="2000" dirty="0" smtClean="0"/>
+              <a:t>: никакая </a:t>
+            </a:r>
+            <a:r>
+              <a:rPr lang="ru-RU" sz="2000" dirty="0"/>
+              <a:t>из пометок, во время работы алгоритма не рассматривается </a:t>
+            </a:r>
+            <a:r>
+              <a:rPr lang="ru-RU" sz="2000" dirty="0" smtClean="0"/>
+              <a:t>как окончательная/постоянная</a:t>
+            </a:r>
+            <a:r>
+              <a:rPr lang="ru-RU" sz="2000" dirty="0"/>
+              <a:t>; </a:t>
+            </a:r>
+            <a:r>
+              <a:rPr lang="ru-RU" sz="2000" dirty="0" smtClean="0"/>
+              <a:t>этот </a:t>
+            </a:r>
+            <a:r>
+              <a:rPr lang="ru-RU" sz="2000" dirty="0"/>
+              <a:t>алгоритм применим также и </a:t>
+            </a:r>
+            <a:r>
+              <a:rPr lang="ru-RU" sz="2000" dirty="0" smtClean="0"/>
+              <a:t>к графам</a:t>
+            </a:r>
+            <a:r>
+              <a:rPr lang="ru-RU" sz="2000" dirty="0"/>
+              <a:t>, содержащим рёбра отрицательного веса. </a:t>
+            </a:r>
+          </a:p>
+        </p:txBody>
+      </p:sp>
+      <p:sp>
+        <p:nvSpPr>
+          <p:cNvPr id="6" name="Прямоугольник 5"/>
+          <p:cNvSpPr/>
+          <p:nvPr/>
+        </p:nvSpPr>
+        <p:spPr>
+          <a:xfrm>
+            <a:off x="815825" y="2623060"/>
+            <a:ext cx="9991344" cy="3717941"/>
+          </a:xfrm>
+          <a:prstGeom prst="rect">
+            <a:avLst/>
+          </a:prstGeom>
+        </p:spPr>
+        <p:txBody>
+          <a:bodyPr wrap="square">
+            <a:spAutoFit/>
+          </a:bodyPr>
+          <a:lstStyle/>
+          <a:p>
+            <a:pPr lvl="0">
+              <a:spcBef>
+                <a:spcPct val="20000"/>
+              </a:spcBef>
+              <a:spcAft>
+                <a:spcPts val="600"/>
+              </a:spcAft>
+              <a:buClr>
+                <a:prstClr val="white"/>
+              </a:buClr>
+              <a:buSzPct val="80000"/>
+            </a:pPr>
+            <a:r>
+              <a:rPr lang="ru-RU" sz="2200" dirty="0"/>
+              <a:t>Алгоритм</a:t>
+            </a:r>
+            <a:r>
+              <a:rPr lang="ru-RU" sz="2200" dirty="0"/>
+              <a:t>:</a:t>
+            </a:r>
+          </a:p>
+          <a:p>
+            <a:pPr lvl="0" indent="-342900">
+              <a:spcBef>
+                <a:spcPct val="20000"/>
+              </a:spcBef>
+              <a:spcAft>
+                <a:spcPts val="600"/>
+              </a:spcAft>
+              <a:buClr>
+                <a:prstClr val="white"/>
+              </a:buClr>
+              <a:buSzPct val="80000"/>
+              <a:buFont typeface="Arial" panose="020B0604020202020204" pitchFamily="34" charset="0"/>
+              <a:buChar char="•"/>
+            </a:pPr>
+            <a:r>
+              <a:rPr lang="ru-RU" sz="2200" dirty="0"/>
+              <a:t>Повторяем релаксацию всех ребер </a:t>
+            </a:r>
+            <a:r>
+              <a:rPr lang="en-US" sz="2200" dirty="0"/>
+              <a:t>n </a:t>
+            </a:r>
+            <a:r>
+              <a:rPr lang="ru-RU" sz="2200" dirty="0"/>
+              <a:t> раз, где </a:t>
+            </a:r>
+            <a:r>
+              <a:rPr lang="en-US" sz="2200" dirty="0"/>
+              <a:t> n – </a:t>
+            </a:r>
+            <a:r>
+              <a:rPr lang="ru-RU" sz="2200" dirty="0"/>
+              <a:t>число вершин графа.</a:t>
+            </a:r>
+          </a:p>
+          <a:p>
+            <a:pPr lvl="0" indent="-342900">
+              <a:spcBef>
+                <a:spcPct val="20000"/>
+              </a:spcBef>
+              <a:spcAft>
+                <a:spcPts val="600"/>
+              </a:spcAft>
+              <a:buClr>
+                <a:prstClr val="white"/>
+              </a:buClr>
+              <a:buSzPct val="80000"/>
+              <a:buFont typeface="Arial" panose="020B0604020202020204" pitchFamily="34" charset="0"/>
+              <a:buChar char="•"/>
+            </a:pPr>
+            <a:r>
+              <a:rPr lang="ru-RU" sz="2200" dirty="0"/>
+              <a:t>Релаксация подразумевает поиск оптимального пути в данную вершину из вершин, у которых есть путь в данную.</a:t>
+            </a:r>
+          </a:p>
+          <a:p>
+            <a:pPr lvl="0" indent="-342900">
+              <a:spcBef>
+                <a:spcPct val="20000"/>
+              </a:spcBef>
+              <a:spcAft>
+                <a:spcPts val="600"/>
+              </a:spcAft>
+              <a:buClr>
+                <a:prstClr val="white"/>
+              </a:buClr>
+              <a:buSzPct val="80000"/>
+              <a:buFont typeface="Arial" panose="020B0604020202020204" pitchFamily="34" charset="0"/>
+              <a:buChar char="•"/>
+            </a:pPr>
+            <a:r>
+              <a:rPr lang="ru-RU" sz="2200" dirty="0"/>
+              <a:t>Если на последнем шаге = </a:t>
+            </a:r>
+            <a:r>
+              <a:rPr lang="en-US" sz="2200" dirty="0"/>
+              <a:t>I </a:t>
+            </a:r>
+            <a:r>
+              <a:rPr lang="ru-RU" sz="2200" dirty="0"/>
+              <a:t>и на следующем(</a:t>
+            </a:r>
+            <a:r>
+              <a:rPr lang="en-US" sz="2200" dirty="0"/>
+              <a:t>i+1) </a:t>
+            </a:r>
+            <a:r>
+              <a:rPr lang="ru-RU" sz="2200" dirty="0"/>
+              <a:t>хоть одно ребро </a:t>
+            </a:r>
+            <a:r>
+              <a:rPr lang="ru-RU" sz="2200" dirty="0" err="1"/>
+              <a:t>релаксировалось</a:t>
+            </a:r>
+            <a:r>
+              <a:rPr lang="ru-RU" sz="2200" dirty="0"/>
+              <a:t>, значит есть цикл отрицательного веса.</a:t>
+            </a:r>
+          </a:p>
+          <a:p>
+            <a:pPr lvl="0">
+              <a:spcBef>
+                <a:spcPct val="20000"/>
+              </a:spcBef>
+              <a:spcAft>
+                <a:spcPts val="600"/>
+              </a:spcAft>
+              <a:buClr>
+                <a:prstClr val="white"/>
+              </a:buClr>
+              <a:buSzPct val="80000"/>
+            </a:pPr>
+            <a:r>
+              <a:rPr lang="ru-RU" sz="2200" dirty="0"/>
+              <a:t>Сложность алгоритма равна O(VE), что больше, чем показатель для алгоритма </a:t>
+            </a:r>
+            <a:r>
+              <a:rPr lang="ru-RU" sz="2200" dirty="0" err="1"/>
+              <a:t>Дейкстры</a:t>
+            </a:r>
+            <a:r>
+              <a:rPr lang="ru-RU" sz="2200" dirty="0"/>
+              <a:t>.</a:t>
+            </a:r>
+          </a:p>
+        </p:txBody>
+      </p:sp>
     </p:spTree>
     <p:extLst>
       <p:ext uri="{BB962C8B-B14F-4D97-AF65-F5344CB8AC3E}">
-        <p14:creationId xmlns:p14="http://schemas.microsoft.com/office/powerpoint/2010/main" val="1347180636"/>
+        <p14:creationId xmlns:p14="http://schemas.microsoft.com/office/powerpoint/2010/main" val="921591213"/>
       </p:ext>
     </p:extLst>
   </p:cSld>
@@ -5539,6 +8679,1159 @@
 </file>
 
 <file path=ppt/slides/slide11.xml><?xml version="1.0" encoding="utf-8"?>
+<p:sld xmlns:a="http://schemas.openxmlformats.org/drawingml/2006/main" xmlns:r="http://schemas.openxmlformats.org/officeDocument/2006/relationships" xmlns:p="http://schemas.openxmlformats.org/presentationml/2006/main">
+  <p:cSld>
+    <p:spTree>
+      <p:nvGrpSpPr>
+        <p:cNvPr id="1" name=""/>
+        <p:cNvGrpSpPr/>
+        <p:nvPr/>
+      </p:nvGrpSpPr>
+      <p:grpSpPr>
+        <a:xfrm>
+          <a:off x="0" y="0"/>
+          <a:ext cx="0" cy="0"/>
+          <a:chOff x="0" y="0"/>
+          <a:chExt cx="0" cy="0"/>
+        </a:xfrm>
+      </p:grpSpPr>
+      <p:sp>
+        <p:nvSpPr>
+          <p:cNvPr id="2" name="Заголовок 1"/>
+          <p:cNvSpPr>
+            <a:spLocks noGrp="1"/>
+          </p:cNvSpPr>
+          <p:nvPr>
+            <p:ph type="title"/>
+          </p:nvPr>
+        </p:nvSpPr>
+        <p:spPr>
+          <a:xfrm>
+            <a:off x="1891220" y="189652"/>
+            <a:ext cx="8534400" cy="1507067"/>
+          </a:xfrm>
+        </p:spPr>
+        <p:txBody>
+          <a:bodyPr/>
+          <a:lstStyle/>
+          <a:p>
+            <a:pPr algn="ctr"/>
+            <a:r>
+              <a:rPr lang="ru-RU" cap="none" dirty="0"/>
+              <a:t>Алгоритм </a:t>
+            </a:r>
+            <a:r>
+              <a:rPr lang="ru-RU" cap="none" dirty="0" err="1"/>
+              <a:t>Флойда-Уоршелла</a:t>
+            </a:r>
+            <a:r>
+              <a:rPr lang="ru-RU" cap="none" dirty="0"/>
+              <a:t/>
+            </a:r>
+            <a:br>
+              <a:rPr lang="ru-RU" cap="none" dirty="0"/>
+            </a:br>
+            <a:endParaRPr lang="ru-RU" cap="none" dirty="0"/>
+          </a:p>
+        </p:txBody>
+      </p:sp>
+      <p:sp>
+        <p:nvSpPr>
+          <p:cNvPr id="3" name="Прямоугольник 2"/>
+          <p:cNvSpPr/>
+          <p:nvPr/>
+        </p:nvSpPr>
+        <p:spPr>
+          <a:xfrm>
+            <a:off x="964676" y="1358254"/>
+            <a:ext cx="9866722" cy="1200329"/>
+          </a:xfrm>
+          <a:prstGeom prst="rect">
+            <a:avLst/>
+          </a:prstGeom>
+        </p:spPr>
+        <p:txBody>
+          <a:bodyPr wrap="square">
+            <a:spAutoFit/>
+          </a:bodyPr>
+          <a:lstStyle/>
+          <a:p>
+            <a:r>
+              <a:rPr lang="ru-RU" sz="2400" dirty="0"/>
+              <a:t>Алгоритм строит кратчайшие пути между всеми парами вершин во взвешенном ориентированном графе с произвольной матрицей весов.</a:t>
+            </a:r>
+          </a:p>
+        </p:txBody>
+      </p:sp>
+      <p:pic>
+        <p:nvPicPr>
+          <p:cNvPr id="4" name="Рисунок 3"/>
+          <p:cNvPicPr>
+            <a:picLocks noChangeAspect="1"/>
+          </p:cNvPicPr>
+          <p:nvPr/>
+        </p:nvPicPr>
+        <p:blipFill>
+          <a:blip r:embed="rId2"/>
+          <a:stretch>
+            <a:fillRect/>
+          </a:stretch>
+        </p:blipFill>
+        <p:spPr>
+          <a:xfrm>
+            <a:off x="6579909" y="3407212"/>
+            <a:ext cx="4473804" cy="1841716"/>
+          </a:xfrm>
+          <a:prstGeom prst="rect">
+            <a:avLst/>
+          </a:prstGeom>
+        </p:spPr>
+      </p:pic>
+      <p:sp>
+        <p:nvSpPr>
+          <p:cNvPr id="5" name="Прямоугольник 4"/>
+          <p:cNvSpPr/>
+          <p:nvPr/>
+        </p:nvSpPr>
+        <p:spPr>
+          <a:xfrm>
+            <a:off x="631596" y="3204686"/>
+            <a:ext cx="5948313" cy="2246769"/>
+          </a:xfrm>
+          <a:prstGeom prst="rect">
+            <a:avLst/>
+          </a:prstGeom>
+        </p:spPr>
+        <p:txBody>
+          <a:bodyPr wrap="square">
+            <a:spAutoFit/>
+          </a:bodyPr>
+          <a:lstStyle/>
+          <a:p>
+            <a:r>
+              <a:rPr lang="ru-RU" sz="2000" dirty="0"/>
+              <a:t>Пусть </a:t>
+            </a:r>
+            <a:r>
+              <a:rPr lang="en-US" sz="2000" dirty="0" smtClean="0"/>
+              <a:t>u,</a:t>
+            </a:r>
+            <a:r>
+              <a:rPr lang="ru-RU" sz="2000" dirty="0" smtClean="0"/>
+              <a:t> </a:t>
+            </a:r>
+            <a:r>
+              <a:rPr lang="en-US" sz="2000" dirty="0" smtClean="0"/>
+              <a:t>i</a:t>
+            </a:r>
+            <a:r>
+              <a:rPr lang="ru-RU" sz="2000" dirty="0" smtClean="0"/>
+              <a:t>, </a:t>
+            </a:r>
+            <a:r>
+              <a:rPr lang="en-US" sz="2000" dirty="0" smtClean="0"/>
+              <a:t>v</a:t>
+            </a:r>
+            <a:r>
+              <a:rPr lang="ru-RU" sz="2000" dirty="0" smtClean="0"/>
+              <a:t> </a:t>
+            </a:r>
+            <a:r>
+              <a:rPr lang="ru-RU" sz="2000" dirty="0"/>
+              <a:t>– три любые вершины графа G, </a:t>
+            </a:r>
+            <a:br>
+              <a:rPr lang="ru-RU" sz="2000" dirty="0"/>
+            </a:br>
+            <a:r>
+              <a:rPr lang="ru-RU" sz="2000" dirty="0"/>
+              <a:t>и мы хотим получить кратчайший путь из </a:t>
+            </a:r>
+            <a:r>
+              <a:rPr lang="en-US" sz="2000" dirty="0" smtClean="0"/>
+              <a:t>u</a:t>
+            </a:r>
+            <a:r>
+              <a:rPr lang="ru-RU" sz="2000" dirty="0" smtClean="0"/>
+              <a:t> </a:t>
+            </a:r>
+            <a:r>
+              <a:rPr lang="ru-RU" sz="2000" dirty="0"/>
+              <a:t>в </a:t>
+            </a:r>
+            <a:r>
+              <a:rPr lang="en-US" sz="2000" dirty="0" smtClean="0"/>
+              <a:t>v</a:t>
+            </a:r>
+            <a:r>
+              <a:rPr lang="ru-RU" sz="2000" dirty="0" smtClean="0"/>
+              <a:t>, </a:t>
+            </a:r>
+            <a:r>
+              <a:rPr lang="ru-RU" sz="2000" dirty="0"/>
+              <a:t>не содержащий внутренних вершин, кроме </a:t>
+            </a:r>
+            <a:r>
+              <a:rPr lang="en-US" sz="2000" dirty="0" err="1" smtClean="0"/>
+              <a:t>i</a:t>
+            </a:r>
+            <a:r>
+              <a:rPr lang="ru-RU" sz="2000" dirty="0" smtClean="0"/>
+              <a:t>. </a:t>
+            </a:r>
+            <a:endParaRPr lang="ru-RU" sz="2000" dirty="0"/>
+          </a:p>
+          <a:p>
+            <a:endParaRPr lang="ru-RU" sz="2000" dirty="0"/>
+          </a:p>
+          <a:p>
+            <a:r>
+              <a:rPr lang="ru-RU" sz="2000" dirty="0"/>
+              <a:t>Очевидно, что для этого достаточно выбрать меньшую из 2-х величин: </a:t>
+            </a:r>
+            <a:r>
+              <a:rPr lang="ru-RU" sz="2000" dirty="0" smtClean="0"/>
+              <a:t>С</a:t>
+            </a:r>
+            <a:r>
+              <a:rPr lang="en-US" sz="2000" dirty="0" err="1" smtClean="0"/>
+              <a:t>uv</a:t>
+            </a:r>
+            <a:r>
+              <a:rPr lang="ru-RU" sz="2000" dirty="0" smtClean="0"/>
+              <a:t> </a:t>
+            </a:r>
+            <a:r>
+              <a:rPr lang="ru-RU" sz="2000" dirty="0"/>
+              <a:t>и </a:t>
+            </a:r>
+            <a:r>
+              <a:rPr lang="ru-RU" sz="2000" dirty="0" smtClean="0"/>
+              <a:t>С</a:t>
+            </a:r>
+            <a:r>
+              <a:rPr lang="en-US" sz="2000" dirty="0" smtClean="0"/>
+              <a:t>u</a:t>
+            </a:r>
+            <a:r>
+              <a:rPr lang="ru-RU" sz="2000" dirty="0" smtClean="0"/>
+              <a:t>i </a:t>
+            </a:r>
+            <a:r>
+              <a:rPr lang="ru-RU" sz="2000" dirty="0"/>
+              <a:t>+ </a:t>
+            </a:r>
+            <a:r>
+              <a:rPr lang="ru-RU" sz="2000" dirty="0" smtClean="0"/>
+              <a:t>С</a:t>
+            </a:r>
+            <a:r>
+              <a:rPr lang="en-US" sz="2000" dirty="0" smtClean="0"/>
+              <a:t>i</a:t>
+            </a:r>
+            <a:r>
+              <a:rPr lang="en-US" sz="2000" dirty="0"/>
+              <a:t>v</a:t>
+            </a:r>
+            <a:r>
+              <a:rPr lang="ru-RU" sz="2000" dirty="0" smtClean="0"/>
+              <a:t>. </a:t>
+            </a:r>
+            <a:endParaRPr lang="ru-RU" sz="2000" dirty="0"/>
+          </a:p>
+        </p:txBody>
+      </p:sp>
+    </p:spTree>
+    <p:extLst>
+      <p:ext uri="{BB962C8B-B14F-4D97-AF65-F5344CB8AC3E}">
+        <p14:creationId xmlns:p14="http://schemas.microsoft.com/office/powerpoint/2010/main" val="52578700"/>
+      </p:ext>
+    </p:extLst>
+  </p:cSld>
+  <p:clrMapOvr>
+    <a:masterClrMapping/>
+  </p:clrMapOvr>
+</p:sld>
+</file>
+
+<file path=ppt/slides/slide12.xml><?xml version="1.0" encoding="utf-8"?>
+<p:sld xmlns:a="http://schemas.openxmlformats.org/drawingml/2006/main" xmlns:r="http://schemas.openxmlformats.org/officeDocument/2006/relationships" xmlns:p="http://schemas.openxmlformats.org/presentationml/2006/main">
+  <p:cSld>
+    <p:bg>
+      <p:bgPr>
+        <a:solidFill>
+          <a:schemeClr val="bg1"/>
+        </a:solidFill>
+        <a:effectLst/>
+      </p:bgPr>
+    </p:bg>
+    <p:spTree>
+      <p:nvGrpSpPr>
+        <p:cNvPr id="1" name=""/>
+        <p:cNvGrpSpPr/>
+        <p:nvPr/>
+      </p:nvGrpSpPr>
+      <p:grpSpPr>
+        <a:xfrm>
+          <a:off x="0" y="0"/>
+          <a:ext cx="0" cy="0"/>
+          <a:chOff x="0" y="0"/>
+          <a:chExt cx="0" cy="0"/>
+        </a:xfrm>
+      </p:grpSpPr>
+      <p:pic>
+        <p:nvPicPr>
+          <p:cNvPr id="4" name="Picture 3">
+            <a:extLst>
+              <a:ext uri="{FF2B5EF4-FFF2-40B4-BE49-F238E27FC236}">
+                <a16:creationId xmlns:a16="http://schemas.microsoft.com/office/drawing/2014/main" id="{B5B94821-6310-4C89-9398-93FE16518D16}"/>
+              </a:ext>
+            </a:extLst>
+          </p:cNvPr>
+          <p:cNvPicPr>
+            <a:picLocks noChangeAspect="1"/>
+          </p:cNvPicPr>
+          <p:nvPr/>
+        </p:nvPicPr>
+        <p:blipFill rotWithShape="1">
+          <a:blip r:embed="rId2">
+            <a:alphaModFix amt="40000"/>
+          </a:blip>
+          <a:srcRect t="18539" r="-1" b="3586"/>
+          <a:stretch/>
+        </p:blipFill>
+        <p:spPr>
+          <a:xfrm>
+            <a:off x="1525" y="10"/>
+            <a:ext cx="12188951" cy="6857990"/>
+          </a:xfrm>
+          <a:prstGeom prst="rect">
+            <a:avLst/>
+          </a:prstGeom>
+        </p:spPr>
+      </p:pic>
+      <p:sp>
+        <p:nvSpPr>
+          <p:cNvPr id="2" name="Заголовок 1">
+            <a:extLst>
+              <a:ext uri="{FF2B5EF4-FFF2-40B4-BE49-F238E27FC236}">
+                <a16:creationId xmlns:a16="http://schemas.microsoft.com/office/drawing/2014/main" id="{86407910-7A15-4CB3-A3B3-41AE5D9D6074}"/>
+              </a:ext>
+            </a:extLst>
+          </p:cNvPr>
+          <p:cNvSpPr>
+            <a:spLocks noGrp="1"/>
+          </p:cNvSpPr>
+          <p:nvPr>
+            <p:ph type="ctrTitle"/>
+          </p:nvPr>
+        </p:nvSpPr>
+        <p:spPr>
+          <a:xfrm>
+            <a:off x="1297620" y="71763"/>
+            <a:ext cx="10330589" cy="2587125"/>
+          </a:xfrm>
+        </p:spPr>
+        <p:txBody>
+          <a:bodyPr>
+            <a:normAutofit/>
+          </a:bodyPr>
+          <a:lstStyle/>
+          <a:p>
+            <a:pPr algn="l"/>
+            <a:r>
+              <a:rPr lang="ru-RU" sz="2800" dirty="0">
+                <a:solidFill>
+                  <a:schemeClr val="tx1"/>
+                </a:solidFill>
+              </a:rPr>
+              <a:t>Алгоритм Флойда–</a:t>
+            </a:r>
+            <a:r>
+              <a:rPr lang="ru-RU" sz="2800" dirty="0" err="1">
+                <a:solidFill>
+                  <a:schemeClr val="tx1"/>
+                </a:solidFill>
+              </a:rPr>
+              <a:t>Уоршелла</a:t>
+            </a:r>
+            <a:r>
+              <a:rPr lang="ru-RU" sz="2800" dirty="0">
+                <a:solidFill>
+                  <a:schemeClr val="tx1"/>
+                </a:solidFill>
+              </a:rPr>
+              <a:t> - это алгоритм поиска кратчайших путей во взвешенном графе с положительным или отрицательным весом ребер (но без отрицательных циклов). </a:t>
+            </a:r>
+          </a:p>
+        </p:txBody>
+      </p:sp>
+      <p:sp>
+        <p:nvSpPr>
+          <p:cNvPr id="3" name="Подзаголовок 2">
+            <a:extLst>
+              <a:ext uri="{FF2B5EF4-FFF2-40B4-BE49-F238E27FC236}">
+                <a16:creationId xmlns:a16="http://schemas.microsoft.com/office/drawing/2014/main" id="{E0AD4B33-BEA0-4A73-943C-776C434B8800}"/>
+              </a:ext>
+            </a:extLst>
+          </p:cNvPr>
+          <p:cNvSpPr>
+            <a:spLocks noGrp="1"/>
+          </p:cNvSpPr>
+          <p:nvPr>
+            <p:ph type="subTitle" idx="1"/>
+          </p:nvPr>
+        </p:nvSpPr>
+        <p:spPr>
+          <a:xfrm>
+            <a:off x="1373869" y="2889707"/>
+            <a:ext cx="7063739" cy="3484459"/>
+          </a:xfrm>
+        </p:spPr>
+        <p:txBody>
+          <a:bodyPr>
+            <a:normAutofit lnSpcReduction="10000"/>
+          </a:bodyPr>
+          <a:lstStyle/>
+          <a:p>
+            <a:pPr algn="l"/>
+            <a:r>
+              <a:rPr lang="ru-RU" sz="1900" dirty="0">
+                <a:solidFill>
+                  <a:schemeClr val="tx1"/>
+                </a:solidFill>
+              </a:rPr>
+              <a:t>Пусть значение </a:t>
+            </a:r>
+            <a:r>
+              <a:rPr lang="ru-RU" sz="1900" dirty="0" smtClean="0">
+                <a:solidFill>
+                  <a:schemeClr val="tx1"/>
+                </a:solidFill>
+              </a:rPr>
+              <a:t>А</a:t>
+            </a:r>
+            <a:r>
+              <a:rPr lang="en-US" sz="1900" dirty="0"/>
+              <a:t>k</a:t>
+            </a:r>
+            <a:r>
+              <a:rPr lang="en-US" sz="1900" dirty="0" smtClean="0">
+                <a:solidFill>
+                  <a:schemeClr val="tx1"/>
+                </a:solidFill>
+              </a:rPr>
+              <a:t>[</a:t>
+            </a:r>
+            <a:r>
+              <a:rPr lang="en-US" sz="1900" dirty="0" err="1" smtClean="0">
+                <a:solidFill>
+                  <a:schemeClr val="tx1"/>
+                </a:solidFill>
+              </a:rPr>
+              <a:t>i</a:t>
+            </a:r>
+            <a:r>
+              <a:rPr lang="en-US" sz="1900" dirty="0">
+                <a:solidFill>
+                  <a:schemeClr val="tx1"/>
+                </a:solidFill>
+              </a:rPr>
+              <a:t>][j]</a:t>
+            </a:r>
+            <a:r>
+              <a:rPr lang="ru-RU" sz="1900" dirty="0">
+                <a:solidFill>
+                  <a:schemeClr val="tx1"/>
+                </a:solidFill>
+              </a:rPr>
+              <a:t> равно длине кратчайшего пути из вершины </a:t>
+            </a:r>
+            <a:r>
+              <a:rPr lang="en-US" sz="1900" dirty="0">
+                <a:solidFill>
+                  <a:schemeClr val="tx1"/>
+                </a:solidFill>
+              </a:rPr>
+              <a:t>I </a:t>
+            </a:r>
+            <a:r>
+              <a:rPr lang="ru-RU" sz="1900" dirty="0">
+                <a:solidFill>
+                  <a:schemeClr val="tx1"/>
+                </a:solidFill>
+              </a:rPr>
+              <a:t>в вершину </a:t>
+            </a:r>
+            <a:r>
+              <a:rPr lang="en-US" sz="1900" dirty="0">
+                <a:solidFill>
+                  <a:schemeClr val="tx1"/>
+                </a:solidFill>
+              </a:rPr>
+              <a:t>j</a:t>
+            </a:r>
+            <a:r>
+              <a:rPr lang="ru-RU" sz="1900" dirty="0">
+                <a:solidFill>
+                  <a:schemeClr val="tx1"/>
+                </a:solidFill>
+              </a:rPr>
+              <a:t>, при этом путь может заходить в промежуточные вершины только с номерами меньшими  </a:t>
+            </a:r>
+            <a:r>
+              <a:rPr lang="en-US" sz="1900" dirty="0">
+                <a:solidFill>
+                  <a:schemeClr val="tx1"/>
+                </a:solidFill>
+              </a:rPr>
+              <a:t>k</a:t>
+            </a:r>
+            <a:r>
+              <a:rPr lang="ru-RU" sz="1900" dirty="0">
+                <a:solidFill>
+                  <a:schemeClr val="tx1"/>
+                </a:solidFill>
+              </a:rPr>
+              <a:t>(не считая начала и конца пути). То есть </a:t>
+            </a:r>
+            <a:r>
+              <a:rPr lang="en-US" sz="1900" dirty="0">
+                <a:solidFill>
+                  <a:schemeClr val="tx1"/>
+                </a:solidFill>
+              </a:rPr>
+              <a:t>A0[</a:t>
+            </a:r>
+            <a:r>
+              <a:rPr lang="en-US" sz="1900" dirty="0" err="1">
+                <a:solidFill>
+                  <a:schemeClr val="tx1"/>
+                </a:solidFill>
+              </a:rPr>
+              <a:t>i</a:t>
+            </a:r>
+            <a:r>
+              <a:rPr lang="en-US" sz="1900" dirty="0">
+                <a:solidFill>
+                  <a:schemeClr val="tx1"/>
+                </a:solidFill>
+              </a:rPr>
+              <a:t>][j]</a:t>
+            </a:r>
+            <a:r>
+              <a:rPr lang="ru-RU" sz="1900" dirty="0">
+                <a:solidFill>
+                  <a:schemeClr val="tx1"/>
+                </a:solidFill>
+              </a:rPr>
+              <a:t> - это длина кратчайшего пути из </a:t>
+            </a:r>
+            <a:r>
+              <a:rPr lang="en-US" sz="1900" dirty="0" err="1">
+                <a:solidFill>
+                  <a:schemeClr val="tx1"/>
+                </a:solidFill>
+              </a:rPr>
+              <a:t>i</a:t>
+            </a:r>
+            <a:r>
+              <a:rPr lang="ru-RU" sz="1900" dirty="0">
+                <a:solidFill>
+                  <a:schemeClr val="tx1"/>
+                </a:solidFill>
+              </a:rPr>
+              <a:t> в </a:t>
+            </a:r>
+            <a:r>
+              <a:rPr lang="en-US" sz="1900" dirty="0">
+                <a:solidFill>
+                  <a:schemeClr val="tx1"/>
+                </a:solidFill>
+              </a:rPr>
+              <a:t>j</a:t>
+            </a:r>
+            <a:r>
+              <a:rPr lang="ru-RU" sz="1900" dirty="0">
+                <a:solidFill>
+                  <a:schemeClr val="tx1"/>
+                </a:solidFill>
+              </a:rPr>
+              <a:t>, который вообще не содержит промежуточных вершин, то есть состоит только из одного ребра </a:t>
+            </a:r>
+            <a:r>
+              <a:rPr lang="en-US" sz="1900" dirty="0" err="1">
+                <a:solidFill>
+                  <a:schemeClr val="tx1"/>
+                </a:solidFill>
+              </a:rPr>
+              <a:t>i</a:t>
+            </a:r>
+            <a:r>
+              <a:rPr lang="en-US" sz="1900" dirty="0">
+                <a:solidFill>
+                  <a:schemeClr val="tx1"/>
+                </a:solidFill>
+              </a:rPr>
+              <a:t>—j.</a:t>
+            </a:r>
+            <a:endParaRPr lang="ru-RU" sz="1900" dirty="0">
+              <a:solidFill>
+                <a:schemeClr val="tx1"/>
+              </a:solidFill>
+            </a:endParaRPr>
+          </a:p>
+          <a:p>
+            <a:pPr algn="l"/>
+            <a:r>
+              <a:rPr lang="ru-RU" sz="1900" dirty="0">
+                <a:solidFill>
+                  <a:schemeClr val="tx1"/>
+                </a:solidFill>
+              </a:rPr>
+              <a:t>Алгоритм Флойда-</a:t>
+            </a:r>
+            <a:r>
+              <a:rPr lang="ru-RU" sz="1900" dirty="0" err="1">
+                <a:solidFill>
+                  <a:schemeClr val="tx1"/>
+                </a:solidFill>
+              </a:rPr>
+              <a:t>Уоршелла</a:t>
+            </a:r>
+            <a:r>
+              <a:rPr lang="ru-RU" sz="1900" dirty="0">
+                <a:solidFill>
+                  <a:schemeClr val="tx1"/>
+                </a:solidFill>
+              </a:rPr>
+              <a:t> находит расстояния между всеми парами вершин в графе и имеет сложность О(|</a:t>
+            </a:r>
+            <a:r>
+              <a:rPr lang="en-US" sz="1900" dirty="0"/>
+              <a:t>V^3</a:t>
+            </a:r>
+            <a:r>
+              <a:rPr lang="ru-RU" sz="1900" dirty="0">
+                <a:solidFill>
+                  <a:schemeClr val="tx1"/>
+                </a:solidFill>
+              </a:rPr>
+              <a:t> | ). С этой целью, используются математические обозначения, самым известным из которых является (Big O), для оценки асимптотики функций. Под асимптотикой понимается характер изменения функции при ее стремлении к определенной точке. Простые решения можно оценивать по количеству вложенных циклов</a:t>
+            </a:r>
+          </a:p>
+          <a:p>
+            <a:pPr algn="l"/>
+            <a:endParaRPr lang="ru-RU" sz="1900" dirty="0">
+              <a:solidFill>
+                <a:schemeClr val="tx1"/>
+              </a:solidFill>
+            </a:endParaRPr>
+          </a:p>
+        </p:txBody>
+      </p:sp>
+    </p:spTree>
+    <p:extLst>
+      <p:ext uri="{BB962C8B-B14F-4D97-AF65-F5344CB8AC3E}">
+        <p14:creationId xmlns:p14="http://schemas.microsoft.com/office/powerpoint/2010/main" val="1913196164"/>
+      </p:ext>
+    </p:extLst>
+  </p:cSld>
+  <p:clrMapOvr>
+    <a:masterClrMapping/>
+  </p:clrMapOvr>
+</p:sld>
+</file>
+
+<file path=ppt/slides/slide13.xml><?xml version="1.0" encoding="utf-8"?>
+<p:sld xmlns:a="http://schemas.openxmlformats.org/drawingml/2006/main" xmlns:r="http://schemas.openxmlformats.org/officeDocument/2006/relationships" xmlns:p="http://schemas.openxmlformats.org/presentationml/2006/main">
+  <p:cSld>
+    <p:spTree>
+      <p:nvGrpSpPr>
+        <p:cNvPr id="1" name=""/>
+        <p:cNvGrpSpPr/>
+        <p:nvPr/>
+      </p:nvGrpSpPr>
+      <p:grpSpPr>
+        <a:xfrm>
+          <a:off x="0" y="0"/>
+          <a:ext cx="0" cy="0"/>
+          <a:chOff x="0" y="0"/>
+          <a:chExt cx="0" cy="0"/>
+        </a:xfrm>
+      </p:grpSpPr>
+      <p:sp>
+        <p:nvSpPr>
+          <p:cNvPr id="2" name="Заголовок 1">
+            <a:extLst>
+              <a:ext uri="{FF2B5EF4-FFF2-40B4-BE49-F238E27FC236}">
+                <a16:creationId xmlns:a16="http://schemas.microsoft.com/office/drawing/2014/main" id="{BDF00E04-FEFE-4FD0-B673-38774955C141}"/>
+              </a:ext>
+            </a:extLst>
+          </p:cNvPr>
+          <p:cNvSpPr>
+            <a:spLocks noGrp="1"/>
+          </p:cNvSpPr>
+          <p:nvPr>
+            <p:ph type="title"/>
+          </p:nvPr>
+        </p:nvSpPr>
+        <p:spPr>
+          <a:xfrm>
+            <a:off x="1181100" y="4537075"/>
+            <a:ext cx="10515600" cy="1325563"/>
+          </a:xfrm>
+        </p:spPr>
+        <p:txBody>
+          <a:bodyPr/>
+          <a:lstStyle/>
+          <a:p>
+            <a:endParaRPr lang="ru-RU"/>
+          </a:p>
+        </p:txBody>
+      </p:sp>
+      <p:sp>
+        <p:nvSpPr>
+          <p:cNvPr id="3" name="Объект 2">
+            <a:extLst>
+              <a:ext uri="{FF2B5EF4-FFF2-40B4-BE49-F238E27FC236}">
+                <a16:creationId xmlns:a16="http://schemas.microsoft.com/office/drawing/2014/main" id="{10113126-B3E1-4E08-8622-52AC37A33769}"/>
+              </a:ext>
+            </a:extLst>
+          </p:cNvPr>
+          <p:cNvSpPr>
+            <a:spLocks noGrp="1"/>
+          </p:cNvSpPr>
+          <p:nvPr>
+            <p:ph idx="1"/>
+          </p:nvPr>
+        </p:nvSpPr>
+        <p:spPr>
+          <a:xfrm>
+            <a:off x="838200" y="0"/>
+            <a:ext cx="10515600" cy="4351338"/>
+          </a:xfrm>
+        </p:spPr>
+        <p:txBody>
+          <a:bodyPr>
+            <a:normAutofit/>
+          </a:bodyPr>
+          <a:lstStyle/>
+          <a:p>
+            <a:r>
+              <a:rPr lang="en-US" sz="19900" dirty="0"/>
+              <a:t>{</a:t>
+            </a:r>
+            <a:endParaRPr lang="ru-RU" sz="19900" dirty="0"/>
+          </a:p>
+        </p:txBody>
+      </p:sp>
+      <p:sp>
+        <p:nvSpPr>
+          <p:cNvPr id="4" name="TextBox 3">
+            <a:extLst>
+              <a:ext uri="{FF2B5EF4-FFF2-40B4-BE49-F238E27FC236}">
+                <a16:creationId xmlns:a16="http://schemas.microsoft.com/office/drawing/2014/main" id="{5D8F92B2-D8B2-4C4F-8282-7678797B50FC}"/>
+              </a:ext>
+            </a:extLst>
+          </p:cNvPr>
+          <p:cNvSpPr txBox="1"/>
+          <p:nvPr/>
+        </p:nvSpPr>
+        <p:spPr>
+          <a:xfrm>
+            <a:off x="2526030" y="672196"/>
+            <a:ext cx="3281680" cy="646331"/>
+          </a:xfrm>
+          <a:prstGeom prst="rect">
+            <a:avLst/>
+          </a:prstGeom>
+          <a:noFill/>
+        </p:spPr>
+        <p:txBody>
+          <a:bodyPr wrap="square" rtlCol="0">
+            <a:spAutoFit/>
+          </a:bodyPr>
+          <a:lstStyle/>
+          <a:p>
+            <a:pPr marL="0" marR="0" lvl="0" indent="0" algn="l" defTabSz="457200" rtl="0" eaLnBrk="1" fontAlgn="auto" latinLnBrk="0" hangingPunct="1">
+              <a:lnSpc>
+                <a:spcPct val="100000"/>
+              </a:lnSpc>
+              <a:spcBef>
+                <a:spcPts val="0"/>
+              </a:spcBef>
+              <a:spcAft>
+                <a:spcPts val="0"/>
+              </a:spcAft>
+              <a:buClrTx/>
+              <a:buSzTx/>
+              <a:buFontTx/>
+              <a:buNone/>
+              <a:tabLst/>
+              <a:defRPr/>
+            </a:pPr>
+            <a:r>
+              <a:rPr kumimoji="0" lang="en-US" sz="3600" b="0" i="0" u="none" strike="noStrike" kern="1200" cap="none" spc="0" normalizeH="0" baseline="0" noProof="0" dirty="0">
+                <a:ln>
+                  <a:noFill/>
+                </a:ln>
+                <a:solidFill>
+                  <a:prstClr val="black"/>
+                </a:solidFill>
+                <a:effectLst/>
+                <a:uLnTx/>
+                <a:uFillTx/>
+                <a:latin typeface="Calibri" panose="020F0502020204030204"/>
+                <a:ea typeface="+mn-ea"/>
+                <a:cs typeface="+mn-cs"/>
+              </a:rPr>
+              <a:t>A</a:t>
+            </a:r>
+            <a:r>
+              <a:rPr kumimoji="0" lang="en-US" sz="3600" b="0" i="0" u="none" strike="noStrike" kern="1200" cap="none" spc="0" normalizeH="0" baseline="0" noProof="0" dirty="0">
+                <a:ln>
+                  <a:noFill/>
+                </a:ln>
+                <a:solidFill>
+                  <a:prstClr val="black"/>
+                </a:solidFill>
+                <a:effectLst/>
+                <a:uLnTx/>
+                <a:uFillTx/>
+                <a:latin typeface="Calibri" panose="020F0502020204030204" pitchFamily="34" charset="0"/>
+                <a:ea typeface="+mn-ea"/>
+                <a:cs typeface="Calibri" panose="020F0502020204030204" pitchFamily="34" charset="0"/>
+              </a:rPr>
+              <a:t>0</a:t>
+            </a:r>
+            <a:r>
+              <a:rPr kumimoji="0" lang="en-US" sz="3600" b="0" i="0" u="none" strike="noStrike" kern="1200" cap="none" spc="0" normalizeH="0" baseline="0" noProof="0" dirty="0">
+                <a:ln>
+                  <a:noFill/>
+                </a:ln>
+                <a:solidFill>
+                  <a:prstClr val="black"/>
+                </a:solidFill>
+                <a:effectLst/>
+                <a:uLnTx/>
+                <a:uFillTx/>
+                <a:latin typeface="Calibri" panose="020F0502020204030204"/>
+                <a:ea typeface="+mn-ea"/>
+                <a:cs typeface="+mn-cs"/>
+              </a:rPr>
+              <a:t>[</a:t>
+            </a:r>
+            <a:r>
+              <a:rPr kumimoji="0" lang="en-US" sz="3600" b="0" i="0" u="none" strike="noStrike" kern="1200" cap="none" spc="0" normalizeH="0" baseline="0" noProof="0" dirty="0" err="1">
+                <a:ln>
+                  <a:noFill/>
+                </a:ln>
+                <a:solidFill>
+                  <a:prstClr val="black"/>
+                </a:solidFill>
+                <a:effectLst/>
+                <a:uLnTx/>
+                <a:uFillTx/>
+                <a:latin typeface="Calibri" panose="020F0502020204030204"/>
+                <a:ea typeface="+mn-ea"/>
+                <a:cs typeface="+mn-cs"/>
+              </a:rPr>
+              <a:t>i</a:t>
+            </a:r>
+            <a:r>
+              <a:rPr kumimoji="0" lang="en-US" sz="3600" b="0" i="0" u="none" strike="noStrike" kern="1200" cap="none" spc="0" normalizeH="0" baseline="0" noProof="0" dirty="0">
+                <a:ln>
+                  <a:noFill/>
+                </a:ln>
+                <a:solidFill>
+                  <a:prstClr val="black"/>
+                </a:solidFill>
+                <a:effectLst/>
+                <a:uLnTx/>
+                <a:uFillTx/>
+                <a:latin typeface="Calibri" panose="020F0502020204030204"/>
+                <a:ea typeface="+mn-ea"/>
+                <a:cs typeface="+mn-cs"/>
+              </a:rPr>
+              <a:t>][j]=A[</a:t>
+            </a:r>
+            <a:r>
+              <a:rPr kumimoji="0" lang="en-US" sz="3600" b="0" i="0" u="none" strike="noStrike" kern="1200" cap="none" spc="0" normalizeH="0" baseline="0" noProof="0" dirty="0" err="1">
+                <a:ln>
+                  <a:noFill/>
+                </a:ln>
+                <a:solidFill>
+                  <a:prstClr val="black"/>
+                </a:solidFill>
+                <a:effectLst/>
+                <a:uLnTx/>
+                <a:uFillTx/>
+                <a:latin typeface="Calibri" panose="020F0502020204030204"/>
+                <a:ea typeface="+mn-ea"/>
+                <a:cs typeface="+mn-cs"/>
+              </a:rPr>
+              <a:t>i</a:t>
+            </a:r>
+            <a:r>
+              <a:rPr kumimoji="0" lang="en-US" sz="3600" b="0" i="0" u="none" strike="noStrike" kern="1200" cap="none" spc="0" normalizeH="0" baseline="0" noProof="0" dirty="0">
+                <a:ln>
+                  <a:noFill/>
+                </a:ln>
+                <a:solidFill>
+                  <a:prstClr val="black"/>
+                </a:solidFill>
+                <a:effectLst/>
+                <a:uLnTx/>
+                <a:uFillTx/>
+                <a:latin typeface="Calibri" panose="020F0502020204030204"/>
+                <a:ea typeface="+mn-ea"/>
+                <a:cs typeface="+mn-cs"/>
+              </a:rPr>
+              <a:t>][j]</a:t>
+            </a:r>
+            <a:endParaRPr kumimoji="0" lang="ru-RU" sz="3600" b="0" i="0" u="none" strike="noStrike" kern="1200" cap="none" spc="0" normalizeH="0" baseline="0" noProof="0" dirty="0">
+              <a:ln>
+                <a:noFill/>
+              </a:ln>
+              <a:solidFill>
+                <a:prstClr val="black"/>
+              </a:solidFill>
+              <a:effectLst/>
+              <a:uLnTx/>
+              <a:uFillTx/>
+              <a:latin typeface="Calibri" panose="020F0502020204030204"/>
+              <a:ea typeface="+mn-ea"/>
+              <a:cs typeface="+mn-cs"/>
+            </a:endParaRPr>
+          </a:p>
+        </p:txBody>
+      </p:sp>
+      <p:sp>
+        <p:nvSpPr>
+          <p:cNvPr id="5" name="TextBox 4">
+            <a:extLst>
+              <a:ext uri="{FF2B5EF4-FFF2-40B4-BE49-F238E27FC236}">
+                <a16:creationId xmlns:a16="http://schemas.microsoft.com/office/drawing/2014/main" id="{CFB4DBF9-6EC8-450B-A8CD-CAB25987537B}"/>
+              </a:ext>
+            </a:extLst>
+          </p:cNvPr>
+          <p:cNvSpPr txBox="1"/>
+          <p:nvPr/>
+        </p:nvSpPr>
+        <p:spPr>
+          <a:xfrm>
+            <a:off x="2526030" y="1437929"/>
+            <a:ext cx="9062720" cy="646331"/>
+          </a:xfrm>
+          <a:prstGeom prst="rect">
+            <a:avLst/>
+          </a:prstGeom>
+          <a:noFill/>
+        </p:spPr>
+        <p:txBody>
+          <a:bodyPr wrap="square" rtlCol="0">
+            <a:spAutoFit/>
+          </a:bodyPr>
+          <a:lstStyle/>
+          <a:p>
+            <a:pPr marL="0" marR="0" lvl="0" indent="0" algn="l" defTabSz="457200" rtl="0" eaLnBrk="1" fontAlgn="auto" latinLnBrk="0" hangingPunct="1">
+              <a:lnSpc>
+                <a:spcPct val="100000"/>
+              </a:lnSpc>
+              <a:spcBef>
+                <a:spcPts val="0"/>
+              </a:spcBef>
+              <a:spcAft>
+                <a:spcPts val="0"/>
+              </a:spcAft>
+              <a:buClrTx/>
+              <a:buSzTx/>
+              <a:buFontTx/>
+              <a:buNone/>
+              <a:tabLst/>
+              <a:defRPr/>
+            </a:pPr>
+            <a:r>
+              <a:rPr kumimoji="0" lang="en-US" sz="3600" b="0" i="0" u="none" strike="noStrike" kern="1200" cap="none" spc="0" normalizeH="0" baseline="0" noProof="0" dirty="0">
+                <a:ln>
+                  <a:noFill/>
+                </a:ln>
+                <a:solidFill>
+                  <a:prstClr val="black"/>
+                </a:solidFill>
+                <a:effectLst/>
+                <a:uLnTx/>
+                <a:uFillTx/>
+                <a:latin typeface="Calibri" panose="020F0502020204030204"/>
+                <a:ea typeface="+mn-ea"/>
+                <a:cs typeface="+mn-cs"/>
+              </a:rPr>
+              <a:t>Ak[</a:t>
+            </a:r>
+            <a:r>
+              <a:rPr kumimoji="0" lang="en-US" sz="3600" b="0" i="0" u="none" strike="noStrike" kern="1200" cap="none" spc="0" normalizeH="0" baseline="0" noProof="0" dirty="0" err="1">
+                <a:ln>
+                  <a:noFill/>
+                </a:ln>
+                <a:solidFill>
+                  <a:prstClr val="black"/>
+                </a:solidFill>
+                <a:effectLst/>
+                <a:uLnTx/>
+                <a:uFillTx/>
+                <a:latin typeface="Calibri" panose="020F0502020204030204"/>
+                <a:ea typeface="+mn-ea"/>
+                <a:cs typeface="+mn-cs"/>
+              </a:rPr>
+              <a:t>i</a:t>
+            </a:r>
+            <a:r>
+              <a:rPr kumimoji="0" lang="en-US" sz="3600" b="0" i="0" u="none" strike="noStrike" kern="1200" cap="none" spc="0" normalizeH="0" baseline="0" noProof="0" dirty="0">
+                <a:ln>
+                  <a:noFill/>
+                </a:ln>
+                <a:solidFill>
+                  <a:prstClr val="black"/>
+                </a:solidFill>
+                <a:effectLst/>
+                <a:uLnTx/>
+                <a:uFillTx/>
+                <a:latin typeface="Calibri" panose="020F0502020204030204"/>
+                <a:ea typeface="+mn-ea"/>
+                <a:cs typeface="+mn-cs"/>
+              </a:rPr>
+              <a:t>][j]=min(A(k-1)[</a:t>
+            </a:r>
+            <a:r>
+              <a:rPr kumimoji="0" lang="en-US" sz="3600" b="0" i="0" u="none" strike="noStrike" kern="1200" cap="none" spc="0" normalizeH="0" baseline="0" noProof="0" dirty="0" err="1">
+                <a:ln>
+                  <a:noFill/>
+                </a:ln>
+                <a:solidFill>
+                  <a:prstClr val="black"/>
+                </a:solidFill>
+                <a:effectLst/>
+                <a:uLnTx/>
+                <a:uFillTx/>
+                <a:latin typeface="Calibri" panose="020F0502020204030204"/>
+                <a:ea typeface="+mn-ea"/>
+                <a:cs typeface="+mn-cs"/>
+              </a:rPr>
+              <a:t>i</a:t>
+            </a:r>
+            <a:r>
+              <a:rPr kumimoji="0" lang="en-US" sz="3600" b="0" i="0" u="none" strike="noStrike" kern="1200" cap="none" spc="0" normalizeH="0" baseline="0" noProof="0" dirty="0">
+                <a:ln>
+                  <a:noFill/>
+                </a:ln>
+                <a:solidFill>
+                  <a:prstClr val="black"/>
+                </a:solidFill>
+                <a:effectLst/>
+                <a:uLnTx/>
+                <a:uFillTx/>
+                <a:latin typeface="Calibri" panose="020F0502020204030204"/>
+                <a:ea typeface="+mn-ea"/>
+                <a:cs typeface="+mn-cs"/>
+              </a:rPr>
+              <a:t>][j], A(k-1)[</a:t>
+            </a:r>
+            <a:r>
+              <a:rPr kumimoji="0" lang="en-US" sz="3600" b="0" i="0" u="none" strike="noStrike" kern="1200" cap="none" spc="0" normalizeH="0" baseline="0" noProof="0" dirty="0" err="1">
+                <a:ln>
+                  <a:noFill/>
+                </a:ln>
+                <a:solidFill>
+                  <a:prstClr val="black"/>
+                </a:solidFill>
+                <a:effectLst/>
+                <a:uLnTx/>
+                <a:uFillTx/>
+                <a:latin typeface="Calibri" panose="020F0502020204030204"/>
+                <a:ea typeface="+mn-ea"/>
+                <a:cs typeface="+mn-cs"/>
+              </a:rPr>
+              <a:t>i</a:t>
+            </a:r>
+            <a:r>
+              <a:rPr kumimoji="0" lang="en-US" sz="3600" b="0" i="0" u="none" strike="noStrike" kern="1200" cap="none" spc="0" normalizeH="0" baseline="0" noProof="0" dirty="0">
+                <a:ln>
+                  <a:noFill/>
+                </a:ln>
+                <a:solidFill>
+                  <a:prstClr val="black"/>
+                </a:solidFill>
+                <a:effectLst/>
+                <a:uLnTx/>
+                <a:uFillTx/>
+                <a:latin typeface="Calibri" panose="020F0502020204030204"/>
+                <a:ea typeface="+mn-ea"/>
+                <a:cs typeface="+mn-cs"/>
+              </a:rPr>
+              <a:t>][k]+A(k-1)[k][j])</a:t>
+            </a:r>
+            <a:endParaRPr kumimoji="0" lang="ru-RU" sz="3600" b="0" i="0" u="none" strike="noStrike" kern="1200" cap="none" spc="0" normalizeH="0" baseline="0" noProof="0" dirty="0">
+              <a:ln>
+                <a:noFill/>
+              </a:ln>
+              <a:solidFill>
+                <a:prstClr val="black"/>
+              </a:solidFill>
+              <a:effectLst/>
+              <a:uLnTx/>
+              <a:uFillTx/>
+              <a:latin typeface="Calibri" panose="020F0502020204030204"/>
+              <a:ea typeface="+mn-ea"/>
+              <a:cs typeface="+mn-cs"/>
+            </a:endParaRPr>
+          </a:p>
+        </p:txBody>
+      </p:sp>
+      <p:pic>
+        <p:nvPicPr>
+          <p:cNvPr id="7" name="Рисунок 6">
+            <a:extLst>
+              <a:ext uri="{FF2B5EF4-FFF2-40B4-BE49-F238E27FC236}">
+                <a16:creationId xmlns:a16="http://schemas.microsoft.com/office/drawing/2014/main" id="{060B7283-978F-4D86-8142-53130EFDC5AF}"/>
+              </a:ext>
+            </a:extLst>
+          </p:cNvPr>
+          <p:cNvPicPr>
+            <a:picLocks noChangeAspect="1"/>
+          </p:cNvPicPr>
+          <p:nvPr/>
+        </p:nvPicPr>
+        <p:blipFill>
+          <a:blip r:embed="rId2"/>
+          <a:stretch>
+            <a:fillRect/>
+          </a:stretch>
+        </p:blipFill>
+        <p:spPr>
+          <a:xfrm>
+            <a:off x="72325" y="2756456"/>
+            <a:ext cx="12119675" cy="2893823"/>
+          </a:xfrm>
+          <a:prstGeom prst="rect">
+            <a:avLst/>
+          </a:prstGeom>
+        </p:spPr>
+      </p:pic>
+    </p:spTree>
+    <p:extLst>
+      <p:ext uri="{BB962C8B-B14F-4D97-AF65-F5344CB8AC3E}">
+        <p14:creationId xmlns:p14="http://schemas.microsoft.com/office/powerpoint/2010/main" val="3180641380"/>
+      </p:ext>
+    </p:extLst>
+  </p:cSld>
+  <p:clrMapOvr>
+    <a:masterClrMapping/>
+  </p:clrMapOvr>
+</p:sld>
+</file>
+
+<file path=ppt/slides/slide14.xml><?xml version="1.0" encoding="utf-8"?>
 <p:sld xmlns:a="http://schemas.openxmlformats.org/drawingml/2006/main" xmlns:r="http://schemas.openxmlformats.org/officeDocument/2006/relationships" xmlns:p="http://schemas.openxmlformats.org/presentationml/2006/main">
   <p:cSld>
     <p:spTree>
@@ -5592,7 +9885,7 @@
 </p:sld>
 </file>
 
-<file path=ppt/slides/slide12.xml><?xml version="1.0" encoding="utf-8"?>
+<file path=ppt/slides/slide15.xml><?xml version="1.0" encoding="utf-8"?>
 <p:sld xmlns:a="http://schemas.openxmlformats.org/drawingml/2006/main" xmlns:r="http://schemas.openxmlformats.org/officeDocument/2006/relationships" xmlns:p="http://schemas.openxmlformats.org/presentationml/2006/main">
   <p:cSld>
     <p:spTree>
@@ -5646,7 +9939,61 @@
 </p:sld>
 </file>
 
-<file path=ppt/slides/slide13.xml><?xml version="1.0" encoding="utf-8"?>
+<file path=ppt/slides/slide16.xml><?xml version="1.0" encoding="utf-8"?>
+<p:sld xmlns:a="http://schemas.openxmlformats.org/drawingml/2006/main" xmlns:r="http://schemas.openxmlformats.org/officeDocument/2006/relationships" xmlns:p="http://schemas.openxmlformats.org/presentationml/2006/main">
+  <p:cSld>
+    <p:spTree>
+      <p:nvGrpSpPr>
+        <p:cNvPr id="1" name=""/>
+        <p:cNvGrpSpPr/>
+        <p:nvPr/>
+      </p:nvGrpSpPr>
+      <p:grpSpPr>
+        <a:xfrm>
+          <a:off x="0" y="0"/>
+          <a:ext cx="0" cy="0"/>
+          <a:chOff x="0" y="0"/>
+          <a:chExt cx="0" cy="0"/>
+        </a:xfrm>
+      </p:grpSpPr>
+      <p:pic>
+        <p:nvPicPr>
+          <p:cNvPr id="2" name="Рисунок 1"/>
+          <p:cNvPicPr>
+            <a:picLocks noChangeAspect="1"/>
+          </p:cNvPicPr>
+          <p:nvPr/>
+        </p:nvPicPr>
+        <p:blipFill>
+          <a:blip r:embed="rId2"/>
+          <a:stretch>
+            <a:fillRect/>
+          </a:stretch>
+        </p:blipFill>
+        <p:spPr>
+          <a:xfrm>
+            <a:off x="1024048" y="859536"/>
+            <a:ext cx="10435276" cy="5148072"/>
+          </a:xfrm>
+          <a:prstGeom prst="rect">
+            <a:avLst/>
+          </a:prstGeom>
+        </p:spPr>
+      </p:pic>
+    </p:spTree>
+    <p:extLst>
+      <p:ext uri="{BB962C8B-B14F-4D97-AF65-F5344CB8AC3E}">
+        <p14:creationId xmlns:p14="http://schemas.microsoft.com/office/powerpoint/2010/main" val="3457685187"/>
+      </p:ext>
+    </p:extLst>
+  </p:cSld>
+  <p:clrMapOvr>
+    <a:masterClrMapping/>
+  </p:clrMapOvr>
+</p:sld>
+</file>
+
+<file path=ppt/slides/slide17.xml><?xml version="1.0" encoding="utf-8"?>
 <p:sld xmlns:a="http://schemas.openxmlformats.org/drawingml/2006/main" xmlns:r="http://schemas.openxmlformats.org/officeDocument/2006/relationships" xmlns:p="http://schemas.openxmlformats.org/presentationml/2006/main">
   <p:cSld>
     <p:spTree>
@@ -5912,11 +10259,6 @@
               </a:rPr>
               <a:t>Актуальность</a:t>
             </a:r>
-            <a:endParaRPr lang="ru-RU" sz="4400" dirty="0">
-              <a:solidFill>
-                <a:prstClr val="white"/>
-              </a:solidFill>
-            </a:endParaRPr>
           </a:p>
         </p:txBody>
       </p:sp>
@@ -6033,11 +10375,6 @@
               </a:rPr>
               <a:t>Актуальность</a:t>
             </a:r>
-            <a:endParaRPr lang="ru-RU" sz="4400" dirty="0">
-              <a:solidFill>
-                <a:prstClr val="white"/>
-              </a:solidFill>
-            </a:endParaRPr>
           </a:p>
         </p:txBody>
       </p:sp>
@@ -6200,11 +10537,6 @@
               </a:rPr>
               <a:t>Актуальность</a:t>
             </a:r>
-            <a:endParaRPr lang="ru-RU" sz="4400" dirty="0">
-              <a:solidFill>
-                <a:prstClr val="white"/>
-              </a:solidFill>
-            </a:endParaRPr>
           </a:p>
         </p:txBody>
       </p:sp>
@@ -6549,136 +10881,207 @@
       </p:grpSpPr>
       <p:sp>
         <p:nvSpPr>
-          <p:cNvPr id="2" name="Заголовок 1"/>
-          <p:cNvSpPr>
-            <a:spLocks noGrp="1"/>
-          </p:cNvSpPr>
-          <p:nvPr>
-            <p:ph type="title"/>
+          <p:cNvPr id="3" name="Подзаголовок 2">
+            <a:extLst>
+              <a:ext uri="{FF2B5EF4-FFF2-40B4-BE49-F238E27FC236}">
+                <a16:creationId xmlns:a16="http://schemas.microsoft.com/office/drawing/2014/main" id="{4D048057-8628-1E4C-ACE1-55B08BF53FE6}"/>
+              </a:ext>
+            </a:extLst>
+          </p:cNvPr>
+          <p:cNvSpPr>
+            <a:spLocks noGrp="1"/>
+          </p:cNvSpPr>
+          <p:nvPr>
+            <p:ph type="subTitle" idx="4294967295"/>
           </p:nvPr>
         </p:nvSpPr>
         <p:spPr>
           <a:xfrm>
-            <a:off x="1918652" y="107356"/>
-            <a:ext cx="8534400" cy="1507067"/>
+            <a:off x="201168" y="743522"/>
+            <a:ext cx="11512296" cy="4075366"/>
           </a:xfrm>
         </p:spPr>
         <p:txBody>
-          <a:bodyPr/>
-          <a:lstStyle/>
-          <a:p>
-            <a:pPr algn="ctr"/>
-            <a:r>
-              <a:rPr lang="ru-RU" cap="none" dirty="0"/>
-              <a:t>Алгоритм Форда-Беллмана</a:t>
-            </a:r>
-          </a:p>
-        </p:txBody>
-      </p:sp>
-      <p:sp>
-        <p:nvSpPr>
-          <p:cNvPr id="3" name="Прямоугольник 2"/>
-          <p:cNvSpPr/>
-          <p:nvPr/>
-        </p:nvSpPr>
-        <p:spPr>
-          <a:xfrm>
-            <a:off x="879833" y="1360509"/>
-            <a:ext cx="10460611" cy="1569660"/>
-          </a:xfrm>
-          <a:prstGeom prst="rect">
-            <a:avLst/>
-          </a:prstGeom>
-        </p:spPr>
-        <p:txBody>
-          <a:bodyPr wrap="square">
-            <a:spAutoFit/>
+          <a:bodyPr>
+            <a:noAutofit/>
           </a:bodyPr>
           <a:lstStyle/>
           <a:p>
-            <a:r>
-              <a:rPr lang="ru-RU" sz="2400" dirty="0"/>
-              <a:t>В отличии от алгоритма </a:t>
-            </a:r>
-            <a:r>
-              <a:rPr lang="ru-RU" sz="2400" dirty="0" err="1" smtClean="0"/>
-              <a:t>Дейкстры</a:t>
-            </a:r>
-            <a:r>
-              <a:rPr lang="ru-RU" sz="2400" dirty="0" smtClean="0"/>
-              <a:t>: никакая </a:t>
-            </a:r>
-            <a:r>
-              <a:rPr lang="ru-RU" sz="2400" dirty="0"/>
-              <a:t>из пометок, во время работы алгоритма не рассматривается </a:t>
-            </a:r>
-            <a:r>
-              <a:rPr lang="ru-RU" sz="2400" dirty="0" smtClean="0"/>
-              <a:t>как окончательная/постоянная</a:t>
-            </a:r>
-            <a:r>
-              <a:rPr lang="ru-RU" sz="2400" dirty="0"/>
-              <a:t>; </a:t>
-            </a:r>
-            <a:r>
-              <a:rPr lang="ru-RU" sz="2400" dirty="0" smtClean="0"/>
-              <a:t>этот </a:t>
-            </a:r>
-            <a:r>
-              <a:rPr lang="ru-RU" sz="2400" dirty="0"/>
-              <a:t>алгоритм применим также и </a:t>
-            </a:r>
-            <a:r>
-              <a:rPr lang="ru-RU" sz="2400" dirty="0" smtClean="0"/>
-              <a:t>к графам</a:t>
-            </a:r>
-            <a:r>
-              <a:rPr lang="ru-RU" sz="2400" dirty="0"/>
-              <a:t>, содержащим рёбра отрицательного веса. </a:t>
-            </a:r>
-          </a:p>
-        </p:txBody>
-      </p:sp>
-      <p:sp>
-        <p:nvSpPr>
-          <p:cNvPr id="4" name="Прямоугольник 3"/>
-          <p:cNvSpPr/>
-          <p:nvPr/>
-        </p:nvSpPr>
-        <p:spPr>
-          <a:xfrm>
-            <a:off x="879834" y="3143543"/>
-            <a:ext cx="10064686" cy="830997"/>
-          </a:xfrm>
-          <a:prstGeom prst="rect">
-            <a:avLst/>
-          </a:prstGeom>
-        </p:spPr>
-        <p:txBody>
-          <a:bodyPr wrap="square">
-            <a:spAutoFit/>
-          </a:bodyPr>
-          <a:lstStyle/>
-          <a:p>
-            <a:r>
-              <a:rPr lang="ru-RU" sz="2400" dirty="0"/>
-              <a:t>Алгоритм дает решение для графа, в котором </a:t>
-            </a:r>
-            <a:r>
-              <a:rPr lang="ru-RU" sz="2400" dirty="0" smtClean="0"/>
-              <a:t>нет </a:t>
-            </a:r>
-            <a:r>
-              <a:rPr lang="ru-RU" sz="2400" dirty="0"/>
-              <a:t>отрицательных циклов</a:t>
-            </a:r>
+            <a:pPr marL="0" indent="0">
+              <a:buNone/>
+            </a:pPr>
+            <a:r>
+              <a:rPr lang="ru-RU" dirty="0">
+                <a:solidFill>
+                  <a:schemeClr val="tx1"/>
+                </a:solidFill>
+              </a:rPr>
+              <a:t>В простейшем случае, когда для поиска вершины с минимальным </a:t>
+            </a:r>
+            <a:r>
+              <a:rPr lang="en" dirty="0">
+                <a:solidFill>
+                  <a:schemeClr val="tx1"/>
+                </a:solidFill>
+              </a:rPr>
+              <a:t>d[v] </a:t>
+            </a:r>
+            <a:r>
+              <a:rPr lang="ru-RU" dirty="0">
+                <a:solidFill>
+                  <a:schemeClr val="tx1"/>
+                </a:solidFill>
+              </a:rPr>
+              <a:t>просматривается всё множество вершин, а для хранения величин </a:t>
+            </a:r>
+            <a:r>
+              <a:rPr lang="en" dirty="0">
+                <a:solidFill>
+                  <a:schemeClr val="tx1"/>
+                </a:solidFill>
+              </a:rPr>
+              <a:t>d </a:t>
+            </a:r>
+            <a:r>
+              <a:rPr lang="ru-RU" dirty="0">
+                <a:solidFill>
+                  <a:schemeClr val="tx1"/>
+                </a:solidFill>
+              </a:rPr>
+              <a:t>используется массив, время работы алгоритма есть  </a:t>
+            </a:r>
+            <a:r>
+              <a:rPr lang="en" dirty="0">
+                <a:solidFill>
+                  <a:schemeClr val="tx1"/>
+                </a:solidFill>
+              </a:rPr>
+              <a:t>O ( n 2 ) O(n^{2}). </a:t>
+            </a:r>
+            <a:r>
+              <a:rPr lang="ru-RU" dirty="0">
+                <a:solidFill>
+                  <a:schemeClr val="tx1"/>
+                </a:solidFill>
+              </a:rPr>
+              <a:t>Основной цикл выполняется порядка </a:t>
+            </a:r>
+            <a:r>
+              <a:rPr lang="en" dirty="0">
+                <a:solidFill>
+                  <a:schemeClr val="tx1"/>
+                </a:solidFill>
+              </a:rPr>
+              <a:t>n </a:t>
+            </a:r>
+            <a:r>
+              <a:rPr lang="ru-RU" dirty="0">
+                <a:solidFill>
+                  <a:schemeClr val="tx1"/>
+                </a:solidFill>
+              </a:rPr>
+              <a:t>раз, в каждом из них на нахождение минимума тратится порядка </a:t>
+            </a:r>
+            <a:r>
+              <a:rPr lang="en" dirty="0">
+                <a:solidFill>
+                  <a:schemeClr val="tx1"/>
+                </a:solidFill>
+              </a:rPr>
+              <a:t>n </a:t>
+            </a:r>
+            <a:r>
+              <a:rPr lang="ru-RU" dirty="0">
+                <a:solidFill>
+                  <a:schemeClr val="tx1"/>
+                </a:solidFill>
+              </a:rPr>
+              <a:t>операций. На циклы по соседям каждой посещаемой вершины тратится количество операций, пропорциональное количеству рёбер </a:t>
+            </a:r>
+            <a:r>
+              <a:rPr lang="en" dirty="0">
+                <a:solidFill>
+                  <a:schemeClr val="tx1"/>
+                </a:solidFill>
+              </a:rPr>
+              <a:t>m (</a:t>
+            </a:r>
+            <a:r>
+              <a:rPr lang="ru-RU" dirty="0">
+                <a:solidFill>
+                  <a:schemeClr val="tx1"/>
+                </a:solidFill>
+              </a:rPr>
+              <a:t>поскольку каждое ребро встречается в этих циклах ровно дважды и требует константное число операций). Таким образом, общее время работы алгоритма  </a:t>
+            </a:r>
+            <a:r>
+              <a:rPr lang="en" dirty="0">
+                <a:solidFill>
+                  <a:schemeClr val="tx1"/>
+                </a:solidFill>
+              </a:rPr>
+              <a:t>O ( n 2 + m ) O(n^{2}+m), </a:t>
+            </a:r>
+            <a:r>
+              <a:rPr lang="ru-RU" dirty="0">
+                <a:solidFill>
+                  <a:schemeClr val="tx1"/>
+                </a:solidFill>
+              </a:rPr>
+              <a:t>но, так как  </a:t>
+            </a:r>
+            <a:r>
+              <a:rPr lang="en" dirty="0">
+                <a:solidFill>
+                  <a:schemeClr val="tx1"/>
+                </a:solidFill>
+              </a:rPr>
+              <a:t>m ≤ n ( n − 1 ) m\</a:t>
+            </a:r>
+            <a:r>
+              <a:rPr lang="en" dirty="0" err="1">
+                <a:solidFill>
+                  <a:schemeClr val="tx1"/>
+                </a:solidFill>
+              </a:rPr>
+              <a:t>leq</a:t>
+            </a:r>
+            <a:r>
+              <a:rPr lang="en" dirty="0">
+                <a:solidFill>
+                  <a:schemeClr val="tx1"/>
+                </a:solidFill>
+              </a:rPr>
+              <a:t> n(n-1), </a:t>
+            </a:r>
+            <a:r>
+              <a:rPr lang="ru-RU" dirty="0">
+                <a:solidFill>
+                  <a:schemeClr val="tx1"/>
+                </a:solidFill>
+              </a:rPr>
+              <a:t>оно составляет  </a:t>
+            </a:r>
+            <a:r>
+              <a:rPr lang="en" dirty="0">
+                <a:solidFill>
+                  <a:schemeClr val="tx1"/>
+                </a:solidFill>
+              </a:rPr>
+              <a:t>O ( n 2 ) O(n^{2})</a:t>
+            </a:r>
+            <a:endParaRPr lang="ru-RU" dirty="0">
+              <a:solidFill>
+                <a:schemeClr val="tx1"/>
+              </a:solidFill>
+            </a:endParaRPr>
           </a:p>
         </p:txBody>
       </p:sp>
     </p:spTree>
     <p:extLst>
       <p:ext uri="{BB962C8B-B14F-4D97-AF65-F5344CB8AC3E}">
-        <p14:creationId xmlns:p14="http://schemas.microsoft.com/office/powerpoint/2010/main" val="921591213"/>
+        <p14:creationId xmlns:p14="http://schemas.microsoft.com/office/powerpoint/2010/main" val="1511198189"/>
       </p:ext>
     </p:extLst>
   </p:cSld>
@@ -6707,254 +11110,425 @@
       </p:grpSpPr>
       <p:sp>
         <p:nvSpPr>
-          <p:cNvPr id="2" name="Заголовок 1"/>
-          <p:cNvSpPr>
-            <a:spLocks noGrp="1"/>
-          </p:cNvSpPr>
-          <p:nvPr>
-            <p:ph type="title"/>
+          <p:cNvPr id="2" name="Заголовок 1">
+            <a:extLst>
+              <a:ext uri="{FF2B5EF4-FFF2-40B4-BE49-F238E27FC236}">
+                <a16:creationId xmlns:a16="http://schemas.microsoft.com/office/drawing/2014/main" id="{5F9BBAAE-C79A-9248-881D-40B7E101355A}"/>
+              </a:ext>
+            </a:extLst>
+          </p:cNvPr>
+          <p:cNvSpPr>
+            <a:spLocks noGrp="1"/>
+          </p:cNvSpPr>
+          <p:nvPr>
+            <p:ph type="ctrTitle" idx="4294967295"/>
           </p:nvPr>
         </p:nvSpPr>
         <p:spPr>
           <a:xfrm>
-            <a:off x="1891220" y="189652"/>
-            <a:ext cx="8534400" cy="1507067"/>
+            <a:off x="2066544" y="-667512"/>
+            <a:ext cx="9144000" cy="2387600"/>
           </a:xfrm>
         </p:spPr>
         <p:txBody>
           <a:bodyPr/>
           <a:lstStyle/>
           <a:p>
-            <a:pPr algn="ctr"/>
-            <a:r>
-              <a:rPr lang="ru-RU" cap="none" dirty="0"/>
-              <a:t>Алгоритм </a:t>
-            </a:r>
-            <a:r>
-              <a:rPr lang="ru-RU" cap="none" dirty="0" err="1"/>
-              <a:t>Флойда-Уоршелла</a:t>
-            </a:r>
-            <a:r>
-              <a:rPr lang="ru-RU" cap="none" dirty="0"/>
-              <a:t/>
-            </a:r>
-            <a:br>
-              <a:rPr lang="ru-RU" cap="none" dirty="0"/>
-            </a:br>
-            <a:endParaRPr lang="ru-RU" cap="none" dirty="0"/>
-          </a:p>
-        </p:txBody>
-      </p:sp>
-      <p:sp>
-        <p:nvSpPr>
-          <p:cNvPr id="3" name="Прямоугольник 2"/>
-          <p:cNvSpPr/>
-          <p:nvPr/>
+            <a:r>
+              <a:rPr lang="ru-RU" dirty="0"/>
+              <a:t>Сложность Алгоритма </a:t>
+            </a:r>
+            <a:r>
+              <a:rPr lang="ru-RU" dirty="0" err="1"/>
+              <a:t>Дейкстры</a:t>
+            </a:r>
+            <a:endParaRPr lang="ru-RU" dirty="0"/>
+          </a:p>
+        </p:txBody>
+      </p:sp>
+      <p:sp>
+        <p:nvSpPr>
+          <p:cNvPr id="3" name="Подзаголовок 2">
+            <a:extLst>
+              <a:ext uri="{FF2B5EF4-FFF2-40B4-BE49-F238E27FC236}">
+                <a16:creationId xmlns:a16="http://schemas.microsoft.com/office/drawing/2014/main" id="{9DA086E9-C946-614E-8EC5-C4EB0A7ED66A}"/>
+              </a:ext>
+            </a:extLst>
+          </p:cNvPr>
+          <p:cNvSpPr>
+            <a:spLocks noGrp="1"/>
+          </p:cNvSpPr>
+          <p:nvPr>
+            <p:ph type="subTitle" idx="4294967295"/>
+          </p:nvPr>
         </p:nvSpPr>
         <p:spPr>
           <a:xfrm>
-            <a:off x="964676" y="1358254"/>
-            <a:ext cx="9866722" cy="1200329"/>
+            <a:off x="384048" y="1016762"/>
+            <a:ext cx="10003536" cy="5259388"/>
           </a:xfrm>
-          <a:prstGeom prst="rect">
-            <a:avLst/>
-          </a:prstGeom>
         </p:spPr>
         <p:txBody>
-          <a:bodyPr wrap="square">
-            <a:spAutoFit/>
+          <a:bodyPr>
+            <a:noAutofit/>
           </a:bodyPr>
           <a:lstStyle/>
           <a:p>
-            <a:r>
-              <a:rPr lang="ru-RU" sz="2400" dirty="0"/>
-              <a:t>Алгоритм строит кратчайшие пути между всеми парами вершин во взвешенном ориентированном графе с произвольной матрицей весов.</a:t>
-            </a:r>
-          </a:p>
-        </p:txBody>
-      </p:sp>
-      <p:pic>
-        <p:nvPicPr>
-          <p:cNvPr id="4" name="Рисунок 3"/>
-          <p:cNvPicPr>
-            <a:picLocks noChangeAspect="1"/>
-          </p:cNvPicPr>
-          <p:nvPr/>
-        </p:nvPicPr>
-        <p:blipFill>
-          <a:blip r:embed="rId2"/>
-          <a:stretch>
-            <a:fillRect/>
-          </a:stretch>
-        </p:blipFill>
-        <p:spPr>
-          <a:xfrm>
-            <a:off x="6579909" y="3407212"/>
-            <a:ext cx="4473804" cy="1841716"/>
-          </a:xfrm>
-          <a:prstGeom prst="rect">
-            <a:avLst/>
-          </a:prstGeom>
-        </p:spPr>
-      </p:pic>
-      <p:sp>
-        <p:nvSpPr>
-          <p:cNvPr id="5" name="Прямоугольник 4"/>
-          <p:cNvSpPr/>
-          <p:nvPr/>
-        </p:nvSpPr>
-        <p:spPr>
-          <a:xfrm>
-            <a:off x="631596" y="3204686"/>
-            <a:ext cx="5948313" cy="2246769"/>
-          </a:xfrm>
-          <a:prstGeom prst="rect">
-            <a:avLst/>
-          </a:prstGeom>
-        </p:spPr>
-        <p:txBody>
-          <a:bodyPr wrap="square">
-            <a:spAutoFit/>
-          </a:bodyPr>
-          <a:lstStyle/>
-          <a:p>
-            <a:r>
-              <a:rPr lang="ru-RU" sz="2000" dirty="0"/>
-              <a:t>Пусть </a:t>
-            </a:r>
-            <a:r>
-              <a:rPr lang="en-US" sz="2000" dirty="0" smtClean="0"/>
-              <a:t>u,</a:t>
-            </a:r>
-            <a:r>
-              <a:rPr lang="ru-RU" sz="2000" dirty="0" smtClean="0"/>
-              <a:t> </a:t>
-            </a:r>
-            <a:r>
-              <a:rPr lang="en-US" sz="2000" dirty="0" smtClean="0"/>
-              <a:t>i</a:t>
-            </a:r>
-            <a:r>
-              <a:rPr lang="ru-RU" sz="2000" dirty="0" smtClean="0"/>
-              <a:t>, </a:t>
-            </a:r>
-            <a:r>
-              <a:rPr lang="en-US" sz="2000" dirty="0" smtClean="0"/>
-              <a:t>v</a:t>
-            </a:r>
-            <a:r>
-              <a:rPr lang="ru-RU" sz="2000" dirty="0" smtClean="0"/>
-              <a:t> </a:t>
-            </a:r>
-            <a:r>
-              <a:rPr lang="ru-RU" sz="2000" dirty="0"/>
-              <a:t>– три любые вершины графа G, </a:t>
-            </a:r>
-            <a:br>
-              <a:rPr lang="ru-RU" sz="2000" dirty="0"/>
-            </a:br>
-            <a:r>
-              <a:rPr lang="ru-RU" sz="2000" dirty="0"/>
-              <a:t>и мы хотим получить кратчайший путь из </a:t>
-            </a:r>
-            <a:r>
-              <a:rPr lang="en-US" sz="2000" dirty="0" smtClean="0"/>
-              <a:t>u</a:t>
-            </a:r>
-            <a:r>
-              <a:rPr lang="ru-RU" sz="2000" dirty="0" smtClean="0"/>
-              <a:t> </a:t>
-            </a:r>
-            <a:r>
-              <a:rPr lang="ru-RU" sz="2000" dirty="0"/>
-              <a:t>в </a:t>
-            </a:r>
-            <a:r>
-              <a:rPr lang="en-US" sz="2000" dirty="0" smtClean="0"/>
-              <a:t>v</a:t>
-            </a:r>
-            <a:r>
-              <a:rPr lang="ru-RU" sz="2000" dirty="0" smtClean="0"/>
-              <a:t>, </a:t>
-            </a:r>
-            <a:r>
-              <a:rPr lang="ru-RU" sz="2000" dirty="0"/>
-              <a:t>не содержащий внутренних вершин, кроме </a:t>
-            </a:r>
-            <a:r>
-              <a:rPr lang="en-US" sz="2000" dirty="0" err="1" smtClean="0"/>
-              <a:t>i</a:t>
-            </a:r>
-            <a:r>
-              <a:rPr lang="ru-RU" sz="2000" dirty="0" smtClean="0"/>
-              <a:t>. </a:t>
-            </a:r>
-            <a:endParaRPr lang="ru-RU" sz="2000" dirty="0"/>
-          </a:p>
-          <a:p>
-            <a:endParaRPr lang="ru-RU" sz="2000" dirty="0"/>
-          </a:p>
-          <a:p>
-            <a:r>
-              <a:rPr lang="ru-RU" sz="2000" dirty="0"/>
-              <a:t>Очевидно, что для этого достаточно выбрать меньшую из 2-х величин: </a:t>
-            </a:r>
-            <a:r>
-              <a:rPr lang="ru-RU" sz="2000" dirty="0" smtClean="0"/>
-              <a:t>С</a:t>
-            </a:r>
-            <a:r>
-              <a:rPr lang="en-US" sz="2000" dirty="0" err="1" smtClean="0"/>
-              <a:t>uv</a:t>
-            </a:r>
-            <a:r>
-              <a:rPr lang="ru-RU" sz="2000" dirty="0" smtClean="0"/>
-              <a:t> </a:t>
-            </a:r>
-            <a:r>
-              <a:rPr lang="ru-RU" sz="2000" dirty="0"/>
-              <a:t>и </a:t>
-            </a:r>
-            <a:r>
-              <a:rPr lang="ru-RU" sz="2000" dirty="0" smtClean="0"/>
-              <a:t>С</a:t>
-            </a:r>
-            <a:r>
-              <a:rPr lang="en-US" sz="2000" dirty="0" smtClean="0"/>
-              <a:t>u</a:t>
-            </a:r>
-            <a:r>
-              <a:rPr lang="ru-RU" sz="2000" dirty="0" smtClean="0"/>
-              <a:t>i </a:t>
-            </a:r>
-            <a:r>
-              <a:rPr lang="ru-RU" sz="2000" dirty="0"/>
-              <a:t>+ </a:t>
-            </a:r>
-            <a:r>
-              <a:rPr lang="ru-RU" sz="2000" dirty="0" smtClean="0"/>
-              <a:t>С</a:t>
-            </a:r>
-            <a:r>
-              <a:rPr lang="en-US" sz="2000" dirty="0" smtClean="0"/>
-              <a:t>i</a:t>
-            </a:r>
-            <a:r>
-              <a:rPr lang="en-US" sz="2000" dirty="0"/>
-              <a:t>v</a:t>
-            </a:r>
-            <a:r>
-              <a:rPr lang="ru-RU" sz="2000" dirty="0" smtClean="0"/>
-              <a:t>. </a:t>
-            </a:r>
-            <a:endParaRPr lang="ru-RU" sz="2000" dirty="0"/>
+            <a:pPr marL="0" indent="0" algn="l">
+              <a:buNone/>
+            </a:pPr>
+            <a:r>
+              <a:rPr lang="ru-RU" dirty="0">
+                <a:solidFill>
+                  <a:schemeClr val="tx1"/>
+                </a:solidFill>
+                <a:latin typeface="Times New Roman" panose="02020603050405020304" pitchFamily="18" charset="0"/>
+                <a:cs typeface="Times New Roman" panose="02020603050405020304" pitchFamily="18" charset="0"/>
+              </a:rPr>
+              <a:t>В простейшем случае, когда для поиска вершины с минимальным </a:t>
+            </a:r>
+            <a:r>
+              <a:rPr lang="en" dirty="0">
+                <a:solidFill>
+                  <a:schemeClr val="tx1"/>
+                </a:solidFill>
+                <a:latin typeface="Times New Roman" panose="02020603050405020304" pitchFamily="18" charset="0"/>
+                <a:cs typeface="Times New Roman" panose="02020603050405020304" pitchFamily="18" charset="0"/>
+              </a:rPr>
+              <a:t>d[v] </a:t>
+            </a:r>
+            <a:r>
+              <a:rPr lang="ru-RU" dirty="0">
+                <a:solidFill>
+                  <a:schemeClr val="tx1"/>
+                </a:solidFill>
+                <a:latin typeface="Times New Roman" panose="02020603050405020304" pitchFamily="18" charset="0"/>
+                <a:cs typeface="Times New Roman" panose="02020603050405020304" pitchFamily="18" charset="0"/>
+              </a:rPr>
+              <a:t>просматривается всё множество вершин, а для хранения величин </a:t>
+            </a:r>
+            <a:r>
+              <a:rPr lang="en" dirty="0">
+                <a:solidFill>
+                  <a:schemeClr val="tx1"/>
+                </a:solidFill>
+                <a:latin typeface="Times New Roman" panose="02020603050405020304" pitchFamily="18" charset="0"/>
+                <a:cs typeface="Times New Roman" panose="02020603050405020304" pitchFamily="18" charset="0"/>
+              </a:rPr>
+              <a:t>d </a:t>
+            </a:r>
+            <a:r>
+              <a:rPr lang="ru-RU" dirty="0">
+                <a:solidFill>
+                  <a:schemeClr val="tx1"/>
+                </a:solidFill>
+                <a:latin typeface="Times New Roman" panose="02020603050405020304" pitchFamily="18" charset="0"/>
+                <a:cs typeface="Times New Roman" panose="02020603050405020304" pitchFamily="18" charset="0"/>
+              </a:rPr>
+              <a:t>используется массив, время работы алгоритма есть  </a:t>
+            </a:r>
+            <a:r>
+              <a:rPr lang="en" dirty="0">
+                <a:solidFill>
+                  <a:schemeClr val="tx1"/>
+                </a:solidFill>
+                <a:latin typeface="Times New Roman" panose="02020603050405020304" pitchFamily="18" charset="0"/>
+                <a:cs typeface="Times New Roman" panose="02020603050405020304" pitchFamily="18" charset="0"/>
+              </a:rPr>
+              <a:t>O ( n 2 ) . </a:t>
+            </a:r>
+            <a:r>
+              <a:rPr lang="ru-RU" dirty="0">
+                <a:solidFill>
+                  <a:schemeClr val="tx1"/>
+                </a:solidFill>
+                <a:latin typeface="Times New Roman" panose="02020603050405020304" pitchFamily="18" charset="0"/>
+                <a:cs typeface="Times New Roman" panose="02020603050405020304" pitchFamily="18" charset="0"/>
+              </a:rPr>
+              <a:t>Основной цикл выполняется порядка </a:t>
+            </a:r>
+            <a:r>
+              <a:rPr lang="en" dirty="0">
+                <a:solidFill>
+                  <a:schemeClr val="tx1"/>
+                </a:solidFill>
+                <a:latin typeface="Times New Roman" panose="02020603050405020304" pitchFamily="18" charset="0"/>
+                <a:cs typeface="Times New Roman" panose="02020603050405020304" pitchFamily="18" charset="0"/>
+              </a:rPr>
+              <a:t>n </a:t>
+            </a:r>
+            <a:r>
+              <a:rPr lang="ru-RU" dirty="0">
+                <a:solidFill>
+                  <a:schemeClr val="tx1"/>
+                </a:solidFill>
+                <a:latin typeface="Times New Roman" panose="02020603050405020304" pitchFamily="18" charset="0"/>
+                <a:cs typeface="Times New Roman" panose="02020603050405020304" pitchFamily="18" charset="0"/>
+              </a:rPr>
+              <a:t>раз, в каждом из них на нахождение минимума тратится порядка </a:t>
+            </a:r>
+            <a:r>
+              <a:rPr lang="en" dirty="0">
+                <a:solidFill>
+                  <a:schemeClr val="tx1"/>
+                </a:solidFill>
+                <a:latin typeface="Times New Roman" panose="02020603050405020304" pitchFamily="18" charset="0"/>
+                <a:cs typeface="Times New Roman" panose="02020603050405020304" pitchFamily="18" charset="0"/>
+              </a:rPr>
+              <a:t>n </a:t>
+            </a:r>
+            <a:r>
+              <a:rPr lang="ru-RU" dirty="0">
+                <a:solidFill>
+                  <a:schemeClr val="tx1"/>
+                </a:solidFill>
+                <a:latin typeface="Times New Roman" panose="02020603050405020304" pitchFamily="18" charset="0"/>
+                <a:cs typeface="Times New Roman" panose="02020603050405020304" pitchFamily="18" charset="0"/>
+              </a:rPr>
+              <a:t>операций. На циклы по соседям каждой посещаемой вершины тратится количество операций, пропорциональное количеству рёбер </a:t>
+            </a:r>
+            <a:r>
+              <a:rPr lang="en" dirty="0">
+                <a:solidFill>
+                  <a:schemeClr val="tx1"/>
+                </a:solidFill>
+                <a:latin typeface="Times New Roman" panose="02020603050405020304" pitchFamily="18" charset="0"/>
+                <a:cs typeface="Times New Roman" panose="02020603050405020304" pitchFamily="18" charset="0"/>
+              </a:rPr>
+              <a:t>m</a:t>
+            </a:r>
+            <a:r>
+              <a:rPr lang="en-US" dirty="0">
+                <a:solidFill>
+                  <a:schemeClr val="tx1"/>
+                </a:solidFill>
+                <a:latin typeface="Times New Roman" panose="02020603050405020304" pitchFamily="18" charset="0"/>
+                <a:cs typeface="Times New Roman" panose="02020603050405020304" pitchFamily="18" charset="0"/>
+              </a:rPr>
+              <a:t>.</a:t>
+            </a:r>
+            <a:r>
+              <a:rPr lang="ru-RU" dirty="0">
+                <a:solidFill>
+                  <a:schemeClr val="tx1"/>
+                </a:solidFill>
+                <a:latin typeface="Times New Roman" panose="02020603050405020304" pitchFamily="18" charset="0"/>
+                <a:cs typeface="Times New Roman" panose="02020603050405020304" pitchFamily="18" charset="0"/>
+              </a:rPr>
+              <a:t>Таким образом, общее время работы алгоритма  </a:t>
+            </a:r>
+            <a:r>
+              <a:rPr lang="en" dirty="0">
+                <a:solidFill>
+                  <a:schemeClr val="tx1"/>
+                </a:solidFill>
+                <a:latin typeface="Times New Roman" panose="02020603050405020304" pitchFamily="18" charset="0"/>
+                <a:cs typeface="Times New Roman" panose="02020603050405020304" pitchFamily="18" charset="0"/>
+              </a:rPr>
+              <a:t>O ( n 2 + m ), </a:t>
+            </a:r>
+            <a:r>
+              <a:rPr lang="ru-RU" dirty="0">
+                <a:solidFill>
+                  <a:schemeClr val="tx1"/>
+                </a:solidFill>
+                <a:latin typeface="Times New Roman" panose="02020603050405020304" pitchFamily="18" charset="0"/>
+                <a:cs typeface="Times New Roman" panose="02020603050405020304" pitchFamily="18" charset="0"/>
+              </a:rPr>
+              <a:t>но, так как  </a:t>
+            </a:r>
+            <a:r>
+              <a:rPr lang="en" dirty="0">
+                <a:solidFill>
+                  <a:schemeClr val="tx1"/>
+                </a:solidFill>
+                <a:latin typeface="Times New Roman" panose="02020603050405020304" pitchFamily="18" charset="0"/>
+                <a:cs typeface="Times New Roman" panose="02020603050405020304" pitchFamily="18" charset="0"/>
+              </a:rPr>
+              <a:t>m ≤ n ( n − 1 ), </a:t>
+            </a:r>
+            <a:r>
+              <a:rPr lang="ru-RU" dirty="0">
+                <a:solidFill>
+                  <a:schemeClr val="tx1"/>
+                </a:solidFill>
+                <a:latin typeface="Times New Roman" panose="02020603050405020304" pitchFamily="18" charset="0"/>
+                <a:cs typeface="Times New Roman" panose="02020603050405020304" pitchFamily="18" charset="0"/>
+              </a:rPr>
+              <a:t>оно составляет  </a:t>
+            </a:r>
+            <a:r>
+              <a:rPr lang="en" dirty="0">
+                <a:solidFill>
+                  <a:schemeClr val="tx1"/>
+                </a:solidFill>
+                <a:latin typeface="Times New Roman" panose="02020603050405020304" pitchFamily="18" charset="0"/>
+                <a:cs typeface="Times New Roman" panose="02020603050405020304" pitchFamily="18" charset="0"/>
+              </a:rPr>
+              <a:t>O ( n2). </a:t>
+            </a:r>
+            <a:r>
+              <a:rPr lang="ru-RU" dirty="0">
+                <a:solidFill>
+                  <a:schemeClr val="tx1"/>
+                </a:solidFill>
+                <a:latin typeface="Times New Roman" panose="02020603050405020304" pitchFamily="18" charset="0"/>
+                <a:cs typeface="Times New Roman" panose="02020603050405020304" pitchFamily="18" charset="0"/>
+              </a:rPr>
+              <a:t>В своем алгоритме я использую Приоритетную очередь, но так как из нее нельзя удалять произвольные элементы, то при релаксации просто не будем удалять старые пары из очереди. В результате в очереди могут находиться одновременно несколько пар для одной и той же вершины (но с разными расстояниями). Поэтому надо сделать небольшую модификацию: в начале каждой итерации, когда мы извлекаем из очереди очередную пару, будем проверять, фиктивная она или нет. Следует отметить, что это важная модификация: если не сделать её, то это приведёт к значительному ухудшению асимптотики (до </a:t>
+            </a:r>
+            <a:r>
+              <a:rPr lang="en" dirty="0">
+                <a:solidFill>
+                  <a:schemeClr val="tx1"/>
+                </a:solidFill>
+                <a:latin typeface="Times New Roman" panose="02020603050405020304" pitchFamily="18" charset="0"/>
+                <a:cs typeface="Times New Roman" panose="02020603050405020304" pitchFamily="18" charset="0"/>
+              </a:rPr>
+              <a:t>O(nm)).</a:t>
+            </a:r>
+            <a:r>
+              <a:rPr lang="ru-RU" dirty="0">
+                <a:solidFill>
+                  <a:schemeClr val="tx1"/>
+                </a:solidFill>
+                <a:latin typeface="Times New Roman" panose="02020603050405020304" pitchFamily="18" charset="0"/>
+                <a:cs typeface="Times New Roman" panose="02020603050405020304" pitchFamily="18" charset="0"/>
+              </a:rPr>
+              <a:t> Используя приоритетную очередь (которая построена на бинарной куче) можно выполнять операции извлечения минимума и обновления элемента за </a:t>
+            </a:r>
+            <a:r>
+              <a:rPr lang="en" dirty="0">
+                <a:solidFill>
+                  <a:schemeClr val="tx1"/>
+                </a:solidFill>
+                <a:latin typeface="Times New Roman" panose="02020603050405020304" pitchFamily="18" charset="0"/>
+                <a:cs typeface="Times New Roman" panose="02020603050405020304" pitchFamily="18" charset="0"/>
+              </a:rPr>
+              <a:t>O(</a:t>
+            </a:r>
+            <a:r>
+              <a:rPr lang="en" dirty="0" err="1">
+                <a:solidFill>
+                  <a:schemeClr val="tx1"/>
+                </a:solidFill>
+                <a:latin typeface="Times New Roman" panose="02020603050405020304" pitchFamily="18" charset="0"/>
+                <a:cs typeface="Times New Roman" panose="02020603050405020304" pitchFamily="18" charset="0"/>
+              </a:rPr>
+              <a:t>logn</a:t>
+            </a:r>
+            <a:r>
+              <a:rPr lang="en" dirty="0">
+                <a:solidFill>
+                  <a:schemeClr val="tx1"/>
+                </a:solidFill>
+                <a:latin typeface="Times New Roman" panose="02020603050405020304" pitchFamily="18" charset="0"/>
+                <a:cs typeface="Times New Roman" panose="02020603050405020304" pitchFamily="18" charset="0"/>
+              </a:rPr>
+              <a:t>). </a:t>
+            </a:r>
+            <a:r>
+              <a:rPr lang="ru-RU" dirty="0">
+                <a:solidFill>
+                  <a:schemeClr val="tx1"/>
+                </a:solidFill>
+                <a:latin typeface="Times New Roman" panose="02020603050405020304" pitchFamily="18" charset="0"/>
+                <a:cs typeface="Times New Roman" panose="02020603050405020304" pitchFamily="18" charset="0"/>
+              </a:rPr>
+              <a:t>Тогда время работы алгоритма </a:t>
+            </a:r>
+            <a:r>
+              <a:rPr lang="ru-RU" dirty="0" err="1">
+                <a:solidFill>
+                  <a:schemeClr val="tx1"/>
+                </a:solidFill>
+                <a:latin typeface="Times New Roman" panose="02020603050405020304" pitchFamily="18" charset="0"/>
+                <a:cs typeface="Times New Roman" panose="02020603050405020304" pitchFamily="18" charset="0"/>
+              </a:rPr>
+              <a:t>Дейкстры</a:t>
+            </a:r>
+            <a:r>
+              <a:rPr lang="ru-RU" dirty="0">
+                <a:solidFill>
+                  <a:schemeClr val="tx1"/>
+                </a:solidFill>
+                <a:latin typeface="Times New Roman" panose="02020603050405020304" pitchFamily="18" charset="0"/>
+                <a:cs typeface="Times New Roman" panose="02020603050405020304" pitchFamily="18" charset="0"/>
+              </a:rPr>
+              <a:t> составит </a:t>
+            </a:r>
+            <a:r>
+              <a:rPr lang="en" dirty="0">
+                <a:solidFill>
+                  <a:schemeClr val="tx1"/>
+                </a:solidFill>
+                <a:latin typeface="Times New Roman" panose="02020603050405020304" pitchFamily="18" charset="0"/>
+                <a:cs typeface="Times New Roman" panose="02020603050405020304" pitchFamily="18" charset="0"/>
+              </a:rPr>
+              <a:t>O(</a:t>
+            </a:r>
+            <a:r>
+              <a:rPr lang="en" dirty="0" err="1">
+                <a:solidFill>
+                  <a:schemeClr val="tx1"/>
+                </a:solidFill>
+                <a:latin typeface="Times New Roman" panose="02020603050405020304" pitchFamily="18" charset="0"/>
+                <a:cs typeface="Times New Roman" panose="02020603050405020304" pitchFamily="18" charset="0"/>
+              </a:rPr>
+              <a:t>nlogn+mlogn</a:t>
+            </a:r>
+            <a:r>
+              <a:rPr lang="en" dirty="0">
+                <a:solidFill>
+                  <a:schemeClr val="tx1"/>
+                </a:solidFill>
+                <a:latin typeface="Times New Roman" panose="02020603050405020304" pitchFamily="18" charset="0"/>
+                <a:cs typeface="Times New Roman" panose="02020603050405020304" pitchFamily="18" charset="0"/>
+              </a:rPr>
+              <a:t>)=O(</a:t>
+            </a:r>
+            <a:r>
+              <a:rPr lang="en" dirty="0" err="1">
+                <a:solidFill>
+                  <a:schemeClr val="tx1"/>
+                </a:solidFill>
+                <a:latin typeface="Times New Roman" panose="02020603050405020304" pitchFamily="18" charset="0"/>
+                <a:cs typeface="Times New Roman" panose="02020603050405020304" pitchFamily="18" charset="0"/>
+              </a:rPr>
+              <a:t>mlogn</a:t>
+            </a:r>
+            <a:r>
+              <a:rPr lang="en" dirty="0">
+                <a:solidFill>
+                  <a:schemeClr val="tx1"/>
+                </a:solidFill>
+                <a:latin typeface="Times New Roman" panose="02020603050405020304" pitchFamily="18" charset="0"/>
+                <a:cs typeface="Times New Roman" panose="02020603050405020304" pitchFamily="18" charset="0"/>
+              </a:rPr>
+              <a:t>)</a:t>
+            </a:r>
+            <a:r>
+              <a:rPr lang="ru-RU" dirty="0">
+                <a:solidFill>
+                  <a:schemeClr val="tx1"/>
+                </a:solidFill>
+                <a:latin typeface="Times New Roman" panose="02020603050405020304" pitchFamily="18" charset="0"/>
+                <a:cs typeface="Times New Roman" panose="02020603050405020304" pitchFamily="18" charset="0"/>
+              </a:rPr>
+              <a:t>.</a:t>
+            </a:r>
+            <a:endParaRPr lang="ru-RU" dirty="0">
+              <a:solidFill>
+                <a:schemeClr val="tx1"/>
+              </a:solidFill>
+            </a:endParaRPr>
           </a:p>
         </p:txBody>
       </p:sp>
     </p:spTree>
     <p:extLst>
       <p:ext uri="{BB962C8B-B14F-4D97-AF65-F5344CB8AC3E}">
-        <p14:creationId xmlns:p14="http://schemas.microsoft.com/office/powerpoint/2010/main" val="52578700"/>
+        <p14:creationId xmlns:p14="http://schemas.microsoft.com/office/powerpoint/2010/main" val="3753343846"/>
       </p:ext>
     </p:extLst>
   </p:cSld>
@@ -7236,4 +11810,265 @@
     </a:ext>
   </a:extLst>
 </a:theme>
+</file>
+
+<file path=ppt/theme/theme2.xml><?xml version="1.0" encoding="utf-8"?>
+<a:theme xmlns:a="http://schemas.openxmlformats.org/drawingml/2006/main" name="Office Theme">
+  <a:themeElements>
+    <a:clrScheme name="Тема Office">
+      <a:dk1>
+        <a:sysClr val="windowText" lastClr="000000"/>
+      </a:dk1>
+      <a:lt1>
+        <a:sysClr val="window" lastClr="FFFFFF"/>
+      </a:lt1>
+      <a:dk2>
+        <a:srgbClr val="44546A"/>
+      </a:dk2>
+      <a:lt2>
+        <a:srgbClr val="E7E6E6"/>
+      </a:lt2>
+      <a:accent1>
+        <a:srgbClr val="1D9A78"/>
+      </a:accent1>
+      <a:accent2>
+        <a:srgbClr val="8BC145"/>
+      </a:accent2>
+      <a:accent3>
+        <a:srgbClr val="36AFCE"/>
+      </a:accent3>
+      <a:accent4>
+        <a:srgbClr val="1D6FA9"/>
+      </a:accent4>
+      <a:accent5>
+        <a:srgbClr val="B74919"/>
+      </a:accent5>
+      <a:accent6>
+        <a:srgbClr val="F19D19"/>
+      </a:accent6>
+      <a:hlink>
+        <a:srgbClr val="0563C1"/>
+      </a:hlink>
+      <a:folHlink>
+        <a:srgbClr val="954F72"/>
+      </a:folHlink>
+    </a:clrScheme>
+    <a:fontScheme name="Тема Office">
+      <a:majorFont>
+        <a:latin typeface="Calibri Light" panose="020F0302020204030204"/>
+        <a:ea typeface=""/>
+        <a:cs typeface=""/>
+        <a:font script="Jpan" typeface="游ゴシック Light"/>
+        <a:font script="Hang" typeface="맑은 고딕"/>
+        <a:font script="Hans" typeface="等线 Light"/>
+        <a:font script="Hant" typeface="新細明體"/>
+        <a:font script="Arab" typeface="Times New Roman"/>
+        <a:font script="Hebr" typeface="Times New Roman"/>
+        <a:font script="Thai" typeface="Angsana New"/>
+        <a:font script="Ethi" typeface="Nyala"/>
+        <a:font script="Beng" typeface="Vrinda"/>
+        <a:font script="Gujr" typeface="Shruti"/>
+        <a:font script="Khmr" typeface="MoolBoran"/>
+        <a:font script="Knda" typeface="Tunga"/>
+        <a:font script="Guru" typeface="Raavi"/>
+        <a:font script="Cans" typeface="Euphemia"/>
+        <a:font script="Cher" typeface="Plantagenet Cherokee"/>
+        <a:font script="Yiii" typeface="Microsoft Yi Baiti"/>
+        <a:font script="Tibt" typeface="Microsoft Himalaya"/>
+        <a:font script="Thaa" typeface="MV Boli"/>
+        <a:font script="Deva" typeface="Mangal"/>
+        <a:font script="Telu" typeface="Gautami"/>
+        <a:font script="Taml" typeface="Latha"/>
+        <a:font script="Syrc" typeface="Estrangelo Edessa"/>
+        <a:font script="Orya" typeface="Kalinga"/>
+        <a:font script="Mlym" typeface="Kartika"/>
+        <a:font script="Laoo" typeface="DokChampa"/>
+        <a:font script="Sinh" typeface="Iskoola Pota"/>
+        <a:font script="Mong" typeface="Mongolian Baiti"/>
+        <a:font script="Viet" typeface="Times New Roman"/>
+        <a:font script="Uigh" typeface="Microsoft Uighur"/>
+        <a:font script="Geor" typeface="Sylfaen"/>
+      </a:majorFont>
+      <a:minorFont>
+        <a:latin typeface="Calibri" panose="020F0502020204030204"/>
+        <a:ea typeface=""/>
+        <a:cs typeface=""/>
+        <a:font script="Jpan" typeface="游ゴシック"/>
+        <a:font script="Hang" typeface="맑은 고딕"/>
+        <a:font script="Hans" typeface="等线"/>
+        <a:font script="Hant" typeface="新細明體"/>
+        <a:font script="Arab" typeface="Arial"/>
+        <a:font script="Hebr" typeface="Arial"/>
+        <a:font script="Thai" typeface="Cordia New"/>
+        <a:font script="Ethi" typeface="Nyala"/>
+        <a:font script="Beng" typeface="Vrinda"/>
+        <a:font script="Gujr" typeface="Shruti"/>
+        <a:font script="Khmr" typeface="DaunPenh"/>
+        <a:font script="Knda" typeface="Tunga"/>
+        <a:font script="Guru" typeface="Raavi"/>
+        <a:font script="Cans" typeface="Euphemia"/>
+        <a:font script="Cher" typeface="Plantagenet Cherokee"/>
+        <a:font script="Yiii" typeface="Microsoft Yi Baiti"/>
+        <a:font script="Tibt" typeface="Microsoft Himalaya"/>
+        <a:font script="Thaa" typeface="MV Boli"/>
+        <a:font script="Deva" typeface="Mangal"/>
+        <a:font script="Telu" typeface="Gautami"/>
+        <a:font script="Taml" typeface="Latha"/>
+        <a:font script="Syrc" typeface="Estrangelo Edessa"/>
+        <a:font script="Orya" typeface="Kalinga"/>
+        <a:font script="Mlym" typeface="Kartika"/>
+        <a:font script="Laoo" typeface="DokChampa"/>
+        <a:font script="Sinh" typeface="Iskoola Pota"/>
+        <a:font script="Mong" typeface="Mongolian Baiti"/>
+        <a:font script="Viet" typeface="Arial"/>
+        <a:font script="Uigh" typeface="Microsoft Uighur"/>
+        <a:font script="Geor" typeface="Sylfaen"/>
+      </a:minorFont>
+    </a:fontScheme>
+    <a:fmtScheme name="Тема Office">
+      <a:fillStyleLst>
+        <a:solidFill>
+          <a:schemeClr val="phClr"/>
+        </a:solidFill>
+        <a:gradFill rotWithShape="1">
+          <a:gsLst>
+            <a:gs pos="0">
+              <a:schemeClr val="phClr">
+                <a:lumMod val="110000"/>
+                <a:satMod val="105000"/>
+                <a:tint val="67000"/>
+              </a:schemeClr>
+            </a:gs>
+            <a:gs pos="50000">
+              <a:schemeClr val="phClr">
+                <a:lumMod val="105000"/>
+                <a:satMod val="103000"/>
+                <a:tint val="73000"/>
+              </a:schemeClr>
+            </a:gs>
+            <a:gs pos="100000">
+              <a:schemeClr val="phClr">
+                <a:lumMod val="105000"/>
+                <a:satMod val="109000"/>
+                <a:tint val="81000"/>
+              </a:schemeClr>
+            </a:gs>
+          </a:gsLst>
+          <a:lin ang="5400000" scaled="0"/>
+        </a:gradFill>
+        <a:gradFill rotWithShape="1">
+          <a:gsLst>
+            <a:gs pos="0">
+              <a:schemeClr val="phClr">
+                <a:satMod val="103000"/>
+                <a:lumMod val="102000"/>
+                <a:tint val="94000"/>
+              </a:schemeClr>
+            </a:gs>
+            <a:gs pos="50000">
+              <a:schemeClr val="phClr">
+                <a:satMod val="110000"/>
+                <a:lumMod val="100000"/>
+                <a:shade val="100000"/>
+              </a:schemeClr>
+            </a:gs>
+            <a:gs pos="100000">
+              <a:schemeClr val="phClr">
+                <a:lumMod val="99000"/>
+                <a:satMod val="120000"/>
+                <a:shade val="78000"/>
+              </a:schemeClr>
+            </a:gs>
+          </a:gsLst>
+          <a:lin ang="5400000" scaled="0"/>
+        </a:gradFill>
+      </a:fillStyleLst>
+      <a:lnStyleLst>
+        <a:ln w="6350" cap="flat" cmpd="sng" algn="ctr">
+          <a:solidFill>
+            <a:schemeClr val="phClr"/>
+          </a:solidFill>
+          <a:prstDash val="solid"/>
+          <a:miter lim="800000"/>
+        </a:ln>
+        <a:ln w="12700" cap="flat" cmpd="sng" algn="ctr">
+          <a:solidFill>
+            <a:schemeClr val="phClr"/>
+          </a:solidFill>
+          <a:prstDash val="solid"/>
+          <a:miter lim="800000"/>
+        </a:ln>
+        <a:ln w="19050" cap="flat" cmpd="sng" algn="ctr">
+          <a:solidFill>
+            <a:schemeClr val="phClr"/>
+          </a:solidFill>
+          <a:prstDash val="solid"/>
+          <a:miter lim="800000"/>
+        </a:ln>
+      </a:lnStyleLst>
+      <a:effectStyleLst>
+        <a:effectStyle>
+          <a:effectLst/>
+        </a:effectStyle>
+        <a:effectStyle>
+          <a:effectLst/>
+        </a:effectStyle>
+        <a:effectStyle>
+          <a:effectLst>
+            <a:outerShdw blurRad="57150" dist="19050" dir="5400000" algn="ctr" rotWithShape="0">
+              <a:srgbClr val="000000">
+                <a:alpha val="63000"/>
+              </a:srgbClr>
+            </a:outerShdw>
+          </a:effectLst>
+        </a:effectStyle>
+      </a:effectStyleLst>
+      <a:bgFillStyleLst>
+        <a:solidFill>
+          <a:schemeClr val="phClr"/>
+        </a:solidFill>
+        <a:solidFill>
+          <a:schemeClr val="phClr">
+            <a:tint val="95000"/>
+            <a:satMod val="170000"/>
+          </a:schemeClr>
+        </a:solidFill>
+        <a:gradFill rotWithShape="1">
+          <a:gsLst>
+            <a:gs pos="0">
+              <a:schemeClr val="phClr">
+                <a:tint val="93000"/>
+                <a:satMod val="150000"/>
+                <a:shade val="98000"/>
+                <a:lumMod val="102000"/>
+              </a:schemeClr>
+            </a:gs>
+            <a:gs pos="50000">
+              <a:schemeClr val="phClr">
+                <a:tint val="98000"/>
+                <a:satMod val="130000"/>
+                <a:shade val="90000"/>
+                <a:lumMod val="103000"/>
+              </a:schemeClr>
+            </a:gs>
+            <a:gs pos="100000">
+              <a:schemeClr val="phClr">
+                <a:shade val="63000"/>
+                <a:satMod val="120000"/>
+              </a:schemeClr>
+            </a:gs>
+          </a:gsLst>
+          <a:lin ang="5400000" scaled="0"/>
+        </a:gradFill>
+      </a:bgFillStyleLst>
+    </a:fmtScheme>
+  </a:themeElements>
+  <a:objectDefaults/>
+  <a:extraClrSchemeLst/>
+  <a:extLst>
+    <a:ext uri="{05A4C25C-085E-4340-85A3-A5531E510DB2}">
+      <thm15:themeFamily xmlns:thm15="http://schemas.microsoft.com/office/thememl/2012/main" name="Office Theme" id="{62F939B6-93AF-4DB8-9C6B-D6C7DFDC589F}" vid="{AE6F2518-B084-4896-AF52-66CC2144AA26}"/>
+    </a:ext>
+  </a:extLst>
+</a:theme>
 </file>